--- a/rerun/saltconf15/SaltConf15 slide template.pptx.pptx
+++ b/rerun/saltconf15/SaltConf15 slide template.pptx.pptx
@@ -31,6 +31,7 @@
     <p:sldId id="276" r:id="rId26"/>
     <p:sldId id="277" r:id="rId27"/>
     <p:sldId id="278" r:id="rId28"/>
+    <p:sldId id="279" r:id="rId29"/>
   </p:sldIdLst>
   <p:sldSz cy="5143500" cx="9144000"/>
   <p:notesSz cy="9144000" cx="6858000"/>
@@ -1233,7 +1234,7 @@
   <p:cSld>
     <p:spTree>
       <p:nvGrpSpPr>
-        <p:cNvPr id="288" name="Shape 288"/>
+        <p:cNvPr id="246" name="Shape 246"/>
         <p:cNvGrpSpPr/>
         <p:nvPr/>
       </p:nvGrpSpPr>
@@ -1247,7 +1248,7 @@
       </p:grpSpPr>
       <p:sp>
         <p:nvSpPr>
-          <p:cNvPr id="289" name="Shape 289"/>
+          <p:cNvPr id="247" name="Shape 247"/>
           <p:cNvSpPr txBox="1"/>
           <p:nvPr>
             <p:ph idx="1" type="body"/>
@@ -1283,7 +1284,7 @@
       </p:sp>
       <p:sp>
         <p:nvSpPr>
-          <p:cNvPr id="290" name="Shape 290"/>
+          <p:cNvPr id="248" name="Shape 248"/>
           <p:cNvSpPr/>
           <p:nvPr>
             <p:ph idx="2" type="sldImg"/>
@@ -1338,7 +1339,7 @@
   <p:cSld>
     <p:spTree>
       <p:nvGrpSpPr>
-        <p:cNvPr id="295" name="Shape 295"/>
+        <p:cNvPr id="253" name="Shape 253"/>
         <p:cNvGrpSpPr/>
         <p:nvPr/>
       </p:nvGrpSpPr>
@@ -1352,7 +1353,7 @@
       </p:grpSpPr>
       <p:sp>
         <p:nvSpPr>
-          <p:cNvPr id="296" name="Shape 296"/>
+          <p:cNvPr id="254" name="Shape 254"/>
           <p:cNvSpPr txBox="1"/>
           <p:nvPr>
             <p:ph idx="1" type="body"/>
@@ -1373,235 +1374,22 @@
           </a:bodyPr>
           <a:lstStyle/>
           <a:p>
-            <a:pPr rtl="0" lvl="0" indent="-317500" marL="457200">
-              <a:spcBef>
-                <a:spcPts val="0"/>
-              </a:spcBef>
-              <a:buClr>
-                <a:srgbClr val="000000"/>
-              </a:buClr>
-              <a:buSzPct val="100000"/>
-              <a:buFont typeface="Arial"/>
-              <a:buAutoNum type="arabicPeriod"/>
-            </a:pPr>
-            <a:r>
-              <a:rPr lang="en-US"/>
-              <a:t>Why should data scientists have all the fun?  DevOps has big data problems also.</a:t>
-            </a:r>
-          </a:p>
-          <a:p>
-            <a:pPr rtl="0" lvl="0" indent="-317500" marL="457200">
-              <a:spcBef>
-                <a:spcPts val="0"/>
-              </a:spcBef>
-              <a:buClr>
-                <a:srgbClr val="000000"/>
-              </a:buClr>
-              <a:buSzPct val="100000"/>
-              <a:buFont typeface="Arial"/>
-              <a:buAutoNum type="arabicPeriod"/>
-            </a:pPr>
-            <a:r>
-              <a:rPr lang="en-US"/>
-              <a:t>be careful to not oversale salt-reduce</a:t>
-            </a:r>
-          </a:p>
-          <a:p>
-            <a:pPr rtl="0" lvl="0" indent="-317500" marL="457200">
-              <a:spcBef>
-                <a:spcPts val="0"/>
-              </a:spcBef>
-              <a:buClr>
-                <a:srgbClr val="000000"/>
-              </a:buClr>
-              <a:buSzPct val="100000"/>
-              <a:buFont typeface="Arial"/>
-              <a:buAutoNum type="arabicPeriod"/>
-            </a:pPr>
-            <a:r>
-              <a:rPr lang="en-US"/>
-              <a:t>discuss David Hilton’s bioinformatics homework problem.</a:t>
-            </a:r>
-          </a:p>
-          <a:p>
-            <a:pPr rtl="0" lvl="0" indent="-317500" marL="457200">
-              <a:spcBef>
-                <a:spcPts val="0"/>
-              </a:spcBef>
-              <a:buClr>
-                <a:srgbClr val="000000"/>
-              </a:buClr>
-              <a:buSzPct val="100000"/>
-              <a:buFont typeface="Arial"/>
-              <a:buAutoNum type="arabicPeriod"/>
-            </a:pPr>
-            <a:r>
-              <a:rPr lang="en-US"/>
-              <a:t>discuss “survey” salt-runner approach vs. a “salt-reduce” one</a:t>
-            </a:r>
-          </a:p>
-          <a:p>
-            <a:pPr rtl="0" lvl="1" indent="-317500" marL="914400">
-              <a:spcBef>
-                <a:spcPts val="0"/>
-              </a:spcBef>
-              <a:buClr>
-                <a:srgbClr val="000000"/>
-              </a:buClr>
-              <a:buSzPct val="100000"/>
-              <a:buFont typeface="Arial"/>
-              <a:buAutoNum type="alphaLcPeriod"/>
-            </a:pPr>
-            <a:r>
-              <a:rPr lang="en-US"/>
-              <a:t>disclose that “survey” fails to preprocess the hash digest of results</a:t>
-            </a:r>
-          </a:p>
-          <a:p>
-            <a:pPr rtl="0" lvl="0" indent="-317500" marL="457200">
-              <a:spcBef>
-                <a:spcPts val="0"/>
-              </a:spcBef>
-              <a:buClr>
-                <a:srgbClr val="000000"/>
-              </a:buClr>
-              <a:buSzPct val="100000"/>
-              <a:buFont typeface="Arial"/>
-              <a:buAutoNum type="arabicPeriod"/>
-            </a:pPr>
-            <a:r>
-              <a:rPr lang="en-US"/>
-              <a:t>discuss the motivations for “in-situ” processing of log data</a:t>
-            </a:r>
-          </a:p>
-          <a:p>
-            <a:pPr rtl="0" lvl="1" indent="-317500" marL="914400">
-              <a:spcBef>
-                <a:spcPts val="0"/>
-              </a:spcBef>
-              <a:buClr>
-                <a:srgbClr val="000000"/>
-              </a:buClr>
-              <a:buSzPct val="100000"/>
-              <a:buFont typeface="Arial"/>
-              <a:buAutoNum type="alphaLcPeriod"/>
-            </a:pPr>
-            <a:r>
-              <a:rPr lang="en-US"/>
-              <a:t>bringing the computation to the data and avoid bottle necking on IO</a:t>
-            </a:r>
-          </a:p>
-          <a:p>
-            <a:pPr rtl="0" lvl="1" indent="-317500" marL="914400">
-              <a:spcBef>
-                <a:spcPts val="0"/>
-              </a:spcBef>
-              <a:buClr>
-                <a:srgbClr val="000000"/>
-              </a:buClr>
-              <a:buSzPct val="100000"/>
-              <a:buFont typeface="Arial"/>
-              <a:buAutoNum type="alphaLcPeriod"/>
-            </a:pPr>
-            <a:r>
-              <a:rPr lang="en-US"/>
-              <a:t>bringing the computation to available computers/cores.</a:t>
-            </a:r>
-          </a:p>
-          <a:p>
-            <a:pPr rtl="0" lvl="0" indent="-317500" marL="457200">
-              <a:spcBef>
-                <a:spcPts val="0"/>
-              </a:spcBef>
-              <a:buClr>
-                <a:srgbClr val="000000"/>
-              </a:buClr>
-              <a:buSzPct val="100000"/>
-              <a:buFont typeface="Arial"/>
-              <a:buAutoNum type="arabicPeriod"/>
-            </a:pPr>
-            <a:r>
-              <a:rPr lang="en-US"/>
-              <a:t>discuss the migrations “work-to-do” scheduler.</a:t>
-            </a:r>
-          </a:p>
-          <a:p>
-            <a:pPr rtl="0" lvl="1" indent="-317500" marL="914400">
-              <a:spcBef>
-                <a:spcPts val="0"/>
-              </a:spcBef>
-              <a:buClr>
-                <a:srgbClr val="000000"/>
-              </a:buClr>
-              <a:buSzPct val="100000"/>
-              <a:buFont typeface="Arial"/>
-              <a:buAutoNum type="alphaLcPeriod"/>
-            </a:pPr>
-            <a:r>
-              <a:rPr lang="en-US"/>
-              <a:t>config management assumes WTD = (# of Machines to be configured) by definition.</a:t>
-            </a:r>
-          </a:p>
-          <a:p>
-            <a:pPr rtl="0" lvl="1" indent="-317500" marL="914400">
-              <a:spcBef>
-                <a:spcPts val="0"/>
-              </a:spcBef>
-              <a:buClr>
-                <a:srgbClr val="000000"/>
-              </a:buClr>
-              <a:buSzPct val="100000"/>
-              <a:buFont typeface="Arial"/>
-              <a:buAutoNum type="alphaLcPeriod"/>
-            </a:pPr>
-            <a:r>
-              <a:rPr lang="en-US">
-                <a:solidFill>
-                  <a:schemeClr val="dk1"/>
-                </a:solidFill>
-              </a:rPr>
-              <a:t>map-reduce assumes (WTD-batch-size) ≠ (# of machines)</a:t>
-            </a:r>
-          </a:p>
-          <a:p>
-            <a:pPr rtl="0" lvl="0" indent="-317500" marL="457200">
-              <a:spcBef>
-                <a:spcPts val="0"/>
-              </a:spcBef>
-              <a:buClr>
-                <a:srgbClr val="000000"/>
-              </a:buClr>
-              <a:buSzPct val="100000"/>
-              <a:buFont typeface="Arial"/>
-              <a:buAutoNum type="arabicPeriod"/>
-            </a:pPr>
-            <a:r>
-              <a:rPr lang="en-US"/>
-              <a:t>discuss the problem of sorting all the log files in a data center according to the HTTP errors generated in the past few months -- this is potentially a big data problem.</a:t>
-            </a:r>
-          </a:p>
-          <a:p>
-            <a:pPr rtl="0" lvl="0" indent="-317500" marL="457200">
-              <a:spcBef>
-                <a:spcPts val="0"/>
-              </a:spcBef>
-              <a:buClr>
-                <a:srgbClr val="000000"/>
-              </a:buClr>
-              <a:buSzPct val="100000"/>
-              <a:buFont typeface="Arial"/>
-              <a:buAutoNum type="arabicPeriod"/>
-            </a:pPr>
-            <a:r>
-              <a:rPr lang="en-US"/>
-              <a:t>discuss the TCO of adding yet another map-reduce framework to your workflow.</a:t>
-            </a:r>
+            <a:pPr>
+              <a:spcBef>
+                <a:spcPts val="0"/>
+              </a:spcBef>
+              <a:buNone/>
+            </a:pPr>
+            <a:r>
+              <a:t/>
+            </a:r>
+            <a:endParaRPr/>
           </a:p>
         </p:txBody>
       </p:sp>
       <p:sp>
         <p:nvSpPr>
-          <p:cNvPr id="297" name="Shape 297"/>
+          <p:cNvPr id="255" name="Shape 255"/>
           <p:cNvSpPr/>
           <p:nvPr>
             <p:ph idx="2" type="sldImg"/>
@@ -1656,7 +1444,7 @@
   <p:cSld>
     <p:spTree>
       <p:nvGrpSpPr>
-        <p:cNvPr id="301" name="Shape 301"/>
+        <p:cNvPr id="259" name="Shape 259"/>
         <p:cNvGrpSpPr/>
         <p:nvPr/>
       </p:nvGrpSpPr>
@@ -1670,7 +1458,7 @@
       </p:grpSpPr>
       <p:sp>
         <p:nvSpPr>
-          <p:cNvPr id="302" name="Shape 302"/>
+          <p:cNvPr id="260" name="Shape 260"/>
           <p:cNvSpPr txBox="1"/>
           <p:nvPr>
             <p:ph idx="1" type="body"/>
@@ -1706,7 +1494,7 @@
       </p:sp>
       <p:sp>
         <p:nvSpPr>
-          <p:cNvPr id="303" name="Shape 303"/>
+          <p:cNvPr id="261" name="Shape 261"/>
           <p:cNvSpPr/>
           <p:nvPr>
             <p:ph idx="2" type="sldImg"/>
@@ -1761,7 +1549,7 @@
   <p:cSld>
     <p:spTree>
       <p:nvGrpSpPr>
-        <p:cNvPr id="308" name="Shape 308"/>
+        <p:cNvPr id="307" name="Shape 307"/>
         <p:cNvGrpSpPr/>
         <p:nvPr/>
       </p:nvGrpSpPr>
@@ -1775,7 +1563,7 @@
       </p:grpSpPr>
       <p:sp>
         <p:nvSpPr>
-          <p:cNvPr id="309" name="Shape 309"/>
+          <p:cNvPr id="308" name="Shape 308"/>
           <p:cNvSpPr txBox="1"/>
           <p:nvPr>
             <p:ph idx="1" type="body"/>
@@ -1811,7 +1599,7 @@
       </p:sp>
       <p:sp>
         <p:nvSpPr>
-          <p:cNvPr id="310" name="Shape 310"/>
+          <p:cNvPr id="309" name="Shape 309"/>
           <p:cNvSpPr/>
           <p:nvPr>
             <p:ph idx="2" type="sldImg"/>
@@ -2022,7 +1810,7 @@
   <p:cSld>
     <p:spTree>
       <p:nvGrpSpPr>
-        <p:cNvPr id="314" name="Shape 314"/>
+        <p:cNvPr id="313" name="Shape 313"/>
         <p:cNvGrpSpPr/>
         <p:nvPr/>
       </p:nvGrpSpPr>
@@ -2036,7 +1824,7 @@
       </p:grpSpPr>
       <p:sp>
         <p:nvSpPr>
-          <p:cNvPr id="315" name="Shape 315"/>
+          <p:cNvPr id="314" name="Shape 314"/>
           <p:cNvSpPr txBox="1"/>
           <p:nvPr>
             <p:ph idx="1" type="body"/>
@@ -2072,7 +1860,7 @@
       </p:sp>
       <p:sp>
         <p:nvSpPr>
-          <p:cNvPr id="316" name="Shape 316"/>
+          <p:cNvPr id="315" name="Shape 315"/>
           <p:cNvSpPr/>
           <p:nvPr>
             <p:ph idx="2" type="sldImg"/>
@@ -2127,7 +1915,7 @@
   <p:cSld>
     <p:spTree>
       <p:nvGrpSpPr>
-        <p:cNvPr id="321" name="Shape 321"/>
+        <p:cNvPr id="320" name="Shape 320"/>
         <p:cNvGrpSpPr/>
         <p:nvPr/>
       </p:nvGrpSpPr>
@@ -2141,7 +1929,7 @@
       </p:grpSpPr>
       <p:sp>
         <p:nvSpPr>
-          <p:cNvPr id="322" name="Shape 322"/>
+          <p:cNvPr id="321" name="Shape 321"/>
           <p:cNvSpPr txBox="1"/>
           <p:nvPr>
             <p:ph idx="1" type="body"/>
@@ -2177,7 +1965,7 @@
       </p:sp>
       <p:sp>
         <p:nvSpPr>
-          <p:cNvPr id="323" name="Shape 323"/>
+          <p:cNvPr id="322" name="Shape 322"/>
           <p:cNvSpPr/>
           <p:nvPr>
             <p:ph idx="2" type="sldImg"/>
@@ -2267,16 +2055,229 @@
           </a:bodyPr>
           <a:lstStyle/>
           <a:p>
-            <a:pPr>
-              <a:spcBef>
-                <a:spcPts val="0"/>
-              </a:spcBef>
-              <a:buNone/>
-            </a:pPr>
-            <a:r>
-              <a:t/>
-            </a:r>
-            <a:endParaRPr/>
+            <a:pPr rtl="0" lvl="0" indent="-317500" marL="457200">
+              <a:spcBef>
+                <a:spcPts val="0"/>
+              </a:spcBef>
+              <a:buClr>
+                <a:srgbClr val="000000"/>
+              </a:buClr>
+              <a:buSzPct val="100000"/>
+              <a:buFont typeface="Arial"/>
+              <a:buAutoNum type="arabicPeriod"/>
+            </a:pPr>
+            <a:r>
+              <a:rPr lang="en-US"/>
+              <a:t>Why should data scientists have all the fun?  DevOps has big data problems also.</a:t>
+            </a:r>
+          </a:p>
+          <a:p>
+            <a:pPr rtl="0" lvl="0" indent="-317500" marL="457200">
+              <a:spcBef>
+                <a:spcPts val="0"/>
+              </a:spcBef>
+              <a:buClr>
+                <a:srgbClr val="000000"/>
+              </a:buClr>
+              <a:buSzPct val="100000"/>
+              <a:buFont typeface="Arial"/>
+              <a:buAutoNum type="arabicPeriod"/>
+            </a:pPr>
+            <a:r>
+              <a:rPr lang="en-US"/>
+              <a:t>be careful to not oversale salt-reduce</a:t>
+            </a:r>
+          </a:p>
+          <a:p>
+            <a:pPr rtl="0" lvl="0" indent="-317500" marL="457200">
+              <a:spcBef>
+                <a:spcPts val="0"/>
+              </a:spcBef>
+              <a:buClr>
+                <a:srgbClr val="000000"/>
+              </a:buClr>
+              <a:buSzPct val="100000"/>
+              <a:buFont typeface="Arial"/>
+              <a:buAutoNum type="arabicPeriod"/>
+            </a:pPr>
+            <a:r>
+              <a:rPr lang="en-US"/>
+              <a:t>discuss David Hilton’s bioinformatics homework problem.</a:t>
+            </a:r>
+          </a:p>
+          <a:p>
+            <a:pPr rtl="0" lvl="0" indent="-317500" marL="457200">
+              <a:spcBef>
+                <a:spcPts val="0"/>
+              </a:spcBef>
+              <a:buClr>
+                <a:srgbClr val="000000"/>
+              </a:buClr>
+              <a:buSzPct val="100000"/>
+              <a:buFont typeface="Arial"/>
+              <a:buAutoNum type="arabicPeriod"/>
+            </a:pPr>
+            <a:r>
+              <a:rPr lang="en-US"/>
+              <a:t>discuss “survey” salt-runner approach vs. a “salt-reduce” one</a:t>
+            </a:r>
+          </a:p>
+          <a:p>
+            <a:pPr rtl="0" lvl="1" indent="-317500" marL="914400">
+              <a:spcBef>
+                <a:spcPts val="0"/>
+              </a:spcBef>
+              <a:buClr>
+                <a:srgbClr val="000000"/>
+              </a:buClr>
+              <a:buSzPct val="100000"/>
+              <a:buFont typeface="Arial"/>
+              <a:buAutoNum type="alphaLcPeriod"/>
+            </a:pPr>
+            <a:r>
+              <a:rPr lang="en-US"/>
+              <a:t>disclose that “survey” fails to preprocess the hash digest of results</a:t>
+            </a:r>
+          </a:p>
+          <a:p>
+            <a:pPr rtl="0" lvl="0" indent="-317500" marL="457200">
+              <a:spcBef>
+                <a:spcPts val="0"/>
+              </a:spcBef>
+              <a:buClr>
+                <a:srgbClr val="000000"/>
+              </a:buClr>
+              <a:buSzPct val="100000"/>
+              <a:buFont typeface="Arial"/>
+              <a:buAutoNum type="arabicPeriod"/>
+            </a:pPr>
+            <a:r>
+              <a:rPr lang="en-US"/>
+              <a:t>discuss the motivations for “in-situ” processing of log data</a:t>
+            </a:r>
+          </a:p>
+          <a:p>
+            <a:pPr rtl="0" lvl="1" indent="-317500" marL="914400">
+              <a:spcBef>
+                <a:spcPts val="0"/>
+              </a:spcBef>
+              <a:buClr>
+                <a:srgbClr val="000000"/>
+              </a:buClr>
+              <a:buSzPct val="100000"/>
+              <a:buFont typeface="Arial"/>
+              <a:buAutoNum type="alphaLcPeriod"/>
+            </a:pPr>
+            <a:r>
+              <a:rPr lang="en-US"/>
+              <a:t>bringing the computation to the data and avoid bottle necking on IO</a:t>
+            </a:r>
+          </a:p>
+          <a:p>
+            <a:pPr rtl="0" lvl="1" indent="-317500" marL="914400">
+              <a:spcBef>
+                <a:spcPts val="0"/>
+              </a:spcBef>
+              <a:buClr>
+                <a:srgbClr val="000000"/>
+              </a:buClr>
+              <a:buSzPct val="100000"/>
+              <a:buFont typeface="Arial"/>
+              <a:buAutoNum type="alphaLcPeriod"/>
+            </a:pPr>
+            <a:r>
+              <a:rPr lang="en-US"/>
+              <a:t>bringing the computation to available computers/cores.</a:t>
+            </a:r>
+          </a:p>
+          <a:p>
+            <a:pPr rtl="0" lvl="0" indent="-317500" marL="457200">
+              <a:spcBef>
+                <a:spcPts val="0"/>
+              </a:spcBef>
+              <a:buClr>
+                <a:srgbClr val="000000"/>
+              </a:buClr>
+              <a:buSzPct val="100000"/>
+              <a:buFont typeface="Arial"/>
+              <a:buAutoNum type="arabicPeriod"/>
+            </a:pPr>
+            <a:r>
+              <a:rPr lang="en-US"/>
+              <a:t>discuss the migrations “work-to-do” scheduler.</a:t>
+            </a:r>
+          </a:p>
+          <a:p>
+            <a:pPr rtl="0" lvl="1" indent="-317500" marL="914400">
+              <a:spcBef>
+                <a:spcPts val="0"/>
+              </a:spcBef>
+              <a:buClr>
+                <a:srgbClr val="000000"/>
+              </a:buClr>
+              <a:buSzPct val="100000"/>
+              <a:buFont typeface="Arial"/>
+              <a:buAutoNum type="alphaLcPeriod"/>
+            </a:pPr>
+            <a:r>
+              <a:rPr lang="en-US"/>
+              <a:t>config management assumes WTD = (# of Machines to be configured) by definition.</a:t>
+            </a:r>
+          </a:p>
+          <a:p>
+            <a:pPr rtl="0" lvl="1" indent="-317500" marL="914400">
+              <a:spcBef>
+                <a:spcPts val="0"/>
+              </a:spcBef>
+              <a:buClr>
+                <a:srgbClr val="000000"/>
+              </a:buClr>
+              <a:buSzPct val="100000"/>
+              <a:buFont typeface="Arial"/>
+              <a:buAutoNum type="alphaLcPeriod"/>
+            </a:pPr>
+            <a:r>
+              <a:rPr lang="en-US">
+                <a:solidFill>
+                  <a:schemeClr val="dk1"/>
+                </a:solidFill>
+              </a:rPr>
+              <a:t>map-reduce assumes (WTD-batch-size) ≠ (# of machines)</a:t>
+            </a:r>
+          </a:p>
+          <a:p>
+            <a:pPr rtl="0" lvl="0" indent="-317500" marL="457200">
+              <a:spcBef>
+                <a:spcPts val="0"/>
+              </a:spcBef>
+              <a:buClr>
+                <a:srgbClr val="000000"/>
+              </a:buClr>
+              <a:buSzPct val="100000"/>
+              <a:buFont typeface="Arial"/>
+              <a:buAutoNum type="arabicPeriod"/>
+            </a:pPr>
+            <a:r>
+              <a:rPr lang="en-US"/>
+              <a:t>discuss the problem of sorting all the log files in a data center according to the HTTP errors generated in the past few months -- this is potentially a big data problem.</a:t>
+            </a:r>
+          </a:p>
+          <a:p>
+            <a:pPr rtl="0" lvl="0" indent="-317500" marL="457200">
+              <a:spcBef>
+                <a:spcPts val="0"/>
+              </a:spcBef>
+              <a:buClr>
+                <a:srgbClr val="000000"/>
+              </a:buClr>
+              <a:buSzPct val="100000"/>
+              <a:buFont typeface="Arial"/>
+              <a:buAutoNum type="arabicPeriod"/>
+            </a:pPr>
+            <a:r>
+              <a:rPr lang="en-US"/>
+              <a:t>discuss the TCO of adding yet another map-reduce framework to your workflow.</a:t>
+            </a:r>
           </a:p>
         </p:txBody>
       </p:sp>
@@ -2337,7 +2338,7 @@
   <p:cSld>
     <p:spTree>
       <p:nvGrpSpPr>
-        <p:cNvPr id="334" name="Shape 334"/>
+        <p:cNvPr id="333" name="Shape 333"/>
         <p:cNvGrpSpPr/>
         <p:nvPr/>
       </p:nvGrpSpPr>
@@ -2351,7 +2352,7 @@
       </p:grpSpPr>
       <p:sp>
         <p:nvSpPr>
-          <p:cNvPr id="335" name="Shape 335"/>
+          <p:cNvPr id="334" name="Shape 334"/>
           <p:cNvSpPr txBox="1"/>
           <p:nvPr>
             <p:ph idx="1" type="body"/>
@@ -2387,7 +2388,112 @@
       </p:sp>
       <p:sp>
         <p:nvSpPr>
-          <p:cNvPr id="336" name="Shape 336"/>
+          <p:cNvPr id="335" name="Shape 335"/>
+          <p:cNvSpPr/>
+          <p:nvPr>
+            <p:ph idx="2" type="sldImg"/>
+          </p:nvPr>
+        </p:nvSpPr>
+        <p:spPr>
+          <a:xfrm>
+            <a:off y="685800" x="1143000"/>
+            <a:ext cy="3429000" cx="4572000"/>
+          </a:xfrm>
+          <a:custGeom>
+            <a:pathLst>
+              <a:path w="120000" extrusionOk="0" h="120000">
+                <a:moveTo>
+                  <a:pt y="0" x="0"/>
+                </a:moveTo>
+                <a:lnTo>
+                  <a:pt y="0" x="120000"/>
+                </a:lnTo>
+                <a:lnTo>
+                  <a:pt y="120000" x="120000"/>
+                </a:lnTo>
+                <a:lnTo>
+                  <a:pt y="120000" x="0"/>
+                </a:lnTo>
+                <a:close/>
+              </a:path>
+            </a:pathLst>
+          </a:custGeom>
+          <a:noFill/>
+          <a:ln w="9525" cap="flat">
+            <a:solidFill>
+              <a:srgbClr val="000000"/>
+            </a:solidFill>
+            <a:prstDash val="solid"/>
+            <a:round/>
+            <a:headEnd w="med" len="med" type="none"/>
+            <a:tailEnd w="med" len="med" type="none"/>
+          </a:ln>
+        </p:spPr>
+      </p:sp>
+    </p:spTree>
+  </p:cSld>
+  <p:clrMapOvr>
+    <a:masterClrMapping/>
+  </p:clrMapOvr>
+</p:notes>
+</file>
+
+<file path=ppt/notesSlides/notesSlide24.xml><?xml version="1.0" encoding="utf-8"?>
+<p:notes xmlns:a="http://schemas.openxmlformats.org/drawingml/2006/main" xmlns:r="http://schemas.openxmlformats.org/officeDocument/2006/relationships" xmlns:mc="http://schemas.openxmlformats.org/markup-compatibility/2006" xmlns:mv="urn:schemas-microsoft-com:mac:vml" xmlns:p="http://schemas.openxmlformats.org/presentationml/2006/main" xmlns:c="http://schemas.openxmlformats.org/drawingml/2006/chart" xmlns:dgm="http://schemas.openxmlformats.org/drawingml/2006/diagram" xmlns:o="urn:schemas-microsoft-com:office:office" xmlns:v="urn:schemas-microsoft-com:vml" xmlns:pvml="urn:schemas-microsoft-com:office:powerpoint" xmlns:com="http://schemas.openxmlformats.org/drawingml/2006/compatibility" xmlns:p14="http://schemas.microsoft.com/office/powerpoint/2010/main" showMasterSp="0" showMasterPhAnim="0">
+  <p:cSld>
+    <p:spTree>
+      <p:nvGrpSpPr>
+        <p:cNvPr id="340" name="Shape 340"/>
+        <p:cNvGrpSpPr/>
+        <p:nvPr/>
+      </p:nvGrpSpPr>
+      <p:grpSpPr>
+        <a:xfrm>
+          <a:off y="0" x="0"/>
+          <a:ext cy="0" cx="0"/>
+          <a:chOff y="0" x="0"/>
+          <a:chExt cy="0" cx="0"/>
+        </a:xfrm>
+      </p:grpSpPr>
+      <p:sp>
+        <p:nvSpPr>
+          <p:cNvPr id="341" name="Shape 341"/>
+          <p:cNvSpPr txBox="1"/>
+          <p:nvPr>
+            <p:ph idx="1" type="body"/>
+          </p:nvPr>
+        </p:nvSpPr>
+        <p:spPr>
+          <a:xfrm>
+            <a:off y="4343400" x="914400"/>
+            <a:ext cy="4114800" cx="5029199"/>
+          </a:xfrm>
+          <a:prstGeom prst="rect">
+            <a:avLst/>
+          </a:prstGeom>
+        </p:spPr>
+        <p:txBody>
+          <a:bodyPr bIns="91425" rIns="91425" lIns="91425" tIns="91425" anchor="t" anchorCtr="0">
+            <a:noAutofit/>
+          </a:bodyPr>
+          <a:lstStyle/>
+          <a:p>
+            <a:pPr>
+              <a:spcBef>
+                <a:spcPts val="0"/>
+              </a:spcBef>
+              <a:buNone/>
+            </a:pPr>
+            <a:r>
+              <a:t/>
+            </a:r>
+            <a:endParaRPr/>
+          </a:p>
+        </p:txBody>
+      </p:sp>
+      <p:sp>
+        <p:nvSpPr>
+          <p:cNvPr id="342" name="Shape 342"/>
           <p:cNvSpPr/>
           <p:nvPr>
             <p:ph idx="2" type="sldImg"/>
@@ -14927,7 +15033,7 @@
             <a:tbl>
               <a:tblPr>
                 <a:noFill/>
-                <a:tableStyleId>{A60FF5F8-7FE3-49A3-B344-81C16D3B184A}</a:tableStyleId>
+                <a:tableStyleId>{647C275B-6A26-49CE-AACB-51ABA6F30B8A}</a:tableStyleId>
               </a:tblPr>
               <a:tblGrid>
                 <a:gridCol w="1161225"/>
@@ -16333,40 +16439,45 @@
       <p:sp>
         <p:nvSpPr>
           <p:cNvPr id="244" name="Shape 244"/>
-          <p:cNvSpPr/>
-          <p:nvPr/>
+          <p:cNvSpPr txBox="1"/>
+          <p:nvPr>
+            <p:ph type="title"/>
+          </p:nvPr>
         </p:nvSpPr>
         <p:spPr>
           <a:xfrm>
-            <a:off y="10936" x="5843887"/>
-            <a:ext cy="1039799" cx="2252999"/>
+            <a:off y="2007660" x="457200"/>
+            <a:ext cy="585599" cx="6492600"/>
           </a:xfrm>
           <a:prstGeom prst="rect">
             <a:avLst/>
           </a:prstGeom>
-          <a:solidFill>
-            <a:schemeClr val="lt1"/>
-          </a:solidFill>
+          <a:noFill/>
           <a:ln>
             <a:noFill/>
           </a:ln>
         </p:spPr>
         <p:txBody>
-          <a:bodyPr bIns="91425" rIns="91425" lIns="91425" tIns="91425" anchor="ctr" anchorCtr="0">
+          <a:bodyPr bIns="45700" rIns="45700" lIns="45700" tIns="45700" anchor="ctr" anchorCtr="0">
             <a:noAutofit/>
           </a:bodyPr>
           <a:lstStyle/>
           <a:p>
-            <a:pPr>
-              <a:spcBef>
-                <a:spcPts val="0"/>
-              </a:spcBef>
+            <a:pPr algn="l" rtl="0" lvl="0" marR="0" indent="0" marL="0">
+              <a:spcBef>
+                <a:spcPts val="0"/>
+              </a:spcBef>
+              <a:buSzPct val="25000"/>
               <a:buNone/>
             </a:pPr>
             <a:r>
-              <a:t/>
-            </a:r>
-            <a:endParaRPr/>
+              <a:rPr b="1" sz="3200" lang="en-US">
+                <a:solidFill>
+                  <a:srgbClr val="404040"/>
+                </a:solidFill>
+              </a:rPr>
+              <a:t>Open Issues / Todo(s)</a:t>
+            </a:r>
           </a:p>
         </p:txBody>
       </p:sp>
@@ -16375,13 +16486,13 @@
           <p:cNvPr id="245" name="Shape 245"/>
           <p:cNvSpPr txBox="1"/>
           <p:nvPr>
-            <p:ph type="title"/>
+            <p:ph idx="1" type="body"/>
           </p:nvPr>
         </p:nvSpPr>
         <p:spPr>
           <a:xfrm>
-            <a:off y="116054" x="450143"/>
-            <a:ext cy="585599" cx="8229600"/>
+            <a:off y="2593175" x="457200"/>
+            <a:ext cy="500699" cx="5003699"/>
           </a:xfrm>
           <a:prstGeom prst="rect">
             <a:avLst/>
@@ -16401,54 +16512,6 @@
               <a:spcBef>
                 <a:spcPts val="0"/>
               </a:spcBef>
-              <a:buSzPct val="25000"/>
-              <a:buNone/>
-            </a:pPr>
-            <a:r>
-              <a:rPr b="1" sz="3200" lang="en-US">
-                <a:solidFill>
-                  <a:srgbClr val="404040"/>
-                </a:solidFill>
-              </a:rPr>
-              <a:t>2 scheduler patterns...</a:t>
-            </a:r>
-          </a:p>
-        </p:txBody>
-      </p:sp>
-      <p:sp>
-        <p:nvSpPr>
-          <p:cNvPr id="246" name="Shape 246"/>
-          <p:cNvSpPr txBox="1"/>
-          <p:nvPr>
-            <p:ph idx="1" type="body"/>
-          </p:nvPr>
-        </p:nvSpPr>
-        <p:spPr>
-          <a:xfrm>
-            <a:off y="552349" x="450150"/>
-            <a:ext cy="272400" cx="5003699"/>
-          </a:xfrm>
-          <a:prstGeom prst="rect">
-            <a:avLst/>
-          </a:prstGeom>
-          <a:noFill/>
-          <a:ln>
-            <a:noFill/>
-          </a:ln>
-        </p:spPr>
-        <p:txBody>
-          <a:bodyPr bIns="45700" rIns="45700" lIns="45700" tIns="45700" anchor="t" anchorCtr="0">
-            <a:noAutofit/>
-          </a:bodyPr>
-          <a:lstStyle/>
-          <a:p>
-            <a:pPr algn="l" rtl="0" lvl="0" marR="0" indent="0" marL="0">
-              <a:lnSpc>
-                <a:spcPct val="80000"/>
-              </a:lnSpc>
-              <a:spcBef>
-                <a:spcPts val="0"/>
-              </a:spcBef>
               <a:buClr>
                 <a:srgbClr val="3FA3D9"/>
               </a:buClr>
@@ -16457,1904 +16520,12 @@
               <a:buNone/>
             </a:pPr>
             <a:r>
-              <a:rPr sz="1513" lang="en-US" i="1">
+              <a:rPr sz="2000" lang="en-US" i="1">
                 <a:solidFill>
                   <a:srgbClr val="3FA3D9"/>
                 </a:solidFill>
               </a:rPr>
               <a:t> </a:t>
-            </a:r>
-          </a:p>
-        </p:txBody>
-      </p:sp>
-      <p:sp>
-        <p:nvSpPr>
-          <p:cNvPr id="247" name="Shape 247"/>
-          <p:cNvSpPr txBox="1"/>
-          <p:nvPr/>
-        </p:nvSpPr>
-        <p:spPr>
-          <a:xfrm>
-            <a:off y="597676" x="525306"/>
-            <a:ext cy="605100" cx="2955599"/>
-          </a:xfrm>
-          <a:prstGeom prst="rect">
-            <a:avLst/>
-          </a:prstGeom>
-          <a:noFill/>
-          <a:ln>
-            <a:noFill/>
-          </a:ln>
-        </p:spPr>
-        <p:txBody>
-          <a:bodyPr bIns="91425" rIns="91425" lIns="91425" tIns="91425" anchor="t" anchorCtr="0">
-            <a:noAutofit/>
-          </a:bodyPr>
-          <a:lstStyle/>
-          <a:p>
-            <a:pPr algn="ctr" rtl="0">
-              <a:spcBef>
-                <a:spcPts val="0"/>
-              </a:spcBef>
-              <a:buNone/>
-            </a:pPr>
-            <a:r>
-              <a:rPr sz="1800" lang="en-US"/>
-              <a:t>targeted</a:t>
-            </a:r>
-          </a:p>
-          <a:p>
-            <a:pPr algn="ctr">
-              <a:spcBef>
-                <a:spcPts val="0"/>
-              </a:spcBef>
-              <a:buNone/>
-            </a:pPr>
-            <a:r>
-              <a:rPr sz="1800" lang="en-US"/>
-              <a:t>“one and done”</a:t>
-            </a:r>
-          </a:p>
-        </p:txBody>
-      </p:sp>
-      <p:sp>
-        <p:nvSpPr>
-          <p:cNvPr id="248" name="Shape 248"/>
-          <p:cNvSpPr txBox="1"/>
-          <p:nvPr/>
-        </p:nvSpPr>
-        <p:spPr>
-          <a:xfrm>
-            <a:off y="530855" x="4663510"/>
-            <a:ext cy="605100" cx="2955599"/>
-          </a:xfrm>
-          <a:prstGeom prst="rect">
-            <a:avLst/>
-          </a:prstGeom>
-          <a:noFill/>
-          <a:ln>
-            <a:noFill/>
-          </a:ln>
-        </p:spPr>
-        <p:txBody>
-          <a:bodyPr bIns="91425" rIns="91425" lIns="91425" tIns="91425" anchor="t" anchorCtr="0">
-            <a:noAutofit/>
-          </a:bodyPr>
-          <a:lstStyle/>
-          <a:p>
-            <a:pPr algn="ctr" rtl="0">
-              <a:spcBef>
-                <a:spcPts val="0"/>
-              </a:spcBef>
-              <a:buNone/>
-            </a:pPr>
-            <a:r>
-              <a:rPr sz="1800" lang="en-US"/>
-              <a:t>“batch and pool”</a:t>
-            </a:r>
-          </a:p>
-          <a:p>
-            <a:pPr algn="ctr" rtl="0" lvl="0">
-              <a:spcBef>
-                <a:spcPts val="0"/>
-              </a:spcBef>
-              <a:buNone/>
-            </a:pPr>
-            <a:r>
-              <a:rPr sz="1800" lang="en-US"/>
-              <a:t>“work queue on a cluster”</a:t>
-            </a:r>
-          </a:p>
-        </p:txBody>
-      </p:sp>
-      <p:sp>
-        <p:nvSpPr>
-          <p:cNvPr id="249" name="Shape 249"/>
-          <p:cNvSpPr/>
-          <p:nvPr/>
-        </p:nvSpPr>
-        <p:spPr>
-          <a:xfrm>
-            <a:off y="1513200" x="606176"/>
-            <a:ext cy="564299" cx="936899"/>
-          </a:xfrm>
-          <a:prstGeom prst="flowChartAlternateProcess">
-            <a:avLst/>
-          </a:prstGeom>
-          <a:solidFill>
-            <a:srgbClr val="D9D9D9"/>
-          </a:solidFill>
-          <a:ln w="19050" cap="flat">
-            <a:solidFill>
-              <a:schemeClr val="dk2"/>
-            </a:solidFill>
-            <a:prstDash val="solid"/>
-            <a:round/>
-            <a:headEnd w="med" len="med" type="none"/>
-            <a:tailEnd w="med" len="med" type="none"/>
-          </a:ln>
-        </p:spPr>
-        <p:txBody>
-          <a:bodyPr bIns="91425" rIns="91425" lIns="91425" tIns="91425" anchor="t" anchorCtr="0">
-            <a:noAutofit/>
-          </a:bodyPr>
-          <a:lstStyle/>
-          <a:p>
-            <a:pPr>
-              <a:spcBef>
-                <a:spcPts val="0"/>
-              </a:spcBef>
-              <a:buNone/>
-            </a:pPr>
-            <a:r>
-              <a:t/>
-            </a:r>
-            <a:endParaRPr/>
-          </a:p>
-        </p:txBody>
-      </p:sp>
-      <p:sp>
-        <p:nvSpPr>
-          <p:cNvPr id="250" name="Shape 250"/>
-          <p:cNvSpPr/>
-          <p:nvPr/>
-        </p:nvSpPr>
-        <p:spPr>
-          <a:xfrm>
-            <a:off y="1635945" x="742114"/>
-            <a:ext cy="564299" cx="936899"/>
-          </a:xfrm>
-          <a:prstGeom prst="flowChartAlternateProcess">
-            <a:avLst/>
-          </a:prstGeom>
-          <a:solidFill>
-            <a:srgbClr val="D9D9D9"/>
-          </a:solidFill>
-          <a:ln w="19050" cap="flat">
-            <a:solidFill>
-              <a:schemeClr val="dk2"/>
-            </a:solidFill>
-            <a:prstDash val="solid"/>
-            <a:round/>
-            <a:headEnd w="med" len="med" type="none"/>
-            <a:tailEnd w="med" len="med" type="none"/>
-          </a:ln>
-        </p:spPr>
-        <p:txBody>
-          <a:bodyPr bIns="91425" rIns="91425" lIns="91425" tIns="91425" anchor="t" anchorCtr="0">
-            <a:noAutofit/>
-          </a:bodyPr>
-          <a:lstStyle/>
-          <a:p>
-            <a:pPr>
-              <a:spcBef>
-                <a:spcPts val="0"/>
-              </a:spcBef>
-              <a:buNone/>
-            </a:pPr>
-            <a:r>
-              <a:t/>
-            </a:r>
-            <a:endParaRPr/>
-          </a:p>
-        </p:txBody>
-      </p:sp>
-      <p:sp>
-        <p:nvSpPr>
-          <p:cNvPr id="251" name="Shape 251"/>
-          <p:cNvSpPr/>
-          <p:nvPr/>
-        </p:nvSpPr>
-        <p:spPr>
-          <a:xfrm>
-            <a:off y="1758691" x="878051"/>
-            <a:ext cy="564299" cx="936899"/>
-          </a:xfrm>
-          <a:prstGeom prst="flowChartAlternateProcess">
-            <a:avLst/>
-          </a:prstGeom>
-          <a:solidFill>
-            <a:srgbClr val="D9D9D9"/>
-          </a:solidFill>
-          <a:ln w="19050" cap="flat">
-            <a:solidFill>
-              <a:schemeClr val="dk2"/>
-            </a:solidFill>
-            <a:prstDash val="solid"/>
-            <a:round/>
-            <a:headEnd w="med" len="med" type="none"/>
-            <a:tailEnd w="med" len="med" type="none"/>
-          </a:ln>
-        </p:spPr>
-        <p:txBody>
-          <a:bodyPr bIns="91425" rIns="91425" lIns="91425" tIns="91425" anchor="t" anchorCtr="0">
-            <a:noAutofit/>
-          </a:bodyPr>
-          <a:lstStyle/>
-          <a:p>
-            <a:pPr>
-              <a:spcBef>
-                <a:spcPts val="0"/>
-              </a:spcBef>
-              <a:buNone/>
-            </a:pPr>
-            <a:r>
-              <a:t/>
-            </a:r>
-            <a:endParaRPr/>
-          </a:p>
-        </p:txBody>
-      </p:sp>
-      <p:sp>
-        <p:nvSpPr>
-          <p:cNvPr id="252" name="Shape 252"/>
-          <p:cNvSpPr/>
-          <p:nvPr/>
-        </p:nvSpPr>
-        <p:spPr>
-          <a:xfrm>
-            <a:off y="1881436" x="1013989"/>
-            <a:ext cy="564299" cx="936899"/>
-          </a:xfrm>
-          <a:prstGeom prst="flowChartAlternateProcess">
-            <a:avLst/>
-          </a:prstGeom>
-          <a:solidFill>
-            <a:srgbClr val="D9D9D9"/>
-          </a:solidFill>
-          <a:ln w="19050" cap="flat">
-            <a:solidFill>
-              <a:schemeClr val="dk2"/>
-            </a:solidFill>
-            <a:prstDash val="solid"/>
-            <a:round/>
-            <a:headEnd w="med" len="med" type="none"/>
-            <a:tailEnd w="med" len="med" type="none"/>
-          </a:ln>
-        </p:spPr>
-        <p:txBody>
-          <a:bodyPr bIns="91425" rIns="91425" lIns="91425" tIns="91425" anchor="t" anchorCtr="0">
-            <a:noAutofit/>
-          </a:bodyPr>
-          <a:lstStyle/>
-          <a:p>
-            <a:pPr>
-              <a:spcBef>
-                <a:spcPts val="0"/>
-              </a:spcBef>
-              <a:buNone/>
-            </a:pPr>
-            <a:r>
-              <a:t/>
-            </a:r>
-            <a:endParaRPr/>
-          </a:p>
-        </p:txBody>
-      </p:sp>
-      <p:sp>
-        <p:nvSpPr>
-          <p:cNvPr id="253" name="Shape 253"/>
-          <p:cNvSpPr/>
-          <p:nvPr/>
-        </p:nvSpPr>
-        <p:spPr>
-          <a:xfrm>
-            <a:off y="1355204" x="4516777"/>
-            <a:ext cy="548399" cx="910800"/>
-          </a:xfrm>
-          <a:prstGeom prst="flowChartAlternateProcess">
-            <a:avLst/>
-          </a:prstGeom>
-          <a:solidFill>
-            <a:srgbClr val="D9D9D9"/>
-          </a:solidFill>
-          <a:ln w="19050" cap="flat">
-            <a:solidFill>
-              <a:schemeClr val="dk2"/>
-            </a:solidFill>
-            <a:prstDash val="solid"/>
-            <a:round/>
-            <a:headEnd w="med" len="med" type="none"/>
-            <a:tailEnd w="med" len="med" type="none"/>
-          </a:ln>
-        </p:spPr>
-        <p:txBody>
-          <a:bodyPr bIns="91425" rIns="91425" lIns="91425" tIns="91425" anchor="t" anchorCtr="0">
-            <a:noAutofit/>
-          </a:bodyPr>
-          <a:lstStyle/>
-          <a:p>
-            <a:pPr>
-              <a:spcBef>
-                <a:spcPts val="0"/>
-              </a:spcBef>
-              <a:buNone/>
-            </a:pPr>
-            <a:r>
-              <a:t/>
-            </a:r>
-            <a:endParaRPr/>
-          </a:p>
-        </p:txBody>
-      </p:sp>
-      <p:sp>
-        <p:nvSpPr>
-          <p:cNvPr id="254" name="Shape 254"/>
-          <p:cNvSpPr/>
-          <p:nvPr/>
-        </p:nvSpPr>
-        <p:spPr>
-          <a:xfrm>
-            <a:off y="1474530" x="4648930"/>
-            <a:ext cy="548399" cx="910800"/>
-          </a:xfrm>
-          <a:prstGeom prst="flowChartAlternateProcess">
-            <a:avLst/>
-          </a:prstGeom>
-          <a:solidFill>
-            <a:srgbClr val="D9D9D9"/>
-          </a:solidFill>
-          <a:ln w="19050" cap="flat">
-            <a:solidFill>
-              <a:schemeClr val="dk2"/>
-            </a:solidFill>
-            <a:prstDash val="solid"/>
-            <a:round/>
-            <a:headEnd w="med" len="med" type="none"/>
-            <a:tailEnd w="med" len="med" type="none"/>
-          </a:ln>
-        </p:spPr>
-        <p:txBody>
-          <a:bodyPr bIns="91425" rIns="91425" lIns="91425" tIns="91425" anchor="t" anchorCtr="0">
-            <a:noAutofit/>
-          </a:bodyPr>
-          <a:lstStyle/>
-          <a:p>
-            <a:pPr>
-              <a:spcBef>
-                <a:spcPts val="0"/>
-              </a:spcBef>
-              <a:buNone/>
-            </a:pPr>
-            <a:r>
-              <a:t/>
-            </a:r>
-            <a:endParaRPr/>
-          </a:p>
-        </p:txBody>
-      </p:sp>
-      <p:sp>
-        <p:nvSpPr>
-          <p:cNvPr id="255" name="Shape 255"/>
-          <p:cNvSpPr/>
-          <p:nvPr/>
-        </p:nvSpPr>
-        <p:spPr>
-          <a:xfrm>
-            <a:off y="1593857" x="4781084"/>
-            <a:ext cy="548399" cx="910800"/>
-          </a:xfrm>
-          <a:prstGeom prst="flowChartAlternateProcess">
-            <a:avLst/>
-          </a:prstGeom>
-          <a:solidFill>
-            <a:srgbClr val="D9D9D9"/>
-          </a:solidFill>
-          <a:ln w="19050" cap="flat">
-            <a:solidFill>
-              <a:schemeClr val="dk2"/>
-            </a:solidFill>
-            <a:prstDash val="solid"/>
-            <a:round/>
-            <a:headEnd w="med" len="med" type="none"/>
-            <a:tailEnd w="med" len="med" type="none"/>
-          </a:ln>
-        </p:spPr>
-        <p:txBody>
-          <a:bodyPr bIns="91425" rIns="91425" lIns="91425" tIns="91425" anchor="t" anchorCtr="0">
-            <a:noAutofit/>
-          </a:bodyPr>
-          <a:lstStyle/>
-          <a:p>
-            <a:pPr>
-              <a:spcBef>
-                <a:spcPts val="0"/>
-              </a:spcBef>
-              <a:buNone/>
-            </a:pPr>
-            <a:r>
-              <a:t/>
-            </a:r>
-            <a:endParaRPr/>
-          </a:p>
-        </p:txBody>
-      </p:sp>
-      <p:sp>
-        <p:nvSpPr>
-          <p:cNvPr id="256" name="Shape 256"/>
-          <p:cNvSpPr/>
-          <p:nvPr/>
-        </p:nvSpPr>
-        <p:spPr>
-          <a:xfrm>
-            <a:off y="2185775" x="4964950"/>
-            <a:ext cy="71700" cx="81900"/>
-          </a:xfrm>
-          <a:prstGeom prst="flowChartConnector">
-            <a:avLst/>
-          </a:prstGeom>
-          <a:solidFill>
-            <a:srgbClr val="D9D9D9"/>
-          </a:solidFill>
-          <a:ln w="19050" cap="flat">
-            <a:solidFill>
-              <a:schemeClr val="dk2"/>
-            </a:solidFill>
-            <a:prstDash val="solid"/>
-            <a:round/>
-            <a:headEnd w="med" len="med" type="none"/>
-            <a:tailEnd w="med" len="med" type="none"/>
-          </a:ln>
-        </p:spPr>
-        <p:txBody>
-          <a:bodyPr bIns="91425" rIns="91425" lIns="91425" tIns="91425" anchor="ctr" anchorCtr="0">
-            <a:noAutofit/>
-          </a:bodyPr>
-          <a:lstStyle/>
-          <a:p>
-            <a:pPr>
-              <a:spcBef>
-                <a:spcPts val="0"/>
-              </a:spcBef>
-              <a:buNone/>
-            </a:pPr>
-            <a:r>
-              <a:t/>
-            </a:r>
-            <a:endParaRPr/>
-          </a:p>
-        </p:txBody>
-      </p:sp>
-      <p:sp>
-        <p:nvSpPr>
-          <p:cNvPr id="257" name="Shape 257"/>
-          <p:cNvSpPr/>
-          <p:nvPr/>
-        </p:nvSpPr>
-        <p:spPr>
-          <a:xfrm>
-            <a:off y="2273114" x="5083346"/>
-            <a:ext cy="71700" cx="81900"/>
-          </a:xfrm>
-          <a:prstGeom prst="flowChartConnector">
-            <a:avLst/>
-          </a:prstGeom>
-          <a:solidFill>
-            <a:srgbClr val="D9D9D9"/>
-          </a:solidFill>
-          <a:ln w="19050" cap="flat">
-            <a:solidFill>
-              <a:schemeClr val="dk2"/>
-            </a:solidFill>
-            <a:prstDash val="solid"/>
-            <a:round/>
-            <a:headEnd w="med" len="med" type="none"/>
-            <a:tailEnd w="med" len="med" type="none"/>
-          </a:ln>
-        </p:spPr>
-        <p:txBody>
-          <a:bodyPr bIns="91425" rIns="91425" lIns="91425" tIns="91425" anchor="ctr" anchorCtr="0">
-            <a:noAutofit/>
-          </a:bodyPr>
-          <a:lstStyle/>
-          <a:p>
-            <a:pPr>
-              <a:spcBef>
-                <a:spcPts val="0"/>
-              </a:spcBef>
-              <a:buNone/>
-            </a:pPr>
-            <a:r>
-              <a:t/>
-            </a:r>
-            <a:endParaRPr/>
-          </a:p>
-        </p:txBody>
-      </p:sp>
-      <p:sp>
-        <p:nvSpPr>
-          <p:cNvPr id="258" name="Shape 258"/>
-          <p:cNvSpPr/>
-          <p:nvPr/>
-        </p:nvSpPr>
-        <p:spPr>
-          <a:xfrm>
-            <a:off y="1536183" x="2600855"/>
-            <a:ext cy="283098" cx="420115"/>
-          </a:xfrm>
-          <a:prstGeom prst="flowChartProcess">
-            <a:avLst/>
-          </a:prstGeom>
-          <a:solidFill>
-            <a:srgbClr val="EFEFEF"/>
-          </a:solidFill>
-          <a:ln w="19050" cap="flat">
-            <a:solidFill>
-              <a:schemeClr val="dk2"/>
-            </a:solidFill>
-            <a:prstDash val="solid"/>
-            <a:round/>
-            <a:headEnd w="med" len="med" type="none"/>
-            <a:tailEnd w="med" len="med" type="none"/>
-          </a:ln>
-        </p:spPr>
-        <p:txBody>
-          <a:bodyPr bIns="91425" rIns="91425" lIns="91425" tIns="91425" anchor="ctr" anchorCtr="0">
-            <a:noAutofit/>
-          </a:bodyPr>
-          <a:lstStyle/>
-          <a:p>
-            <a:pPr>
-              <a:spcBef>
-                <a:spcPts val="0"/>
-              </a:spcBef>
-              <a:buNone/>
-            </a:pPr>
-            <a:r>
-              <a:t/>
-            </a:r>
-            <a:endParaRPr/>
-          </a:p>
-        </p:txBody>
-      </p:sp>
-      <p:sp>
-        <p:nvSpPr>
-          <p:cNvPr id="259" name="Shape 259"/>
-          <p:cNvSpPr/>
-          <p:nvPr/>
-        </p:nvSpPr>
-        <p:spPr>
-          <a:xfrm>
-            <a:off y="1728447" x="2809816"/>
-            <a:ext cy="283098" cx="420115"/>
-          </a:xfrm>
-          <a:prstGeom prst="flowChartProcess">
-            <a:avLst/>
-          </a:prstGeom>
-          <a:solidFill>
-            <a:srgbClr val="EFEFEF"/>
-          </a:solidFill>
-          <a:ln w="19050" cap="flat">
-            <a:solidFill>
-              <a:schemeClr val="dk2"/>
-            </a:solidFill>
-            <a:prstDash val="solid"/>
-            <a:round/>
-            <a:headEnd w="med" len="med" type="none"/>
-            <a:tailEnd w="med" len="med" type="none"/>
-          </a:ln>
-        </p:spPr>
-        <p:txBody>
-          <a:bodyPr bIns="91425" rIns="91425" lIns="91425" tIns="91425" anchor="ctr" anchorCtr="0">
-            <a:noAutofit/>
-          </a:bodyPr>
-          <a:lstStyle/>
-          <a:p>
-            <a:pPr>
-              <a:spcBef>
-                <a:spcPts val="0"/>
-              </a:spcBef>
-              <a:buNone/>
-            </a:pPr>
-            <a:r>
-              <a:t/>
-            </a:r>
-            <a:endParaRPr/>
-          </a:p>
-        </p:txBody>
-      </p:sp>
-      <p:sp>
-        <p:nvSpPr>
-          <p:cNvPr id="260" name="Shape 260"/>
-          <p:cNvSpPr/>
-          <p:nvPr/>
-        </p:nvSpPr>
-        <p:spPr>
-          <a:xfrm>
-            <a:off y="1920712" x="3018777"/>
-            <a:ext cy="283098" cx="420115"/>
-          </a:xfrm>
-          <a:prstGeom prst="flowChartProcess">
-            <a:avLst/>
-          </a:prstGeom>
-          <a:solidFill>
-            <a:srgbClr val="EFEFEF"/>
-          </a:solidFill>
-          <a:ln w="19050" cap="flat">
-            <a:solidFill>
-              <a:schemeClr val="dk2"/>
-            </a:solidFill>
-            <a:prstDash val="solid"/>
-            <a:round/>
-            <a:headEnd w="med" len="med" type="none"/>
-            <a:tailEnd w="med" len="med" type="none"/>
-          </a:ln>
-        </p:spPr>
-        <p:txBody>
-          <a:bodyPr bIns="91425" rIns="91425" lIns="91425" tIns="91425" anchor="ctr" anchorCtr="0">
-            <a:noAutofit/>
-          </a:bodyPr>
-          <a:lstStyle/>
-          <a:p>
-            <a:pPr>
-              <a:spcBef>
-                <a:spcPts val="0"/>
-              </a:spcBef>
-              <a:buNone/>
-            </a:pPr>
-            <a:r>
-              <a:t/>
-            </a:r>
-            <a:endParaRPr/>
-          </a:p>
-        </p:txBody>
-      </p:sp>
-      <p:sp>
-        <p:nvSpPr>
-          <p:cNvPr id="261" name="Shape 261"/>
-          <p:cNvSpPr/>
-          <p:nvPr/>
-        </p:nvSpPr>
-        <p:spPr>
-          <a:xfrm>
-            <a:off y="2112976" x="3227738"/>
-            <a:ext cy="283098" cx="420115"/>
-          </a:xfrm>
-          <a:prstGeom prst="flowChartProcess">
-            <a:avLst/>
-          </a:prstGeom>
-          <a:solidFill>
-            <a:srgbClr val="EFEFEF"/>
-          </a:solidFill>
-          <a:ln w="19050" cap="flat">
-            <a:solidFill>
-              <a:schemeClr val="dk2"/>
-            </a:solidFill>
-            <a:prstDash val="solid"/>
-            <a:round/>
-            <a:headEnd w="med" len="med" type="none"/>
-            <a:tailEnd w="med" len="med" type="none"/>
-          </a:ln>
-        </p:spPr>
-        <p:txBody>
-          <a:bodyPr bIns="91425" rIns="91425" lIns="91425" tIns="91425" anchor="ctr" anchorCtr="0">
-            <a:noAutofit/>
-          </a:bodyPr>
-          <a:lstStyle/>
-          <a:p>
-            <a:pPr>
-              <a:spcBef>
-                <a:spcPts val="0"/>
-              </a:spcBef>
-              <a:buNone/>
-            </a:pPr>
-            <a:r>
-              <a:t/>
-            </a:r>
-            <a:endParaRPr/>
-          </a:p>
-        </p:txBody>
-      </p:sp>
-      <p:sp>
-        <p:nvSpPr>
-          <p:cNvPr id="262" name="Shape 262"/>
-          <p:cNvSpPr/>
-          <p:nvPr/>
-        </p:nvSpPr>
-        <p:spPr>
-          <a:xfrm>
-            <a:off y="1474530" x="6803701"/>
-            <a:ext cy="196777" cx="306399"/>
-          </a:xfrm>
-          <a:prstGeom prst="flowChartProcess">
-            <a:avLst/>
-          </a:prstGeom>
-          <a:solidFill>
-            <a:srgbClr val="EFEFEF"/>
-          </a:solidFill>
-          <a:ln w="19050" cap="flat">
-            <a:solidFill>
-              <a:schemeClr val="dk2"/>
-            </a:solidFill>
-            <a:prstDash val="solid"/>
-            <a:round/>
-            <a:headEnd w="med" len="med" type="none"/>
-            <a:tailEnd w="med" len="med" type="none"/>
-          </a:ln>
-        </p:spPr>
-        <p:txBody>
-          <a:bodyPr bIns="91425" rIns="91425" lIns="91425" tIns="91425" anchor="ctr" anchorCtr="0">
-            <a:noAutofit/>
-          </a:bodyPr>
-          <a:lstStyle/>
-          <a:p>
-            <a:pPr>
-              <a:spcBef>
-                <a:spcPts val="0"/>
-              </a:spcBef>
-              <a:buNone/>
-            </a:pPr>
-            <a:r>
-              <a:t/>
-            </a:r>
-            <a:endParaRPr/>
-          </a:p>
-        </p:txBody>
-      </p:sp>
-      <p:sp>
-        <p:nvSpPr>
-          <p:cNvPr id="263" name="Shape 263"/>
-          <p:cNvSpPr/>
-          <p:nvPr/>
-        </p:nvSpPr>
-        <p:spPr>
-          <a:xfrm>
-            <a:off y="1608170" x="6956100"/>
-            <a:ext cy="196777" cx="306399"/>
-          </a:xfrm>
-          <a:prstGeom prst="flowChartProcess">
-            <a:avLst/>
-          </a:prstGeom>
-          <a:solidFill>
-            <a:srgbClr val="EFEFEF"/>
-          </a:solidFill>
-          <a:ln w="19050" cap="flat">
-            <a:solidFill>
-              <a:schemeClr val="dk2"/>
-            </a:solidFill>
-            <a:prstDash val="solid"/>
-            <a:round/>
-            <a:headEnd w="med" len="med" type="none"/>
-            <a:tailEnd w="med" len="med" type="none"/>
-          </a:ln>
-        </p:spPr>
-        <p:txBody>
-          <a:bodyPr bIns="91425" rIns="91425" lIns="91425" tIns="91425" anchor="ctr" anchorCtr="0">
-            <a:noAutofit/>
-          </a:bodyPr>
-          <a:lstStyle/>
-          <a:p>
-            <a:pPr>
-              <a:spcBef>
-                <a:spcPts val="0"/>
-              </a:spcBef>
-              <a:buNone/>
-            </a:pPr>
-            <a:r>
-              <a:t/>
-            </a:r>
-            <a:endParaRPr/>
-          </a:p>
-        </p:txBody>
-      </p:sp>
-      <p:sp>
-        <p:nvSpPr>
-          <p:cNvPr id="264" name="Shape 264"/>
-          <p:cNvSpPr/>
-          <p:nvPr/>
-        </p:nvSpPr>
-        <p:spPr>
-          <a:xfrm>
-            <a:off y="1741811" x="7108500"/>
-            <a:ext cy="196777" cx="306399"/>
-          </a:xfrm>
-          <a:prstGeom prst="flowChartProcess">
-            <a:avLst/>
-          </a:prstGeom>
-          <a:solidFill>
-            <a:srgbClr val="EFEFEF"/>
-          </a:solidFill>
-          <a:ln w="19050" cap="flat">
-            <a:solidFill>
-              <a:schemeClr val="dk2"/>
-            </a:solidFill>
-            <a:prstDash val="solid"/>
-            <a:round/>
-            <a:headEnd w="med" len="med" type="none"/>
-            <a:tailEnd w="med" len="med" type="none"/>
-          </a:ln>
-        </p:spPr>
-        <p:txBody>
-          <a:bodyPr bIns="91425" rIns="91425" lIns="91425" tIns="91425" anchor="ctr" anchorCtr="0">
-            <a:noAutofit/>
-          </a:bodyPr>
-          <a:lstStyle/>
-          <a:p>
-            <a:pPr>
-              <a:spcBef>
-                <a:spcPts val="0"/>
-              </a:spcBef>
-              <a:buNone/>
-            </a:pPr>
-            <a:r>
-              <a:t/>
-            </a:r>
-            <a:endParaRPr/>
-          </a:p>
-        </p:txBody>
-      </p:sp>
-      <p:sp>
-        <p:nvSpPr>
-          <p:cNvPr id="265" name="Shape 265"/>
-          <p:cNvSpPr/>
-          <p:nvPr/>
-        </p:nvSpPr>
-        <p:spPr>
-          <a:xfrm>
-            <a:off y="1875451" x="7260900"/>
-            <a:ext cy="196777" cx="306399"/>
-          </a:xfrm>
-          <a:prstGeom prst="flowChartProcess">
-            <a:avLst/>
-          </a:prstGeom>
-          <a:solidFill>
-            <a:srgbClr val="EFEFEF"/>
-          </a:solidFill>
-          <a:ln w="19050" cap="flat">
-            <a:solidFill>
-              <a:schemeClr val="dk2"/>
-            </a:solidFill>
-            <a:prstDash val="solid"/>
-            <a:round/>
-            <a:headEnd w="med" len="med" type="none"/>
-            <a:tailEnd w="med" len="med" type="none"/>
-          </a:ln>
-        </p:spPr>
-        <p:txBody>
-          <a:bodyPr bIns="91425" rIns="91425" lIns="91425" tIns="91425" anchor="ctr" anchorCtr="0">
-            <a:noAutofit/>
-          </a:bodyPr>
-          <a:lstStyle/>
-          <a:p>
-            <a:pPr>
-              <a:spcBef>
-                <a:spcPts val="0"/>
-              </a:spcBef>
-              <a:buNone/>
-            </a:pPr>
-            <a:r>
-              <a:t/>
-            </a:r>
-            <a:endParaRPr/>
-          </a:p>
-        </p:txBody>
-      </p:sp>
-      <p:sp>
-        <p:nvSpPr>
-          <p:cNvPr id="266" name="Shape 266"/>
-          <p:cNvSpPr/>
-          <p:nvPr/>
-        </p:nvSpPr>
-        <p:spPr>
-          <a:xfrm>
-            <a:off y="2009091" x="7413300"/>
-            <a:ext cy="196777" cx="306399"/>
-          </a:xfrm>
-          <a:prstGeom prst="flowChartProcess">
-            <a:avLst/>
-          </a:prstGeom>
-          <a:solidFill>
-            <a:srgbClr val="EFEFEF"/>
-          </a:solidFill>
-          <a:ln w="19050" cap="flat">
-            <a:solidFill>
-              <a:schemeClr val="dk2"/>
-            </a:solidFill>
-            <a:prstDash val="solid"/>
-            <a:round/>
-            <a:headEnd w="med" len="med" type="none"/>
-            <a:tailEnd w="med" len="med" type="none"/>
-          </a:ln>
-        </p:spPr>
-        <p:txBody>
-          <a:bodyPr bIns="91425" rIns="91425" lIns="91425" tIns="91425" anchor="ctr" anchorCtr="0">
-            <a:noAutofit/>
-          </a:bodyPr>
-          <a:lstStyle/>
-          <a:p>
-            <a:pPr>
-              <a:spcBef>
-                <a:spcPts val="0"/>
-              </a:spcBef>
-              <a:buNone/>
-            </a:pPr>
-            <a:r>
-              <a:t/>
-            </a:r>
-            <a:endParaRPr/>
-          </a:p>
-        </p:txBody>
-      </p:sp>
-      <p:cxnSp>
-        <p:nvCxnSpPr>
-          <p:cNvPr id="267" name="Shape 267"/>
-          <p:cNvCxnSpPr/>
-          <p:nvPr/>
-        </p:nvCxnSpPr>
-        <p:spPr>
-          <a:xfrm>
-            <a:off y="1697525" x="1857950"/>
-            <a:ext cy="0" cx="575099"/>
-          </a:xfrm>
-          <a:prstGeom prst="straightConnector1">
-            <a:avLst/>
-          </a:prstGeom>
-          <a:noFill/>
-          <a:ln w="38100" cap="flat">
-            <a:solidFill>
-              <a:schemeClr val="dk2"/>
-            </a:solidFill>
-            <a:prstDash val="solid"/>
-            <a:round/>
-            <a:headEnd w="lg" len="lg" type="none"/>
-            <a:tailEnd w="lg" len="lg" type="triangle"/>
-          </a:ln>
-        </p:spPr>
-      </p:cxnSp>
-      <p:cxnSp>
-        <p:nvCxnSpPr>
-          <p:cNvPr id="268" name="Shape 268"/>
-          <p:cNvCxnSpPr/>
-          <p:nvPr/>
-        </p:nvCxnSpPr>
-        <p:spPr>
-          <a:xfrm>
-            <a:off y="1892725" x="2053200"/>
-            <a:ext cy="0" cx="575099"/>
-          </a:xfrm>
-          <a:prstGeom prst="straightConnector1">
-            <a:avLst/>
-          </a:prstGeom>
-          <a:noFill/>
-          <a:ln w="38100" cap="flat">
-            <a:solidFill>
-              <a:schemeClr val="dk2"/>
-            </a:solidFill>
-            <a:prstDash val="solid"/>
-            <a:round/>
-            <a:headEnd w="lg" len="lg" type="none"/>
-            <a:tailEnd w="lg" len="lg" type="triangle"/>
-          </a:ln>
-        </p:spPr>
-      </p:cxnSp>
-      <p:cxnSp>
-        <p:nvCxnSpPr>
-          <p:cNvPr id="269" name="Shape 269"/>
-          <p:cNvCxnSpPr/>
-          <p:nvPr/>
-        </p:nvCxnSpPr>
-        <p:spPr>
-          <a:xfrm>
-            <a:off y="2087925" x="2248449"/>
-            <a:ext cy="0" cx="575099"/>
-          </a:xfrm>
-          <a:prstGeom prst="straightConnector1">
-            <a:avLst/>
-          </a:prstGeom>
-          <a:noFill/>
-          <a:ln w="38100" cap="flat">
-            <a:solidFill>
-              <a:schemeClr val="dk2"/>
-            </a:solidFill>
-            <a:prstDash val="solid"/>
-            <a:round/>
-            <a:headEnd w="lg" len="lg" type="none"/>
-            <a:tailEnd w="lg" len="lg" type="triangle"/>
-          </a:ln>
-        </p:spPr>
-      </p:cxnSp>
-      <p:cxnSp>
-        <p:nvCxnSpPr>
-          <p:cNvPr id="270" name="Shape 270"/>
-          <p:cNvCxnSpPr/>
-          <p:nvPr/>
-        </p:nvCxnSpPr>
-        <p:spPr>
-          <a:xfrm>
-            <a:off y="2283125" x="2443699"/>
-            <a:ext cy="0" cx="575099"/>
-          </a:xfrm>
-          <a:prstGeom prst="straightConnector1">
-            <a:avLst/>
-          </a:prstGeom>
-          <a:noFill/>
-          <a:ln w="38100" cap="flat">
-            <a:solidFill>
-              <a:schemeClr val="dk2"/>
-            </a:solidFill>
-            <a:prstDash val="solid"/>
-            <a:round/>
-            <a:headEnd w="lg" len="lg" type="none"/>
-            <a:tailEnd w="lg" len="lg" type="triangle"/>
-          </a:ln>
-        </p:spPr>
-      </p:cxnSp>
-      <p:cxnSp>
-        <p:nvCxnSpPr>
-          <p:cNvPr id="271" name="Shape 271"/>
-          <p:cNvCxnSpPr/>
-          <p:nvPr/>
-        </p:nvCxnSpPr>
-        <p:spPr>
-          <a:xfrm>
-            <a:off y="1572929" x="6098245"/>
-            <a:ext cy="0" cx="518700"/>
-          </a:xfrm>
-          <a:prstGeom prst="straightConnector1">
-            <a:avLst/>
-          </a:prstGeom>
-          <a:noFill/>
-          <a:ln w="38100" cap="flat">
-            <a:solidFill>
-              <a:schemeClr val="dk2"/>
-            </a:solidFill>
-            <a:prstDash val="solid"/>
-            <a:round/>
-            <a:headEnd w="lg" len="lg" type="none"/>
-            <a:tailEnd w="lg" len="lg" type="triangle"/>
-          </a:ln>
-        </p:spPr>
-      </p:cxnSp>
-      <p:cxnSp>
-        <p:nvCxnSpPr>
-          <p:cNvPr id="272" name="Shape 272"/>
-          <p:cNvCxnSpPr/>
-          <p:nvPr/>
-        </p:nvCxnSpPr>
-        <p:spPr>
-          <a:xfrm>
-            <a:off y="1706569" x="6250645"/>
-            <a:ext cy="0" cx="518700"/>
-          </a:xfrm>
-          <a:prstGeom prst="straightConnector1">
-            <a:avLst/>
-          </a:prstGeom>
-          <a:noFill/>
-          <a:ln w="38100" cap="flat">
-            <a:solidFill>
-              <a:schemeClr val="dk2"/>
-            </a:solidFill>
-            <a:prstDash val="solid"/>
-            <a:round/>
-            <a:headEnd w="lg" len="lg" type="none"/>
-            <a:tailEnd w="lg" len="lg" type="triangle"/>
-          </a:ln>
-        </p:spPr>
-      </p:cxnSp>
-      <p:cxnSp>
-        <p:nvCxnSpPr>
-          <p:cNvPr id="273" name="Shape 273"/>
-          <p:cNvCxnSpPr/>
-          <p:nvPr/>
-        </p:nvCxnSpPr>
-        <p:spPr>
-          <a:xfrm>
-            <a:off y="1840210" x="6403044"/>
-            <a:ext cy="0" cx="518700"/>
-          </a:xfrm>
-          <a:prstGeom prst="straightConnector1">
-            <a:avLst/>
-          </a:prstGeom>
-          <a:noFill/>
-          <a:ln w="38100" cap="flat">
-            <a:solidFill>
-              <a:schemeClr val="dk2"/>
-            </a:solidFill>
-            <a:prstDash val="solid"/>
-            <a:round/>
-            <a:headEnd w="lg" len="lg" type="none"/>
-            <a:tailEnd w="lg" len="lg" type="triangle"/>
-          </a:ln>
-        </p:spPr>
-      </p:cxnSp>
-      <p:cxnSp>
-        <p:nvCxnSpPr>
-          <p:cNvPr id="274" name="Shape 274"/>
-          <p:cNvCxnSpPr/>
-          <p:nvPr/>
-        </p:nvCxnSpPr>
-        <p:spPr>
-          <a:xfrm>
-            <a:off y="1973850" x="6555445"/>
-            <a:ext cy="0" cx="518700"/>
-          </a:xfrm>
-          <a:prstGeom prst="straightConnector1">
-            <a:avLst/>
-          </a:prstGeom>
-          <a:noFill/>
-          <a:ln w="38100" cap="flat">
-            <a:solidFill>
-              <a:schemeClr val="dk2"/>
-            </a:solidFill>
-            <a:prstDash val="solid"/>
-            <a:round/>
-            <a:headEnd w="lg" len="lg" type="none"/>
-            <a:tailEnd w="lg" len="lg" type="triangle"/>
-          </a:ln>
-        </p:spPr>
-      </p:cxnSp>
-      <p:cxnSp>
-        <p:nvCxnSpPr>
-          <p:cNvPr id="275" name="Shape 275"/>
-          <p:cNvCxnSpPr/>
-          <p:nvPr/>
-        </p:nvCxnSpPr>
-        <p:spPr>
-          <a:xfrm>
-            <a:off y="2107490" x="6707845"/>
-            <a:ext cy="0" cx="518700"/>
-          </a:xfrm>
-          <a:prstGeom prst="straightConnector1">
-            <a:avLst/>
-          </a:prstGeom>
-          <a:noFill/>
-          <a:ln w="38100" cap="flat">
-            <a:solidFill>
-              <a:schemeClr val="dk2"/>
-            </a:solidFill>
-            <a:prstDash val="solid"/>
-            <a:round/>
-            <a:headEnd w="lg" len="lg" type="none"/>
-            <a:tailEnd w="lg" len="lg" type="triangle"/>
-          </a:ln>
-        </p:spPr>
-      </p:cxnSp>
-      <p:sp>
-        <p:nvSpPr>
-          <p:cNvPr id="276" name="Shape 276"/>
-          <p:cNvSpPr txBox="1"/>
-          <p:nvPr/>
-        </p:nvSpPr>
-        <p:spPr>
-          <a:xfrm>
-            <a:off y="2642875" x="689450"/>
-            <a:ext cy="548399" cx="3009600"/>
-          </a:xfrm>
-          <a:prstGeom prst="rect">
-            <a:avLst/>
-          </a:prstGeom>
-          <a:noFill/>
-          <a:ln>
-            <a:noFill/>
-          </a:ln>
-        </p:spPr>
-        <p:txBody>
-          <a:bodyPr bIns="91425" rIns="91425" lIns="91425" tIns="91425" anchor="ctr" anchorCtr="0">
-            <a:noAutofit/>
-          </a:bodyPr>
-          <a:lstStyle/>
-          <a:p>
-            <a:pPr algn="ctr" rtl="0">
-              <a:spcBef>
-                <a:spcPts val="0"/>
-              </a:spcBef>
-              <a:buNone/>
-            </a:pPr>
-            <a:r>
-              <a:rPr b="1" sz="2400" lang="en-US"/>
-              <a:t>#tasks </a:t>
-            </a:r>
-            <a:r>
-              <a:rPr b="1" sz="3000" lang="en-US">
-                <a:solidFill>
-                  <a:srgbClr val="FF0000"/>
-                </a:solidFill>
-              </a:rPr>
-              <a:t>=</a:t>
-            </a:r>
-            <a:r>
-              <a:rPr b="1" sz="2400" lang="en-US"/>
-              <a:t> #workers</a:t>
-            </a:r>
-          </a:p>
-          <a:p>
-            <a:pPr algn="ctr">
-              <a:spcBef>
-                <a:spcPts val="0"/>
-              </a:spcBef>
-              <a:buNone/>
-            </a:pPr>
-            <a:r>
-              <a:rPr b="1" sz="1100" lang="en-US">
-                <a:solidFill>
-                  <a:schemeClr val="dk1"/>
-                </a:solidFill>
-              </a:rPr>
-              <a:t>(task is targeted at worker)</a:t>
-            </a:r>
-          </a:p>
-        </p:txBody>
-      </p:sp>
-      <p:sp>
-        <p:nvSpPr>
-          <p:cNvPr id="277" name="Shape 277"/>
-          <p:cNvSpPr txBox="1"/>
-          <p:nvPr/>
-        </p:nvSpPr>
-        <p:spPr>
-          <a:xfrm>
-            <a:off y="1724517" x="4817596"/>
-            <a:ext cy="272400" cx="839700"/>
-          </a:xfrm>
-          <a:prstGeom prst="rect">
-            <a:avLst/>
-          </a:prstGeom>
-          <a:noFill/>
-          <a:ln>
-            <a:noFill/>
-          </a:ln>
-        </p:spPr>
-        <p:txBody>
-          <a:bodyPr bIns="91425" rIns="91425" lIns="91425" tIns="91425" anchor="ctr" anchorCtr="0">
-            <a:noAutofit/>
-          </a:bodyPr>
-          <a:lstStyle/>
-          <a:p>
-            <a:pPr algn="ctr">
-              <a:spcBef>
-                <a:spcPts val="0"/>
-              </a:spcBef>
-              <a:buNone/>
-            </a:pPr>
-            <a:r>
-              <a:rPr lang="en-US"/>
-              <a:t>Task3</a:t>
-            </a:r>
-          </a:p>
-        </p:txBody>
-      </p:sp>
-      <p:sp>
-        <p:nvSpPr>
-          <p:cNvPr id="278" name="Shape 278"/>
-          <p:cNvSpPr txBox="1"/>
-          <p:nvPr/>
-        </p:nvSpPr>
-        <p:spPr>
-          <a:xfrm>
-            <a:off y="3098875" x="4727650"/>
-            <a:ext cy="548399" cx="3099600"/>
-          </a:xfrm>
-          <a:prstGeom prst="rect">
-            <a:avLst/>
-          </a:prstGeom>
-          <a:noFill/>
-          <a:ln>
-            <a:noFill/>
-          </a:ln>
-        </p:spPr>
-        <p:txBody>
-          <a:bodyPr bIns="91425" rIns="91425" lIns="91425" tIns="91425" anchor="ctr" anchorCtr="0">
-            <a:noAutofit/>
-          </a:bodyPr>
-          <a:lstStyle/>
-          <a:p>
-            <a:pPr algn="ctr" rtl="0">
-              <a:spcBef>
-                <a:spcPts val="0"/>
-              </a:spcBef>
-              <a:buNone/>
-            </a:pPr>
-            <a:r>
-              <a:rPr b="1" sz="2400" lang="en-US"/>
-              <a:t>#tasks </a:t>
-            </a:r>
-            <a:r>
-              <a:rPr b="1" sz="3000" lang="en-US">
-                <a:solidFill>
-                  <a:srgbClr val="FF0000"/>
-                </a:solidFill>
-              </a:rPr>
-              <a:t>≠</a:t>
-            </a:r>
-            <a:r>
-              <a:rPr b="1" sz="2400" lang="en-US"/>
-              <a:t> #workers</a:t>
-            </a:r>
-          </a:p>
-          <a:p>
-            <a:pPr algn="ctr" rtl="0" lvl="0">
-              <a:spcBef>
-                <a:spcPts val="0"/>
-              </a:spcBef>
-              <a:buNone/>
-            </a:pPr>
-            <a:r>
-              <a:rPr b="1" sz="1100" lang="en-US"/>
-              <a:t>(any </a:t>
-            </a:r>
-            <a:r>
-              <a:rPr b="1" sz="1100" lang="en-US" i="1"/>
-              <a:t>available </a:t>
-            </a:r>
-            <a:r>
-              <a:rPr b="1" sz="1100" lang="en-US"/>
-              <a:t>worker will do)</a:t>
-            </a:r>
-          </a:p>
-        </p:txBody>
-      </p:sp>
-      <p:cxnSp>
-        <p:nvCxnSpPr>
-          <p:cNvPr id="279" name="Shape 279"/>
-          <p:cNvCxnSpPr/>
-          <p:nvPr/>
-        </p:nvCxnSpPr>
-        <p:spPr>
-          <a:xfrm>
-            <a:off y="875500" x="4267200"/>
-            <a:ext cy="3535500" cx="0"/>
-          </a:xfrm>
-          <a:prstGeom prst="straightConnector1">
-            <a:avLst/>
-          </a:prstGeom>
-          <a:noFill/>
-          <a:ln w="19050" cap="flat">
-            <a:solidFill>
-              <a:schemeClr val="dk2"/>
-            </a:solidFill>
-            <a:prstDash val="solid"/>
-            <a:round/>
-            <a:headEnd w="lg" len="lg" type="none"/>
-            <a:tailEnd w="lg" len="lg" type="none"/>
-          </a:ln>
-        </p:spPr>
-      </p:cxnSp>
-      <p:sp>
-        <p:nvSpPr>
-          <p:cNvPr id="280" name="Shape 280"/>
-          <p:cNvSpPr txBox="1"/>
-          <p:nvPr/>
-        </p:nvSpPr>
-        <p:spPr>
-          <a:xfrm>
-            <a:off y="2057130" x="1106725"/>
-            <a:ext cy="243600" cx="751200"/>
-          </a:xfrm>
-          <a:prstGeom prst="rect">
-            <a:avLst/>
-          </a:prstGeom>
-          <a:noFill/>
-          <a:ln>
-            <a:noFill/>
-          </a:ln>
-        </p:spPr>
-        <p:txBody>
-          <a:bodyPr bIns="91425" rIns="91425" lIns="91425" tIns="91425" anchor="ctr" anchorCtr="0">
-            <a:noAutofit/>
-          </a:bodyPr>
-          <a:lstStyle/>
-          <a:p>
-            <a:pPr algn="ctr" rtl="0" lvl="0">
-              <a:spcBef>
-                <a:spcPts val="0"/>
-              </a:spcBef>
-              <a:buNone/>
-            </a:pPr>
-            <a:r>
-              <a:rPr lang="en-US"/>
-              <a:t>Task 4</a:t>
-            </a:r>
-          </a:p>
-        </p:txBody>
-      </p:sp>
-      <p:sp>
-        <p:nvSpPr>
-          <p:cNvPr id="281" name="Shape 281"/>
-          <p:cNvSpPr/>
-          <p:nvPr/>
-        </p:nvSpPr>
-        <p:spPr>
-          <a:xfrm>
-            <a:off y="1288698" x="3312841"/>
-            <a:ext cy="376799" cx="720599"/>
-          </a:xfrm>
-          <a:prstGeom prst="wedgeRoundRectCallout">
-            <a:avLst>
-              <a:gd fmla="val -37422" name="adj1"/>
-              <a:gd fmla="val 90084" name="adj2"/>
-              <a:gd fmla="val 0" name="adj3"/>
-            </a:avLst>
-          </a:prstGeom>
-          <a:noFill/>
-          <a:ln w="19050" cap="flat">
-            <a:solidFill>
-              <a:schemeClr val="dk2"/>
-            </a:solidFill>
-            <a:prstDash val="solid"/>
-            <a:round/>
-            <a:headEnd w="med" len="med" type="none"/>
-            <a:tailEnd w="med" len="med" type="none"/>
-          </a:ln>
-        </p:spPr>
-        <p:txBody>
-          <a:bodyPr bIns="91425" rIns="91425" lIns="91425" tIns="91425" anchor="ctr" anchorCtr="0">
-            <a:noAutofit/>
-          </a:bodyPr>
-          <a:lstStyle/>
-          <a:p>
-            <a:pPr algn="ctr" rtl="0" lvl="0">
-              <a:spcBef>
-                <a:spcPts val="0"/>
-              </a:spcBef>
-              <a:buNone/>
-            </a:pPr>
-            <a:r>
-              <a:rPr sz="1200" lang="en-US"/>
-              <a:t>worker</a:t>
-            </a:r>
-          </a:p>
-          <a:p>
-            <a:pPr algn="ctr" rtl="0" lvl="0">
-              <a:spcBef>
-                <a:spcPts val="0"/>
-              </a:spcBef>
-              <a:buNone/>
-            </a:pPr>
-            <a:r>
-              <a:rPr sz="1200" lang="en-US"/>
-              <a:t>1-4</a:t>
-            </a:r>
-          </a:p>
-        </p:txBody>
-      </p:sp>
-      <p:sp>
-        <p:nvSpPr>
-          <p:cNvPr id="282" name="Shape 282"/>
-          <p:cNvSpPr/>
-          <p:nvPr/>
-        </p:nvSpPr>
-        <p:spPr>
-          <a:xfrm rot="1882706">
-            <a:off y="1396733" x="6477176"/>
-            <a:ext cy="935690" cx="1514149"/>
-          </a:xfrm>
-          <a:prstGeom prst="ellipse">
-            <a:avLst/>
-          </a:prstGeom>
-          <a:noFill/>
-          <a:ln w="38100" cap="flat">
-            <a:solidFill>
-              <a:srgbClr val="FF0000"/>
-            </a:solidFill>
-            <a:prstDash val="solid"/>
-            <a:round/>
-            <a:headEnd w="med" len="med" type="none"/>
-            <a:tailEnd w="med" len="med" type="none"/>
-          </a:ln>
-        </p:spPr>
-        <p:txBody>
-          <a:bodyPr bIns="91425" rIns="91425" lIns="91425" tIns="91425" anchor="ctr" anchorCtr="0">
-            <a:noAutofit/>
-          </a:bodyPr>
-          <a:lstStyle/>
-          <a:p>
-            <a:pPr>
-              <a:spcBef>
-                <a:spcPts val="0"/>
-              </a:spcBef>
-              <a:buNone/>
-            </a:pPr>
-            <a:r>
-              <a:t/>
-            </a:r>
-            <a:endParaRPr/>
-          </a:p>
-        </p:txBody>
-      </p:sp>
-      <p:sp>
-        <p:nvSpPr>
-          <p:cNvPr id="283" name="Shape 283"/>
-          <p:cNvSpPr/>
-          <p:nvPr/>
-        </p:nvSpPr>
-        <p:spPr>
-          <a:xfrm>
-            <a:off y="2528618" x="6519983"/>
-            <a:ext cy="376799" cx="720599"/>
-          </a:xfrm>
-          <a:prstGeom prst="wedgeRoundRectCallout">
-            <a:avLst>
-              <a:gd fmla="val 17157" name="adj1"/>
-              <a:gd fmla="val -116972" name="adj2"/>
-              <a:gd fmla="val 0" name="adj3"/>
-            </a:avLst>
-          </a:prstGeom>
-          <a:noFill/>
-          <a:ln w="19050" cap="flat">
-            <a:solidFill>
-              <a:schemeClr val="dk2"/>
-            </a:solidFill>
-            <a:prstDash val="solid"/>
-            <a:round/>
-            <a:headEnd w="med" len="med" type="none"/>
-            <a:tailEnd w="med" len="med" type="none"/>
-          </a:ln>
-        </p:spPr>
-        <p:txBody>
-          <a:bodyPr bIns="91425" rIns="91425" lIns="91425" tIns="91425" anchor="ctr" anchorCtr="0">
-            <a:noAutofit/>
-          </a:bodyPr>
-          <a:lstStyle/>
-          <a:p>
-            <a:pPr algn="ctr" rtl="0" lvl="0">
-              <a:spcBef>
-                <a:spcPts val="0"/>
-              </a:spcBef>
-              <a:buNone/>
-            </a:pPr>
-            <a:r>
-              <a:rPr sz="1200" lang="en-US"/>
-              <a:t>cluster</a:t>
-            </a:r>
-          </a:p>
-        </p:txBody>
-      </p:sp>
-      <p:sp>
-        <p:nvSpPr>
-          <p:cNvPr id="284" name="Shape 284"/>
-          <p:cNvSpPr/>
-          <p:nvPr/>
-        </p:nvSpPr>
-        <p:spPr>
-          <a:xfrm>
-            <a:off y="2362891" x="5200218"/>
-            <a:ext cy="548399" cx="910800"/>
-          </a:xfrm>
-          <a:prstGeom prst="flowChartAlternateProcess">
-            <a:avLst/>
-          </a:prstGeom>
-          <a:solidFill>
-            <a:srgbClr val="D9D9D9"/>
-          </a:solidFill>
-          <a:ln w="19050" cap="flat">
-            <a:solidFill>
-              <a:schemeClr val="dk2"/>
-            </a:solidFill>
-            <a:prstDash val="solid"/>
-            <a:round/>
-            <a:headEnd w="med" len="med" type="none"/>
-            <a:tailEnd w="med" len="med" type="none"/>
-          </a:ln>
-        </p:spPr>
-        <p:txBody>
-          <a:bodyPr bIns="91425" rIns="91425" lIns="91425" tIns="91425" anchor="t" anchorCtr="0">
-            <a:noAutofit/>
-          </a:bodyPr>
-          <a:lstStyle/>
-          <a:p>
-            <a:pPr>
-              <a:spcBef>
-                <a:spcPts val="0"/>
-              </a:spcBef>
-              <a:buNone/>
-            </a:pPr>
-            <a:r>
-              <a:t/>
-            </a:r>
-            <a:endParaRPr/>
-          </a:p>
-        </p:txBody>
-      </p:sp>
-      <p:sp>
-        <p:nvSpPr>
-          <p:cNvPr id="285" name="Shape 285"/>
-          <p:cNvSpPr txBox="1"/>
-          <p:nvPr/>
-        </p:nvSpPr>
-        <p:spPr>
-          <a:xfrm>
-            <a:off y="2493669" x="5240652"/>
-            <a:ext cy="272400" cx="839700"/>
-          </a:xfrm>
-          <a:prstGeom prst="rect">
-            <a:avLst/>
-          </a:prstGeom>
-          <a:noFill/>
-          <a:ln>
-            <a:noFill/>
-          </a:ln>
-        </p:spPr>
-        <p:txBody>
-          <a:bodyPr bIns="91425" rIns="91425" lIns="91425" tIns="91425" anchor="ctr" anchorCtr="0">
-            <a:noAutofit/>
-          </a:bodyPr>
-          <a:lstStyle/>
-          <a:p>
-            <a:pPr algn="ctr" rtl="0" lvl="0">
-              <a:spcBef>
-                <a:spcPts val="0"/>
-              </a:spcBef>
-              <a:buNone/>
-            </a:pPr>
-            <a:r>
-              <a:rPr lang="en-US"/>
-              <a:t>Task N</a:t>
-            </a:r>
-          </a:p>
-        </p:txBody>
-      </p:sp>
-      <p:sp>
-        <p:nvSpPr>
-          <p:cNvPr id="286" name="Shape 286"/>
-          <p:cNvSpPr txBox="1"/>
-          <p:nvPr/>
-        </p:nvSpPr>
-        <p:spPr>
-          <a:xfrm>
-            <a:off y="3423825" x="739550"/>
-            <a:ext cy="977100" cx="3294000"/>
-          </a:xfrm>
-          <a:prstGeom prst="rect">
-            <a:avLst/>
-          </a:prstGeom>
-          <a:noFill/>
-          <a:ln>
-            <a:noFill/>
-          </a:ln>
-        </p:spPr>
-        <p:txBody>
-          <a:bodyPr bIns="91425" rIns="91425" lIns="91425" tIns="91425" anchor="t" anchorCtr="0">
-            <a:noAutofit/>
-          </a:bodyPr>
-          <a:lstStyle/>
-          <a:p>
-            <a:pPr algn="ctr" rtl="0">
-              <a:spcBef>
-                <a:spcPts val="0"/>
-              </a:spcBef>
-              <a:buNone/>
-            </a:pPr>
-            <a:r>
-              <a:rPr u="sng" b="1" lang="en-US">
-                <a:solidFill>
-                  <a:schemeClr val="dk1"/>
-                </a:solidFill>
-              </a:rPr>
-              <a:t>Examples:</a:t>
-            </a:r>
-          </a:p>
-          <a:p>
-            <a:pPr algn="ctr" rtl="0" lvl="0">
-              <a:spcBef>
-                <a:spcPts val="0"/>
-              </a:spcBef>
-              <a:buNone/>
-            </a:pPr>
-            <a:r>
-              <a:rPr lang="en-US">
-                <a:solidFill>
-                  <a:schemeClr val="dk1"/>
-                </a:solidFill>
-              </a:rPr>
-              <a:t>•</a:t>
-            </a:r>
-            <a:r>
-              <a:rPr lang="en-US">
-                <a:solidFill>
-                  <a:schemeClr val="lt1"/>
-                </a:solidFill>
-              </a:rPr>
-              <a:t>-</a:t>
-            </a:r>
-            <a:r>
-              <a:rPr lang="en-US"/>
-              <a:t>intra-machine-provisioning, </a:t>
-            </a:r>
-            <a:r>
-              <a:rPr lang="en-US">
-                <a:solidFill>
-                  <a:schemeClr val="dk1"/>
-                </a:solidFill>
-              </a:rPr>
-              <a:t>•</a:t>
-            </a:r>
-            <a:r>
-              <a:rPr lang="en-US">
-                <a:solidFill>
-                  <a:schemeClr val="lt1"/>
-                </a:solidFill>
-              </a:rPr>
-              <a:t>-</a:t>
-            </a:r>
-            <a:r>
-              <a:rPr lang="en-US"/>
-              <a:t>surveys, </a:t>
-            </a:r>
-            <a:r>
-              <a:rPr lang="en-US">
-                <a:solidFill>
-                  <a:schemeClr val="dk1"/>
-                </a:solidFill>
-              </a:rPr>
-              <a:t>•</a:t>
-            </a:r>
-            <a:r>
-              <a:rPr lang="en-US">
-                <a:solidFill>
-                  <a:schemeClr val="lt1"/>
-                </a:solidFill>
-              </a:rPr>
-              <a:t>-</a:t>
-            </a:r>
-            <a:r>
-              <a:rPr lang="en-US"/>
-              <a:t>audits, </a:t>
-            </a:r>
-            <a:r>
-              <a:rPr lang="en-US">
-                <a:solidFill>
-                  <a:schemeClr val="dk1"/>
-                </a:solidFill>
-              </a:rPr>
-              <a:t>•</a:t>
-            </a:r>
-            <a:r>
-              <a:rPr lang="en-US">
-                <a:solidFill>
-                  <a:schemeClr val="lt1"/>
-                </a:solidFill>
-              </a:rPr>
-              <a:t>-</a:t>
-            </a:r>
-            <a:r>
-              <a:rPr lang="en-US">
-                <a:solidFill>
-                  <a:schemeClr val="dk1"/>
-                </a:solidFill>
-              </a:rPr>
-              <a:t>intra-machine-orchestration,</a:t>
-            </a:r>
-          </a:p>
-        </p:txBody>
-      </p:sp>
-      <p:sp>
-        <p:nvSpPr>
-          <p:cNvPr id="287" name="Shape 287"/>
-          <p:cNvSpPr txBox="1"/>
-          <p:nvPr/>
-        </p:nvSpPr>
-        <p:spPr>
-          <a:xfrm>
-            <a:off y="3871449" x="4781075"/>
-            <a:ext cy="740999" cx="3294000"/>
-          </a:xfrm>
-          <a:prstGeom prst="rect">
-            <a:avLst/>
-          </a:prstGeom>
-          <a:noFill/>
-          <a:ln>
-            <a:noFill/>
-          </a:ln>
-        </p:spPr>
-        <p:txBody>
-          <a:bodyPr bIns="91425" rIns="91425" lIns="91425" tIns="91425" anchor="t" anchorCtr="0">
-            <a:noAutofit/>
-          </a:bodyPr>
-          <a:lstStyle/>
-          <a:p>
-            <a:pPr algn="ctr" rtl="0" lvl="0">
-              <a:spcBef>
-                <a:spcPts val="0"/>
-              </a:spcBef>
-              <a:buNone/>
-            </a:pPr>
-            <a:r>
-              <a:rPr u="sng" b="1" lang="en-US">
-                <a:solidFill>
-                  <a:schemeClr val="dk1"/>
-                </a:solidFill>
-              </a:rPr>
-              <a:t>Examples:</a:t>
-            </a:r>
-          </a:p>
-          <a:p>
-            <a:pPr algn="ctr" rtl="0" lvl="0">
-              <a:spcBef>
-                <a:spcPts val="0"/>
-              </a:spcBef>
-              <a:buNone/>
-            </a:pPr>
-            <a:r>
-              <a:rPr lang="en-US">
-                <a:solidFill>
-                  <a:schemeClr val="dk1"/>
-                </a:solidFill>
-              </a:rPr>
-              <a:t>•</a:t>
-            </a:r>
-            <a:r>
-              <a:rPr lang="en-US">
-                <a:solidFill>
-                  <a:schemeClr val="lt1"/>
-                </a:solidFill>
-              </a:rPr>
-              <a:t>-</a:t>
-            </a:r>
-            <a:r>
-              <a:rPr lang="en-US">
-                <a:solidFill>
-                  <a:schemeClr val="dk1"/>
-                </a:solidFill>
-              </a:rPr>
-              <a:t>inter-machine-orchestration, •</a:t>
-            </a:r>
-            <a:r>
-              <a:rPr lang="en-US">
-                <a:solidFill>
-                  <a:schemeClr val="lt1"/>
-                </a:solidFill>
-              </a:rPr>
-              <a:t>-</a:t>
-            </a:r>
-            <a:r>
-              <a:rPr lang="en-US">
-                <a:solidFill>
-                  <a:schemeClr val="dk1"/>
-                </a:solidFill>
-              </a:rPr>
-              <a:t>hadoop-map-reduce, •</a:t>
-            </a:r>
-            <a:r>
-              <a:rPr lang="en-US">
-                <a:solidFill>
-                  <a:schemeClr val="lt1"/>
-                </a:solidFill>
-              </a:rPr>
-              <a:t>-</a:t>
-            </a:r>
-            <a:r>
-              <a:rPr lang="en-US">
-                <a:solidFill>
-                  <a:schemeClr val="dk1"/>
-                </a:solidFill>
-              </a:rPr>
-              <a:t>cloud-provisioning, •</a:t>
-            </a:r>
-            <a:r>
-              <a:rPr lang="en-US">
-                <a:solidFill>
-                  <a:schemeClr val="lt1"/>
-                </a:solidFill>
-              </a:rPr>
-              <a:t>-</a:t>
-            </a:r>
-            <a:r>
-              <a:rPr lang="en-US">
-                <a:solidFill>
-                  <a:schemeClr val="dk1"/>
-                </a:solidFill>
-              </a:rPr>
-              <a:t>migrations</a:t>
             </a:r>
           </a:p>
         </p:txBody>
@@ -18375,7 +16546,7 @@
   <p:cSld>
     <p:spTree>
       <p:nvGrpSpPr>
-        <p:cNvPr id="291" name="Shape 291"/>
+        <p:cNvPr id="249" name="Shape 249"/>
         <p:cNvGrpSpPr/>
         <p:nvPr/>
       </p:nvGrpSpPr>
@@ -18389,7 +16560,7 @@
       </p:grpSpPr>
       <p:sp>
         <p:nvSpPr>
-          <p:cNvPr id="292" name="Shape 292"/>
+          <p:cNvPr id="250" name="Shape 250"/>
           <p:cNvSpPr txBox="1"/>
           <p:nvPr>
             <p:ph type="title"/>
@@ -18427,14 +16598,14 @@
                   <a:srgbClr val="404040"/>
                 </a:solidFill>
               </a:rPr>
-              <a:t>future?</a:t>
+              <a:t>Todo(s)</a:t>
             </a:r>
           </a:p>
         </p:txBody>
       </p:sp>
       <p:sp>
         <p:nvSpPr>
-          <p:cNvPr id="293" name="Shape 293"/>
+          <p:cNvPr id="251" name="Shape 251"/>
           <p:cNvSpPr txBox="1"/>
           <p:nvPr>
             <p:ph idx="1" type="body"/>
@@ -18486,14 +16657,14 @@
       </p:sp>
       <p:sp>
         <p:nvSpPr>
-          <p:cNvPr id="294" name="Shape 294"/>
+          <p:cNvPr id="252" name="Shape 252"/>
           <p:cNvSpPr/>
           <p:nvPr/>
         </p:nvSpPr>
         <p:spPr>
           <a:xfrm>
-            <a:off y="1115825" x="450150"/>
-            <a:ext cy="3245099" cx="8229600"/>
+            <a:off y="952500" x="457200"/>
+            <a:ext cy="3338099" cx="8229600"/>
           </a:xfrm>
           <a:prstGeom prst="rect">
             <a:avLst/>
@@ -18509,7 +16680,7 @@
           </a:bodyPr>
           <a:lstStyle/>
           <a:p>
-            <a:pPr algn="l" rtl="0" lvl="0" marR="0" indent="-342900" marL="342900">
+            <a:pPr algn="l" rtl="0" lvl="0" marR="0" indent="-279400" marL="342900">
               <a:spcBef>
                 <a:spcPts val="0"/>
               </a:spcBef>
@@ -18521,20 +16692,12 @@
               <a:buChar char="•"/>
             </a:pPr>
             <a:r>
-              <a:rPr sz="2800" lang="en-US"/>
-              <a:t>Potential future </a:t>
-            </a:r>
-            <a:r>
-              <a:rPr sz="2800" lang="en-US" i="1"/>
-              <a:t>DevOps</a:t>
-            </a:r>
-            <a:r>
-              <a:rPr sz="2800" lang="en-US"/>
-              <a:t> uses for salt-reduce:</a:t>
-            </a:r>
-          </a:p>
-          <a:p>
-            <a:pPr algn="l" rtl="0" lvl="1" marR="0" indent="-311150" marL="742950">
+              <a:rPr sz="1800" lang="en-US"/>
+              <a:t>Replace “test.arg” hack with a purpose built utility</a:t>
+            </a:r>
+          </a:p>
+          <a:p>
+            <a:pPr algn="l" rtl="0" lvl="0" marR="0" indent="-279400" marL="342900">
               <a:spcBef>
                 <a:spcPts val="0"/>
               </a:spcBef>
@@ -18543,15 +16706,103 @@
               </a:buClr>
               <a:buSzPct val="100000"/>
               <a:buFont typeface="Arial"/>
-              <a:buChar char="–"/>
-            </a:pPr>
-            <a:r>
-              <a:rPr sz="2800" lang="en-US"/>
-              <a:t>service monitoring</a:t>
-            </a:r>
-          </a:p>
-          <a:p>
-            <a:pPr algn="l" rtl="0" lvl="1" marR="0" indent="-311150" marL="742950">
+              <a:buChar char="•"/>
+            </a:pPr>
+            <a:r>
+              <a:rPr sz="1800" lang="en-US">
+                <a:solidFill>
+                  <a:schemeClr val="dk1"/>
+                </a:solidFill>
+              </a:rPr>
+              <a:t>Multi re-runner support</a:t>
+            </a:r>
+          </a:p>
+          <a:p>
+            <a:pPr algn="l" rtl="0" lvl="0" marR="0" indent="-279400" marL="342900">
+              <a:spcBef>
+                <a:spcPts val="0"/>
+              </a:spcBef>
+              <a:buClr>
+                <a:schemeClr val="dk1"/>
+              </a:buClr>
+              <a:buSzPct val="100000"/>
+              <a:buFont typeface="Arial"/>
+              <a:buChar char="•"/>
+            </a:pPr>
+            <a:r>
+              <a:rPr sz="1800" lang="en-US">
+                <a:solidFill>
+                  <a:schemeClr val="dk1"/>
+                </a:solidFill>
+              </a:rPr>
+              <a:t>Single “load &amp; go” command interface</a:t>
+            </a:r>
+          </a:p>
+          <a:p>
+            <a:pPr algn="l" rtl="0" lvl="0" marR="0" indent="-279400" marL="342900">
+              <a:spcBef>
+                <a:spcPts val="0"/>
+              </a:spcBef>
+              <a:buClr>
+                <a:schemeClr val="dk1"/>
+              </a:buClr>
+              <a:buSzPct val="100000"/>
+              <a:buFont typeface="Arial"/>
+              <a:buChar char="•"/>
+            </a:pPr>
+            <a:r>
+              <a:rPr sz="1800" lang="en-US">
+                <a:solidFill>
+                  <a:schemeClr val="dk1"/>
+                </a:solidFill>
+              </a:rPr>
+              <a:t>More, better stats</a:t>
+            </a:r>
+          </a:p>
+          <a:p>
+            <a:pPr algn="l" rtl="0" lvl="0" marR="0" indent="-279400" marL="342900">
+              <a:spcBef>
+                <a:spcPts val="0"/>
+              </a:spcBef>
+              <a:buClr>
+                <a:schemeClr val="dk1"/>
+              </a:buClr>
+              <a:buSzPct val="100000"/>
+              <a:buFont typeface="Arial"/>
+              <a:buChar char="•"/>
+            </a:pPr>
+            <a:r>
+              <a:rPr sz="1800" lang="en-US">
+                <a:solidFill>
+                  <a:schemeClr val="dk1"/>
+                </a:solidFill>
+              </a:rPr>
+              <a:t>Load limiting mapper</a:t>
+            </a:r>
+          </a:p>
+          <a:p>
+            <a:pPr algn="l" rtl="0" lvl="0" marR="0" indent="-279400" marL="342900">
+              <a:spcBef>
+                <a:spcPts val="0"/>
+              </a:spcBef>
+              <a:buClr>
+                <a:schemeClr val="dk1"/>
+              </a:buClr>
+              <a:buSzPct val="100000"/>
+              <a:buFont typeface="Arial"/>
+              <a:buChar char="•"/>
+            </a:pPr>
+            <a:r>
+              <a:rPr sz="1800" lang="en-US">
+                <a:solidFill>
+                  <a:schemeClr val="dk1"/>
+                </a:solidFill>
+              </a:rPr>
+              <a:t>Dashboard</a:t>
+            </a:r>
+          </a:p>
+          <a:p>
+            <a:pPr algn="l" rtl="0" lvl="0" marR="0" indent="-279400" marL="342900">
               <a:spcBef>
                 <a:spcPts val="0"/>
               </a:spcBef>
@@ -18560,15 +16811,15 @@
               </a:buClr>
               <a:buSzPct val="100000"/>
               <a:buFont typeface="Arial"/>
-              <a:buChar char="–"/>
-            </a:pPr>
-            <a:r>
-              <a:rPr sz="2800" lang="en-US"/>
-              <a:t>pentest botnets</a:t>
-            </a:r>
-          </a:p>
-          <a:p>
-            <a:pPr algn="l" rtl="0" lvl="1" marR="0" indent="-311150" marL="742950">
+              <a:buChar char="•"/>
+            </a:pPr>
+            <a:r>
+              <a:rPr sz="1800" lang="en-US"/>
+              <a:t>Automatic reducer fail-over</a:t>
+            </a:r>
+          </a:p>
+          <a:p>
+            <a:pPr algn="l" rtl="0" lvl="0" marR="0" indent="-279400" marL="342900">
               <a:spcBef>
                 <a:spcPts val="0"/>
               </a:spcBef>
@@ -18577,19 +16828,15 @@
               </a:buClr>
               <a:buSzPct val="100000"/>
               <a:buFont typeface="Arial"/>
-              <a:buChar char="–"/>
-            </a:pPr>
-            <a:r>
-              <a:rPr sz="2800" lang="en-US">
-                <a:solidFill>
-                  <a:schemeClr val="dk1"/>
-                </a:solidFill>
-              </a:rPr>
-              <a:t>mass emailers</a:t>
-            </a:r>
-          </a:p>
-          <a:p>
-            <a:pPr algn="l" rtl="0" lvl="1" marR="0" indent="-311150" marL="742950">
+              <a:buChar char="•"/>
+            </a:pPr>
+            <a:r>
+              <a:rPr sz="1800" lang="en-US"/>
+              <a:t>Additional controls (pause, reset, …)</a:t>
+            </a:r>
+          </a:p>
+          <a:p>
+            <a:pPr algn="l" rtl="0" lvl="0" marR="0" indent="-279400" marL="342900">
               <a:spcBef>
                 <a:spcPts val="0"/>
               </a:spcBef>
@@ -18598,15 +16845,19 @@
               </a:buClr>
               <a:buSzPct val="100000"/>
               <a:buFont typeface="Arial"/>
-              <a:buChar char="–"/>
-            </a:pPr>
-            <a:r>
-              <a:rPr sz="2800" lang="en-US"/>
-              <a:t>web crawlers</a:t>
-            </a:r>
-          </a:p>
-          <a:p>
-            <a:pPr algn="l" rtl="0" lvl="1" marR="0" indent="-311150" marL="742950">
+              <a:buChar char="•"/>
+            </a:pPr>
+            <a:r>
+              <a:rPr sz="1800" lang="en-US">
+                <a:solidFill>
+                  <a:schemeClr val="dk1"/>
+                </a:solidFill>
+              </a:rPr>
+              <a:t>tag-oriented combiner layer (more like “real” map-reducers)</a:t>
+            </a:r>
+          </a:p>
+          <a:p>
+            <a:pPr algn="l" rtl="0" lvl="0" marR="0" indent="-279400" marL="342900">
               <a:spcBef>
                 <a:spcPts val="0"/>
               </a:spcBef>
@@ -18615,36 +16866,157 @@
               </a:buClr>
               <a:buSzPct val="100000"/>
               <a:buFont typeface="Arial"/>
-              <a:buChar char="–"/>
-            </a:pPr>
-            <a:r>
-              <a:rPr sz="2800" lang="en-US">
+              <a:buChar char="•"/>
+            </a:pPr>
+            <a:r>
+              <a:rPr sz="1800" lang="en-US"/>
+              <a:t>...</a:t>
+            </a:r>
+          </a:p>
+          <a:p>
+            <a:pPr algn="l" rtl="0" lvl="0" marR="0">
+              <a:spcBef>
+                <a:spcPts val="0"/>
+              </a:spcBef>
+              <a:buNone/>
+            </a:pPr>
+            <a:r>
+              <a:t/>
+            </a:r>
+            <a:endParaRPr sz="2400"/>
+          </a:p>
+          <a:p>
+            <a:pPr algn="l" rtl="0" lvl="0" marR="0">
+              <a:spcBef>
+                <a:spcPts val="0"/>
+              </a:spcBef>
+              <a:buNone/>
+            </a:pPr>
+            <a:r>
+              <a:t/>
+            </a:r>
+            <a:endParaRPr sz="2800"/>
+          </a:p>
+        </p:txBody>
+      </p:sp>
+    </p:spTree>
+  </p:cSld>
+  <p:clrMapOvr>
+    <a:masterClrMapping/>
+  </p:clrMapOvr>
+  <p:transition spd="slow">
+    <p:cut/>
+  </p:transition>
+</p:sld>
+</file>
+
+<file path=ppt/slides/slide18.xml><?xml version="1.0" encoding="utf-8"?>
+<p:sld xmlns:a="http://schemas.openxmlformats.org/drawingml/2006/main" xmlns:r="http://schemas.openxmlformats.org/officeDocument/2006/relationships" xmlns:mc="http://schemas.openxmlformats.org/markup-compatibility/2006" xmlns:mv="urn:schemas-microsoft-com:mac:vml" xmlns:p="http://schemas.openxmlformats.org/presentationml/2006/main" xmlns:c="http://schemas.openxmlformats.org/drawingml/2006/chart" xmlns:dgm="http://schemas.openxmlformats.org/drawingml/2006/diagram" xmlns:o="urn:schemas-microsoft-com:office:office" xmlns:v="urn:schemas-microsoft-com:vml" xmlns:pvml="urn:schemas-microsoft-com:office:powerpoint" xmlns:com="http://schemas.openxmlformats.org/drawingml/2006/compatibility" xmlns:p14="http://schemas.microsoft.com/office/powerpoint/2010/main">
+  <p:cSld>
+    <p:spTree>
+      <p:nvGrpSpPr>
+        <p:cNvPr id="256" name="Shape 256"/>
+        <p:cNvGrpSpPr/>
+        <p:nvPr/>
+      </p:nvGrpSpPr>
+      <p:grpSpPr>
+        <a:xfrm>
+          <a:off y="0" x="0"/>
+          <a:ext cy="0" cx="0"/>
+          <a:chOff y="0" x="0"/>
+          <a:chExt cy="0" cx="0"/>
+        </a:xfrm>
+      </p:grpSpPr>
+      <p:sp>
+        <p:nvSpPr>
+          <p:cNvPr id="257" name="Shape 257"/>
+          <p:cNvSpPr txBox="1"/>
+          <p:nvPr>
+            <p:ph type="title"/>
+          </p:nvPr>
+        </p:nvSpPr>
+        <p:spPr>
+          <a:xfrm>
+            <a:off y="2007660" x="457200"/>
+            <a:ext cy="585599" cx="6492600"/>
+          </a:xfrm>
+          <a:prstGeom prst="rect">
+            <a:avLst/>
+          </a:prstGeom>
+          <a:noFill/>
+          <a:ln>
+            <a:noFill/>
+          </a:ln>
+        </p:spPr>
+        <p:txBody>
+          <a:bodyPr bIns="45700" rIns="45700" lIns="45700" tIns="45700" anchor="ctr" anchorCtr="0">
+            <a:noAutofit/>
+          </a:bodyPr>
+          <a:lstStyle/>
+          <a:p>
+            <a:pPr algn="l" rtl="0" lvl="0" marR="0" indent="0" marL="0">
+              <a:spcBef>
+                <a:spcPts val="0"/>
+              </a:spcBef>
+              <a:buSzPct val="25000"/>
+              <a:buNone/>
+            </a:pPr>
+            <a:r>
+              <a:rPr b="1" sz="3200" lang="en-US">
                 <a:solidFill>
-                  <a:schemeClr val="dk1"/>
+                  <a:srgbClr val="404040"/>
                 </a:solidFill>
               </a:rPr>
-              <a:t>migration cluster (cloud &amp; platform)</a:t>
-            </a:r>
-          </a:p>
-          <a:p>
-            <a:pPr algn="l" rtl="0" lvl="1" marR="0" indent="-311150" marL="742950">
+              <a:t>A Question...</a:t>
+            </a:r>
+          </a:p>
+        </p:txBody>
+      </p:sp>
+      <p:sp>
+        <p:nvSpPr>
+          <p:cNvPr id="258" name="Shape 258"/>
+          <p:cNvSpPr txBox="1"/>
+          <p:nvPr>
+            <p:ph idx="1" type="body"/>
+          </p:nvPr>
+        </p:nvSpPr>
+        <p:spPr>
+          <a:xfrm>
+            <a:off y="2593175" x="457200"/>
+            <a:ext cy="500699" cx="6108899"/>
+          </a:xfrm>
+          <a:prstGeom prst="rect">
+            <a:avLst/>
+          </a:prstGeom>
+          <a:noFill/>
+          <a:ln>
+            <a:noFill/>
+          </a:ln>
+        </p:spPr>
+        <p:txBody>
+          <a:bodyPr bIns="45700" rIns="45700" lIns="45700" tIns="45700" anchor="t" anchorCtr="0">
+            <a:noAutofit/>
+          </a:bodyPr>
+          <a:lstStyle/>
+          <a:p>
+            <a:pPr algn="l" rtl="0" lvl="0" marR="0" indent="0" marL="0">
               <a:spcBef>
                 <a:spcPts val="0"/>
               </a:spcBef>
               <a:buClr>
-                <a:schemeClr val="dk1"/>
+                <a:srgbClr val="3FA3D9"/>
               </a:buClr>
-              <a:buSzPct val="100000"/>
+              <a:buSzPct val="25000"/>
               <a:buFont typeface="Arial"/>
-              <a:buChar char="–"/>
-            </a:pPr>
-            <a:r>
-              <a:rPr sz="2800" lang="en-US">
+              <a:buNone/>
+            </a:pPr>
+            <a:r>
+              <a:rPr sz="2000" lang="en-US" i="1">
                 <a:solidFill>
-                  <a:schemeClr val="dk1"/>
+                  <a:srgbClr val="3FA3D9"/>
                 </a:solidFill>
               </a:rPr>
-              <a:t>orchestration cluster (cloud &amp; platform)</a:t>
+              <a:t>What keeps Salt from being a cloud controller? </a:t>
             </a:r>
           </a:p>
         </p:txBody>
@@ -18691,7 +17063,7 @@
                                           </p:stCondLst>
                                         </p:cTn>
                                         <p:tgtEl>
-                                          <p:spTgt spid="294">
+                                          <p:spTgt spid="258">
                                             <p:txEl>
                                               <p:pRg st="0" end="0"/>
                                             </p:txEl>
@@ -18709,7 +17081,2867 @@
                                       <p:cBhvr>
                                         <p:cTn dur="1000"/>
                                         <p:tgtEl>
-                                          <p:spTgt spid="294">
+                                          <p:spTgt spid="258">
+                                            <p:txEl>
+                                              <p:pRg st="0" end="0"/>
+                                            </p:txEl>
+                                          </p:spTgt>
+                                        </p:tgtEl>
+                                      </p:cBhvr>
+                                    </p:animEffect>
+                                  </p:childTnLst>
+                                </p:cTn>
+                              </p:par>
+                            </p:childTnLst>
+                          </p:cTn>
+                        </p:par>
+                      </p:childTnLst>
+                    </p:cTn>
+                  </p:par>
+                </p:childTnLst>
+              </p:cTn>
+              <p:prevCondLst>
+                <p:cond evt="onPrev">
+                  <p:tgtEl>
+                    <p:sldTgt/>
+                  </p:tgtEl>
+                </p:cond>
+              </p:prevCondLst>
+              <p:nextCondLst>
+                <p:cond evt="onNext">
+                  <p:tgtEl>
+                    <p:sldTgt/>
+                  </p:tgtEl>
+                </p:cond>
+              </p:nextCondLst>
+            </p:seq>
+          </p:childTnLst>
+        </p:cTn>
+      </p:par>
+    </p:tnLst>
+  </p:timing>
+</p:sld>
+</file>
+
+<file path=ppt/slides/slide19.xml><?xml version="1.0" encoding="utf-8"?>
+<p:sld xmlns:a="http://schemas.openxmlformats.org/drawingml/2006/main" xmlns:r="http://schemas.openxmlformats.org/officeDocument/2006/relationships" xmlns:mc="http://schemas.openxmlformats.org/markup-compatibility/2006" xmlns:mv="urn:schemas-microsoft-com:mac:vml" xmlns:p="http://schemas.openxmlformats.org/presentationml/2006/main" xmlns:c="http://schemas.openxmlformats.org/drawingml/2006/chart" xmlns:dgm="http://schemas.openxmlformats.org/drawingml/2006/diagram" xmlns:o="urn:schemas-microsoft-com:office:office" xmlns:v="urn:schemas-microsoft-com:vml" xmlns:pvml="urn:schemas-microsoft-com:office:powerpoint" xmlns:com="http://schemas.openxmlformats.org/drawingml/2006/compatibility" xmlns:p14="http://schemas.microsoft.com/office/powerpoint/2010/main">
+  <p:cSld>
+    <p:spTree>
+      <p:nvGrpSpPr>
+        <p:cNvPr id="262" name="Shape 262"/>
+        <p:cNvGrpSpPr/>
+        <p:nvPr/>
+      </p:nvGrpSpPr>
+      <p:grpSpPr>
+        <a:xfrm>
+          <a:off y="0" x="0"/>
+          <a:ext cy="0" cx="0"/>
+          <a:chOff y="0" x="0"/>
+          <a:chExt cy="0" cx="0"/>
+        </a:xfrm>
+      </p:grpSpPr>
+      <p:sp>
+        <p:nvSpPr>
+          <p:cNvPr id="263" name="Shape 263"/>
+          <p:cNvSpPr/>
+          <p:nvPr/>
+        </p:nvSpPr>
+        <p:spPr>
+          <a:xfrm>
+            <a:off y="10936" x="5843887"/>
+            <a:ext cy="1039799" cx="2252999"/>
+          </a:xfrm>
+          <a:prstGeom prst="rect">
+            <a:avLst/>
+          </a:prstGeom>
+          <a:solidFill>
+            <a:schemeClr val="lt1"/>
+          </a:solidFill>
+          <a:ln>
+            <a:noFill/>
+          </a:ln>
+        </p:spPr>
+        <p:txBody>
+          <a:bodyPr bIns="91425" rIns="91425" lIns="91425" tIns="91425" anchor="ctr" anchorCtr="0">
+            <a:noAutofit/>
+          </a:bodyPr>
+          <a:lstStyle/>
+          <a:p>
+            <a:pPr>
+              <a:spcBef>
+                <a:spcPts val="0"/>
+              </a:spcBef>
+              <a:buNone/>
+            </a:pPr>
+            <a:r>
+              <a:t/>
+            </a:r>
+            <a:endParaRPr/>
+          </a:p>
+        </p:txBody>
+      </p:sp>
+      <p:sp>
+        <p:nvSpPr>
+          <p:cNvPr id="264" name="Shape 264"/>
+          <p:cNvSpPr txBox="1"/>
+          <p:nvPr>
+            <p:ph type="title"/>
+          </p:nvPr>
+        </p:nvSpPr>
+        <p:spPr>
+          <a:xfrm>
+            <a:off y="116054" x="450143"/>
+            <a:ext cy="585599" cx="8229600"/>
+          </a:xfrm>
+          <a:prstGeom prst="rect">
+            <a:avLst/>
+          </a:prstGeom>
+          <a:noFill/>
+          <a:ln>
+            <a:noFill/>
+          </a:ln>
+        </p:spPr>
+        <p:txBody>
+          <a:bodyPr bIns="45700" rIns="45700" lIns="45700" tIns="45700" anchor="t" anchorCtr="0">
+            <a:noAutofit/>
+          </a:bodyPr>
+          <a:lstStyle/>
+          <a:p>
+            <a:pPr algn="l" rtl="0" lvl="0" marR="0" indent="0" marL="0">
+              <a:spcBef>
+                <a:spcPts val="0"/>
+              </a:spcBef>
+              <a:buSzPct val="25000"/>
+              <a:buNone/>
+            </a:pPr>
+            <a:r>
+              <a:rPr b="1" sz="3200" lang="en-US">
+                <a:solidFill>
+                  <a:srgbClr val="404040"/>
+                </a:solidFill>
+              </a:rPr>
+              <a:t>2 scheduler patterns...</a:t>
+            </a:r>
+          </a:p>
+        </p:txBody>
+      </p:sp>
+      <p:sp>
+        <p:nvSpPr>
+          <p:cNvPr id="265" name="Shape 265"/>
+          <p:cNvSpPr txBox="1"/>
+          <p:nvPr>
+            <p:ph idx="1" type="body"/>
+          </p:nvPr>
+        </p:nvSpPr>
+        <p:spPr>
+          <a:xfrm>
+            <a:off y="552349" x="450150"/>
+            <a:ext cy="272400" cx="5003699"/>
+          </a:xfrm>
+          <a:prstGeom prst="rect">
+            <a:avLst/>
+          </a:prstGeom>
+          <a:noFill/>
+          <a:ln>
+            <a:noFill/>
+          </a:ln>
+        </p:spPr>
+        <p:txBody>
+          <a:bodyPr bIns="45700" rIns="45700" lIns="45700" tIns="45700" anchor="t" anchorCtr="0">
+            <a:noAutofit/>
+          </a:bodyPr>
+          <a:lstStyle/>
+          <a:p>
+            <a:pPr algn="l" rtl="0" lvl="0" marR="0" indent="0" marL="0">
+              <a:lnSpc>
+                <a:spcPct val="80000"/>
+              </a:lnSpc>
+              <a:spcBef>
+                <a:spcPts val="0"/>
+              </a:spcBef>
+              <a:buClr>
+                <a:srgbClr val="3FA3D9"/>
+              </a:buClr>
+              <a:buSzPct val="25000"/>
+              <a:buFont typeface="Arial"/>
+              <a:buNone/>
+            </a:pPr>
+            <a:r>
+              <a:rPr sz="1513" lang="en-US" i="1">
+                <a:solidFill>
+                  <a:srgbClr val="3FA3D9"/>
+                </a:solidFill>
+              </a:rPr>
+              <a:t> </a:t>
+            </a:r>
+          </a:p>
+        </p:txBody>
+      </p:sp>
+      <p:sp>
+        <p:nvSpPr>
+          <p:cNvPr id="266" name="Shape 266"/>
+          <p:cNvSpPr txBox="1"/>
+          <p:nvPr/>
+        </p:nvSpPr>
+        <p:spPr>
+          <a:xfrm>
+            <a:off y="597676" x="525306"/>
+            <a:ext cy="605100" cx="2955599"/>
+          </a:xfrm>
+          <a:prstGeom prst="rect">
+            <a:avLst/>
+          </a:prstGeom>
+          <a:noFill/>
+          <a:ln>
+            <a:noFill/>
+          </a:ln>
+        </p:spPr>
+        <p:txBody>
+          <a:bodyPr bIns="91425" rIns="91425" lIns="91425" tIns="91425" anchor="t" anchorCtr="0">
+            <a:noAutofit/>
+          </a:bodyPr>
+          <a:lstStyle/>
+          <a:p>
+            <a:pPr algn="ctr" rtl="0">
+              <a:spcBef>
+                <a:spcPts val="0"/>
+              </a:spcBef>
+              <a:buNone/>
+            </a:pPr>
+            <a:r>
+              <a:rPr sz="1800" lang="en-US"/>
+              <a:t>targeted</a:t>
+            </a:r>
+          </a:p>
+          <a:p>
+            <a:pPr algn="ctr">
+              <a:spcBef>
+                <a:spcPts val="0"/>
+              </a:spcBef>
+              <a:buNone/>
+            </a:pPr>
+            <a:r>
+              <a:rPr sz="1800" lang="en-US"/>
+              <a:t>“one and done”</a:t>
+            </a:r>
+          </a:p>
+        </p:txBody>
+      </p:sp>
+      <p:sp>
+        <p:nvSpPr>
+          <p:cNvPr id="267" name="Shape 267"/>
+          <p:cNvSpPr txBox="1"/>
+          <p:nvPr/>
+        </p:nvSpPr>
+        <p:spPr>
+          <a:xfrm>
+            <a:off y="530855" x="4663510"/>
+            <a:ext cy="605100" cx="2955599"/>
+          </a:xfrm>
+          <a:prstGeom prst="rect">
+            <a:avLst/>
+          </a:prstGeom>
+          <a:noFill/>
+          <a:ln>
+            <a:noFill/>
+          </a:ln>
+        </p:spPr>
+        <p:txBody>
+          <a:bodyPr bIns="91425" rIns="91425" lIns="91425" tIns="91425" anchor="t" anchorCtr="0">
+            <a:noAutofit/>
+          </a:bodyPr>
+          <a:lstStyle/>
+          <a:p>
+            <a:pPr algn="ctr" rtl="0">
+              <a:spcBef>
+                <a:spcPts val="0"/>
+              </a:spcBef>
+              <a:buNone/>
+            </a:pPr>
+            <a:r>
+              <a:rPr sz="1800" lang="en-US"/>
+              <a:t>“batch and pool”</a:t>
+            </a:r>
+          </a:p>
+          <a:p>
+            <a:pPr algn="ctr" rtl="0" lvl="0">
+              <a:spcBef>
+                <a:spcPts val="0"/>
+              </a:spcBef>
+              <a:buNone/>
+            </a:pPr>
+            <a:r>
+              <a:rPr sz="1800" lang="en-US"/>
+              <a:t>“work queue on a cluster”</a:t>
+            </a:r>
+          </a:p>
+        </p:txBody>
+      </p:sp>
+      <p:sp>
+        <p:nvSpPr>
+          <p:cNvPr id="268" name="Shape 268"/>
+          <p:cNvSpPr/>
+          <p:nvPr/>
+        </p:nvSpPr>
+        <p:spPr>
+          <a:xfrm>
+            <a:off y="1513200" x="606176"/>
+            <a:ext cy="564299" cx="936899"/>
+          </a:xfrm>
+          <a:prstGeom prst="flowChartAlternateProcess">
+            <a:avLst/>
+          </a:prstGeom>
+          <a:solidFill>
+            <a:srgbClr val="D9D9D9"/>
+          </a:solidFill>
+          <a:ln w="19050" cap="flat">
+            <a:solidFill>
+              <a:schemeClr val="dk2"/>
+            </a:solidFill>
+            <a:prstDash val="solid"/>
+            <a:round/>
+            <a:headEnd w="med" len="med" type="none"/>
+            <a:tailEnd w="med" len="med" type="none"/>
+          </a:ln>
+        </p:spPr>
+        <p:txBody>
+          <a:bodyPr bIns="91425" rIns="91425" lIns="91425" tIns="91425" anchor="t" anchorCtr="0">
+            <a:noAutofit/>
+          </a:bodyPr>
+          <a:lstStyle/>
+          <a:p>
+            <a:pPr>
+              <a:spcBef>
+                <a:spcPts val="0"/>
+              </a:spcBef>
+              <a:buNone/>
+            </a:pPr>
+            <a:r>
+              <a:t/>
+            </a:r>
+            <a:endParaRPr/>
+          </a:p>
+        </p:txBody>
+      </p:sp>
+      <p:sp>
+        <p:nvSpPr>
+          <p:cNvPr id="269" name="Shape 269"/>
+          <p:cNvSpPr/>
+          <p:nvPr/>
+        </p:nvSpPr>
+        <p:spPr>
+          <a:xfrm>
+            <a:off y="1635945" x="742114"/>
+            <a:ext cy="564299" cx="936899"/>
+          </a:xfrm>
+          <a:prstGeom prst="flowChartAlternateProcess">
+            <a:avLst/>
+          </a:prstGeom>
+          <a:solidFill>
+            <a:srgbClr val="D9D9D9"/>
+          </a:solidFill>
+          <a:ln w="19050" cap="flat">
+            <a:solidFill>
+              <a:schemeClr val="dk2"/>
+            </a:solidFill>
+            <a:prstDash val="solid"/>
+            <a:round/>
+            <a:headEnd w="med" len="med" type="none"/>
+            <a:tailEnd w="med" len="med" type="none"/>
+          </a:ln>
+        </p:spPr>
+        <p:txBody>
+          <a:bodyPr bIns="91425" rIns="91425" lIns="91425" tIns="91425" anchor="t" anchorCtr="0">
+            <a:noAutofit/>
+          </a:bodyPr>
+          <a:lstStyle/>
+          <a:p>
+            <a:pPr>
+              <a:spcBef>
+                <a:spcPts val="0"/>
+              </a:spcBef>
+              <a:buNone/>
+            </a:pPr>
+            <a:r>
+              <a:t/>
+            </a:r>
+            <a:endParaRPr/>
+          </a:p>
+        </p:txBody>
+      </p:sp>
+      <p:sp>
+        <p:nvSpPr>
+          <p:cNvPr id="270" name="Shape 270"/>
+          <p:cNvSpPr/>
+          <p:nvPr/>
+        </p:nvSpPr>
+        <p:spPr>
+          <a:xfrm>
+            <a:off y="1758691" x="878051"/>
+            <a:ext cy="564299" cx="936899"/>
+          </a:xfrm>
+          <a:prstGeom prst="flowChartAlternateProcess">
+            <a:avLst/>
+          </a:prstGeom>
+          <a:solidFill>
+            <a:srgbClr val="D9D9D9"/>
+          </a:solidFill>
+          <a:ln w="19050" cap="flat">
+            <a:solidFill>
+              <a:schemeClr val="dk2"/>
+            </a:solidFill>
+            <a:prstDash val="solid"/>
+            <a:round/>
+            <a:headEnd w="med" len="med" type="none"/>
+            <a:tailEnd w="med" len="med" type="none"/>
+          </a:ln>
+        </p:spPr>
+        <p:txBody>
+          <a:bodyPr bIns="91425" rIns="91425" lIns="91425" tIns="91425" anchor="t" anchorCtr="0">
+            <a:noAutofit/>
+          </a:bodyPr>
+          <a:lstStyle/>
+          <a:p>
+            <a:pPr>
+              <a:spcBef>
+                <a:spcPts val="0"/>
+              </a:spcBef>
+              <a:buNone/>
+            </a:pPr>
+            <a:r>
+              <a:t/>
+            </a:r>
+            <a:endParaRPr/>
+          </a:p>
+        </p:txBody>
+      </p:sp>
+      <p:sp>
+        <p:nvSpPr>
+          <p:cNvPr id="271" name="Shape 271"/>
+          <p:cNvSpPr/>
+          <p:nvPr/>
+        </p:nvSpPr>
+        <p:spPr>
+          <a:xfrm>
+            <a:off y="1881436" x="1013989"/>
+            <a:ext cy="564299" cx="936899"/>
+          </a:xfrm>
+          <a:prstGeom prst="flowChartAlternateProcess">
+            <a:avLst/>
+          </a:prstGeom>
+          <a:solidFill>
+            <a:srgbClr val="D9D9D9"/>
+          </a:solidFill>
+          <a:ln w="19050" cap="flat">
+            <a:solidFill>
+              <a:schemeClr val="dk2"/>
+            </a:solidFill>
+            <a:prstDash val="solid"/>
+            <a:round/>
+            <a:headEnd w="med" len="med" type="none"/>
+            <a:tailEnd w="med" len="med" type="none"/>
+          </a:ln>
+        </p:spPr>
+        <p:txBody>
+          <a:bodyPr bIns="91425" rIns="91425" lIns="91425" tIns="91425" anchor="t" anchorCtr="0">
+            <a:noAutofit/>
+          </a:bodyPr>
+          <a:lstStyle/>
+          <a:p>
+            <a:pPr>
+              <a:spcBef>
+                <a:spcPts val="0"/>
+              </a:spcBef>
+              <a:buNone/>
+            </a:pPr>
+            <a:r>
+              <a:t/>
+            </a:r>
+            <a:endParaRPr/>
+          </a:p>
+        </p:txBody>
+      </p:sp>
+      <p:sp>
+        <p:nvSpPr>
+          <p:cNvPr id="272" name="Shape 272"/>
+          <p:cNvSpPr/>
+          <p:nvPr/>
+        </p:nvSpPr>
+        <p:spPr>
+          <a:xfrm>
+            <a:off y="1355204" x="4516777"/>
+            <a:ext cy="548399" cx="910800"/>
+          </a:xfrm>
+          <a:prstGeom prst="flowChartAlternateProcess">
+            <a:avLst/>
+          </a:prstGeom>
+          <a:solidFill>
+            <a:srgbClr val="D9D9D9"/>
+          </a:solidFill>
+          <a:ln w="19050" cap="flat">
+            <a:solidFill>
+              <a:schemeClr val="dk2"/>
+            </a:solidFill>
+            <a:prstDash val="solid"/>
+            <a:round/>
+            <a:headEnd w="med" len="med" type="none"/>
+            <a:tailEnd w="med" len="med" type="none"/>
+          </a:ln>
+        </p:spPr>
+        <p:txBody>
+          <a:bodyPr bIns="91425" rIns="91425" lIns="91425" tIns="91425" anchor="t" anchorCtr="0">
+            <a:noAutofit/>
+          </a:bodyPr>
+          <a:lstStyle/>
+          <a:p>
+            <a:pPr>
+              <a:spcBef>
+                <a:spcPts val="0"/>
+              </a:spcBef>
+              <a:buNone/>
+            </a:pPr>
+            <a:r>
+              <a:t/>
+            </a:r>
+            <a:endParaRPr/>
+          </a:p>
+        </p:txBody>
+      </p:sp>
+      <p:sp>
+        <p:nvSpPr>
+          <p:cNvPr id="273" name="Shape 273"/>
+          <p:cNvSpPr/>
+          <p:nvPr/>
+        </p:nvSpPr>
+        <p:spPr>
+          <a:xfrm>
+            <a:off y="1474530" x="4648930"/>
+            <a:ext cy="548399" cx="910800"/>
+          </a:xfrm>
+          <a:prstGeom prst="flowChartAlternateProcess">
+            <a:avLst/>
+          </a:prstGeom>
+          <a:solidFill>
+            <a:srgbClr val="D9D9D9"/>
+          </a:solidFill>
+          <a:ln w="19050" cap="flat">
+            <a:solidFill>
+              <a:schemeClr val="dk2"/>
+            </a:solidFill>
+            <a:prstDash val="solid"/>
+            <a:round/>
+            <a:headEnd w="med" len="med" type="none"/>
+            <a:tailEnd w="med" len="med" type="none"/>
+          </a:ln>
+        </p:spPr>
+        <p:txBody>
+          <a:bodyPr bIns="91425" rIns="91425" lIns="91425" tIns="91425" anchor="t" anchorCtr="0">
+            <a:noAutofit/>
+          </a:bodyPr>
+          <a:lstStyle/>
+          <a:p>
+            <a:pPr>
+              <a:spcBef>
+                <a:spcPts val="0"/>
+              </a:spcBef>
+              <a:buNone/>
+            </a:pPr>
+            <a:r>
+              <a:t/>
+            </a:r>
+            <a:endParaRPr/>
+          </a:p>
+        </p:txBody>
+      </p:sp>
+      <p:sp>
+        <p:nvSpPr>
+          <p:cNvPr id="274" name="Shape 274"/>
+          <p:cNvSpPr/>
+          <p:nvPr/>
+        </p:nvSpPr>
+        <p:spPr>
+          <a:xfrm>
+            <a:off y="1593857" x="4781084"/>
+            <a:ext cy="548399" cx="910800"/>
+          </a:xfrm>
+          <a:prstGeom prst="flowChartAlternateProcess">
+            <a:avLst/>
+          </a:prstGeom>
+          <a:solidFill>
+            <a:srgbClr val="D9D9D9"/>
+          </a:solidFill>
+          <a:ln w="19050" cap="flat">
+            <a:solidFill>
+              <a:schemeClr val="dk2"/>
+            </a:solidFill>
+            <a:prstDash val="solid"/>
+            <a:round/>
+            <a:headEnd w="med" len="med" type="none"/>
+            <a:tailEnd w="med" len="med" type="none"/>
+          </a:ln>
+        </p:spPr>
+        <p:txBody>
+          <a:bodyPr bIns="91425" rIns="91425" lIns="91425" tIns="91425" anchor="t" anchorCtr="0">
+            <a:noAutofit/>
+          </a:bodyPr>
+          <a:lstStyle/>
+          <a:p>
+            <a:pPr>
+              <a:spcBef>
+                <a:spcPts val="0"/>
+              </a:spcBef>
+              <a:buNone/>
+            </a:pPr>
+            <a:r>
+              <a:t/>
+            </a:r>
+            <a:endParaRPr/>
+          </a:p>
+        </p:txBody>
+      </p:sp>
+      <p:sp>
+        <p:nvSpPr>
+          <p:cNvPr id="275" name="Shape 275"/>
+          <p:cNvSpPr/>
+          <p:nvPr/>
+        </p:nvSpPr>
+        <p:spPr>
+          <a:xfrm>
+            <a:off y="2185775" x="4964950"/>
+            <a:ext cy="71700" cx="81900"/>
+          </a:xfrm>
+          <a:prstGeom prst="flowChartConnector">
+            <a:avLst/>
+          </a:prstGeom>
+          <a:solidFill>
+            <a:srgbClr val="D9D9D9"/>
+          </a:solidFill>
+          <a:ln w="19050" cap="flat">
+            <a:solidFill>
+              <a:schemeClr val="dk2"/>
+            </a:solidFill>
+            <a:prstDash val="solid"/>
+            <a:round/>
+            <a:headEnd w="med" len="med" type="none"/>
+            <a:tailEnd w="med" len="med" type="none"/>
+          </a:ln>
+        </p:spPr>
+        <p:txBody>
+          <a:bodyPr bIns="91425" rIns="91425" lIns="91425" tIns="91425" anchor="ctr" anchorCtr="0">
+            <a:noAutofit/>
+          </a:bodyPr>
+          <a:lstStyle/>
+          <a:p>
+            <a:pPr>
+              <a:spcBef>
+                <a:spcPts val="0"/>
+              </a:spcBef>
+              <a:buNone/>
+            </a:pPr>
+            <a:r>
+              <a:t/>
+            </a:r>
+            <a:endParaRPr/>
+          </a:p>
+        </p:txBody>
+      </p:sp>
+      <p:sp>
+        <p:nvSpPr>
+          <p:cNvPr id="276" name="Shape 276"/>
+          <p:cNvSpPr/>
+          <p:nvPr/>
+        </p:nvSpPr>
+        <p:spPr>
+          <a:xfrm>
+            <a:off y="2273114" x="5083346"/>
+            <a:ext cy="71700" cx="81900"/>
+          </a:xfrm>
+          <a:prstGeom prst="flowChartConnector">
+            <a:avLst/>
+          </a:prstGeom>
+          <a:solidFill>
+            <a:srgbClr val="D9D9D9"/>
+          </a:solidFill>
+          <a:ln w="19050" cap="flat">
+            <a:solidFill>
+              <a:schemeClr val="dk2"/>
+            </a:solidFill>
+            <a:prstDash val="solid"/>
+            <a:round/>
+            <a:headEnd w="med" len="med" type="none"/>
+            <a:tailEnd w="med" len="med" type="none"/>
+          </a:ln>
+        </p:spPr>
+        <p:txBody>
+          <a:bodyPr bIns="91425" rIns="91425" lIns="91425" tIns="91425" anchor="ctr" anchorCtr="0">
+            <a:noAutofit/>
+          </a:bodyPr>
+          <a:lstStyle/>
+          <a:p>
+            <a:pPr>
+              <a:spcBef>
+                <a:spcPts val="0"/>
+              </a:spcBef>
+              <a:buNone/>
+            </a:pPr>
+            <a:r>
+              <a:t/>
+            </a:r>
+            <a:endParaRPr/>
+          </a:p>
+        </p:txBody>
+      </p:sp>
+      <p:sp>
+        <p:nvSpPr>
+          <p:cNvPr id="277" name="Shape 277"/>
+          <p:cNvSpPr/>
+          <p:nvPr/>
+        </p:nvSpPr>
+        <p:spPr>
+          <a:xfrm>
+            <a:off y="1536183" x="2600855"/>
+            <a:ext cy="283098" cx="420115"/>
+          </a:xfrm>
+          <a:prstGeom prst="flowChartProcess">
+            <a:avLst/>
+          </a:prstGeom>
+          <a:solidFill>
+            <a:srgbClr val="EFEFEF"/>
+          </a:solidFill>
+          <a:ln w="19050" cap="flat">
+            <a:solidFill>
+              <a:schemeClr val="dk2"/>
+            </a:solidFill>
+            <a:prstDash val="solid"/>
+            <a:round/>
+            <a:headEnd w="med" len="med" type="none"/>
+            <a:tailEnd w="med" len="med" type="none"/>
+          </a:ln>
+        </p:spPr>
+        <p:txBody>
+          <a:bodyPr bIns="91425" rIns="91425" lIns="91425" tIns="91425" anchor="ctr" anchorCtr="0">
+            <a:noAutofit/>
+          </a:bodyPr>
+          <a:lstStyle/>
+          <a:p>
+            <a:pPr>
+              <a:spcBef>
+                <a:spcPts val="0"/>
+              </a:spcBef>
+              <a:buNone/>
+            </a:pPr>
+            <a:r>
+              <a:t/>
+            </a:r>
+            <a:endParaRPr/>
+          </a:p>
+        </p:txBody>
+      </p:sp>
+      <p:sp>
+        <p:nvSpPr>
+          <p:cNvPr id="278" name="Shape 278"/>
+          <p:cNvSpPr/>
+          <p:nvPr/>
+        </p:nvSpPr>
+        <p:spPr>
+          <a:xfrm>
+            <a:off y="1728447" x="2809816"/>
+            <a:ext cy="283098" cx="420115"/>
+          </a:xfrm>
+          <a:prstGeom prst="flowChartProcess">
+            <a:avLst/>
+          </a:prstGeom>
+          <a:solidFill>
+            <a:srgbClr val="EFEFEF"/>
+          </a:solidFill>
+          <a:ln w="19050" cap="flat">
+            <a:solidFill>
+              <a:schemeClr val="dk2"/>
+            </a:solidFill>
+            <a:prstDash val="solid"/>
+            <a:round/>
+            <a:headEnd w="med" len="med" type="none"/>
+            <a:tailEnd w="med" len="med" type="none"/>
+          </a:ln>
+        </p:spPr>
+        <p:txBody>
+          <a:bodyPr bIns="91425" rIns="91425" lIns="91425" tIns="91425" anchor="ctr" anchorCtr="0">
+            <a:noAutofit/>
+          </a:bodyPr>
+          <a:lstStyle/>
+          <a:p>
+            <a:pPr>
+              <a:spcBef>
+                <a:spcPts val="0"/>
+              </a:spcBef>
+              <a:buNone/>
+            </a:pPr>
+            <a:r>
+              <a:t/>
+            </a:r>
+            <a:endParaRPr/>
+          </a:p>
+        </p:txBody>
+      </p:sp>
+      <p:sp>
+        <p:nvSpPr>
+          <p:cNvPr id="279" name="Shape 279"/>
+          <p:cNvSpPr/>
+          <p:nvPr/>
+        </p:nvSpPr>
+        <p:spPr>
+          <a:xfrm>
+            <a:off y="1920712" x="3018777"/>
+            <a:ext cy="283098" cx="420115"/>
+          </a:xfrm>
+          <a:prstGeom prst="flowChartProcess">
+            <a:avLst/>
+          </a:prstGeom>
+          <a:solidFill>
+            <a:srgbClr val="EFEFEF"/>
+          </a:solidFill>
+          <a:ln w="19050" cap="flat">
+            <a:solidFill>
+              <a:schemeClr val="dk2"/>
+            </a:solidFill>
+            <a:prstDash val="solid"/>
+            <a:round/>
+            <a:headEnd w="med" len="med" type="none"/>
+            <a:tailEnd w="med" len="med" type="none"/>
+          </a:ln>
+        </p:spPr>
+        <p:txBody>
+          <a:bodyPr bIns="91425" rIns="91425" lIns="91425" tIns="91425" anchor="ctr" anchorCtr="0">
+            <a:noAutofit/>
+          </a:bodyPr>
+          <a:lstStyle/>
+          <a:p>
+            <a:pPr>
+              <a:spcBef>
+                <a:spcPts val="0"/>
+              </a:spcBef>
+              <a:buNone/>
+            </a:pPr>
+            <a:r>
+              <a:t/>
+            </a:r>
+            <a:endParaRPr/>
+          </a:p>
+        </p:txBody>
+      </p:sp>
+      <p:sp>
+        <p:nvSpPr>
+          <p:cNvPr id="280" name="Shape 280"/>
+          <p:cNvSpPr/>
+          <p:nvPr/>
+        </p:nvSpPr>
+        <p:spPr>
+          <a:xfrm>
+            <a:off y="2112976" x="3227738"/>
+            <a:ext cy="283098" cx="420115"/>
+          </a:xfrm>
+          <a:prstGeom prst="flowChartProcess">
+            <a:avLst/>
+          </a:prstGeom>
+          <a:solidFill>
+            <a:srgbClr val="EFEFEF"/>
+          </a:solidFill>
+          <a:ln w="19050" cap="flat">
+            <a:solidFill>
+              <a:schemeClr val="dk2"/>
+            </a:solidFill>
+            <a:prstDash val="solid"/>
+            <a:round/>
+            <a:headEnd w="med" len="med" type="none"/>
+            <a:tailEnd w="med" len="med" type="none"/>
+          </a:ln>
+        </p:spPr>
+        <p:txBody>
+          <a:bodyPr bIns="91425" rIns="91425" lIns="91425" tIns="91425" anchor="ctr" anchorCtr="0">
+            <a:noAutofit/>
+          </a:bodyPr>
+          <a:lstStyle/>
+          <a:p>
+            <a:pPr>
+              <a:spcBef>
+                <a:spcPts val="0"/>
+              </a:spcBef>
+              <a:buNone/>
+            </a:pPr>
+            <a:r>
+              <a:t/>
+            </a:r>
+            <a:endParaRPr/>
+          </a:p>
+        </p:txBody>
+      </p:sp>
+      <p:sp>
+        <p:nvSpPr>
+          <p:cNvPr id="281" name="Shape 281"/>
+          <p:cNvSpPr/>
+          <p:nvPr/>
+        </p:nvSpPr>
+        <p:spPr>
+          <a:xfrm>
+            <a:off y="1474530" x="6803701"/>
+            <a:ext cy="196777" cx="306399"/>
+          </a:xfrm>
+          <a:prstGeom prst="flowChartProcess">
+            <a:avLst/>
+          </a:prstGeom>
+          <a:solidFill>
+            <a:srgbClr val="EFEFEF"/>
+          </a:solidFill>
+          <a:ln w="19050" cap="flat">
+            <a:solidFill>
+              <a:schemeClr val="dk2"/>
+            </a:solidFill>
+            <a:prstDash val="solid"/>
+            <a:round/>
+            <a:headEnd w="med" len="med" type="none"/>
+            <a:tailEnd w="med" len="med" type="none"/>
+          </a:ln>
+        </p:spPr>
+        <p:txBody>
+          <a:bodyPr bIns="91425" rIns="91425" lIns="91425" tIns="91425" anchor="ctr" anchorCtr="0">
+            <a:noAutofit/>
+          </a:bodyPr>
+          <a:lstStyle/>
+          <a:p>
+            <a:pPr>
+              <a:spcBef>
+                <a:spcPts val="0"/>
+              </a:spcBef>
+              <a:buNone/>
+            </a:pPr>
+            <a:r>
+              <a:t/>
+            </a:r>
+            <a:endParaRPr/>
+          </a:p>
+        </p:txBody>
+      </p:sp>
+      <p:sp>
+        <p:nvSpPr>
+          <p:cNvPr id="282" name="Shape 282"/>
+          <p:cNvSpPr/>
+          <p:nvPr/>
+        </p:nvSpPr>
+        <p:spPr>
+          <a:xfrm>
+            <a:off y="1608170" x="6956100"/>
+            <a:ext cy="196777" cx="306399"/>
+          </a:xfrm>
+          <a:prstGeom prst="flowChartProcess">
+            <a:avLst/>
+          </a:prstGeom>
+          <a:solidFill>
+            <a:srgbClr val="EFEFEF"/>
+          </a:solidFill>
+          <a:ln w="19050" cap="flat">
+            <a:solidFill>
+              <a:schemeClr val="dk2"/>
+            </a:solidFill>
+            <a:prstDash val="solid"/>
+            <a:round/>
+            <a:headEnd w="med" len="med" type="none"/>
+            <a:tailEnd w="med" len="med" type="none"/>
+          </a:ln>
+        </p:spPr>
+        <p:txBody>
+          <a:bodyPr bIns="91425" rIns="91425" lIns="91425" tIns="91425" anchor="ctr" anchorCtr="0">
+            <a:noAutofit/>
+          </a:bodyPr>
+          <a:lstStyle/>
+          <a:p>
+            <a:pPr>
+              <a:spcBef>
+                <a:spcPts val="0"/>
+              </a:spcBef>
+              <a:buNone/>
+            </a:pPr>
+            <a:r>
+              <a:t/>
+            </a:r>
+            <a:endParaRPr/>
+          </a:p>
+        </p:txBody>
+      </p:sp>
+      <p:sp>
+        <p:nvSpPr>
+          <p:cNvPr id="283" name="Shape 283"/>
+          <p:cNvSpPr/>
+          <p:nvPr/>
+        </p:nvSpPr>
+        <p:spPr>
+          <a:xfrm>
+            <a:off y="1741811" x="7108500"/>
+            <a:ext cy="196777" cx="306399"/>
+          </a:xfrm>
+          <a:prstGeom prst="flowChartProcess">
+            <a:avLst/>
+          </a:prstGeom>
+          <a:solidFill>
+            <a:srgbClr val="EFEFEF"/>
+          </a:solidFill>
+          <a:ln w="19050" cap="flat">
+            <a:solidFill>
+              <a:schemeClr val="dk2"/>
+            </a:solidFill>
+            <a:prstDash val="solid"/>
+            <a:round/>
+            <a:headEnd w="med" len="med" type="none"/>
+            <a:tailEnd w="med" len="med" type="none"/>
+          </a:ln>
+        </p:spPr>
+        <p:txBody>
+          <a:bodyPr bIns="91425" rIns="91425" lIns="91425" tIns="91425" anchor="ctr" anchorCtr="0">
+            <a:noAutofit/>
+          </a:bodyPr>
+          <a:lstStyle/>
+          <a:p>
+            <a:pPr>
+              <a:spcBef>
+                <a:spcPts val="0"/>
+              </a:spcBef>
+              <a:buNone/>
+            </a:pPr>
+            <a:r>
+              <a:t/>
+            </a:r>
+            <a:endParaRPr/>
+          </a:p>
+        </p:txBody>
+      </p:sp>
+      <p:sp>
+        <p:nvSpPr>
+          <p:cNvPr id="284" name="Shape 284"/>
+          <p:cNvSpPr/>
+          <p:nvPr/>
+        </p:nvSpPr>
+        <p:spPr>
+          <a:xfrm>
+            <a:off y="1875451" x="7260900"/>
+            <a:ext cy="196777" cx="306399"/>
+          </a:xfrm>
+          <a:prstGeom prst="flowChartProcess">
+            <a:avLst/>
+          </a:prstGeom>
+          <a:solidFill>
+            <a:srgbClr val="EFEFEF"/>
+          </a:solidFill>
+          <a:ln w="19050" cap="flat">
+            <a:solidFill>
+              <a:schemeClr val="dk2"/>
+            </a:solidFill>
+            <a:prstDash val="solid"/>
+            <a:round/>
+            <a:headEnd w="med" len="med" type="none"/>
+            <a:tailEnd w="med" len="med" type="none"/>
+          </a:ln>
+        </p:spPr>
+        <p:txBody>
+          <a:bodyPr bIns="91425" rIns="91425" lIns="91425" tIns="91425" anchor="ctr" anchorCtr="0">
+            <a:noAutofit/>
+          </a:bodyPr>
+          <a:lstStyle/>
+          <a:p>
+            <a:pPr>
+              <a:spcBef>
+                <a:spcPts val="0"/>
+              </a:spcBef>
+              <a:buNone/>
+            </a:pPr>
+            <a:r>
+              <a:t/>
+            </a:r>
+            <a:endParaRPr/>
+          </a:p>
+        </p:txBody>
+      </p:sp>
+      <p:sp>
+        <p:nvSpPr>
+          <p:cNvPr id="285" name="Shape 285"/>
+          <p:cNvSpPr/>
+          <p:nvPr/>
+        </p:nvSpPr>
+        <p:spPr>
+          <a:xfrm>
+            <a:off y="2009091" x="7413300"/>
+            <a:ext cy="196777" cx="306399"/>
+          </a:xfrm>
+          <a:prstGeom prst="flowChartProcess">
+            <a:avLst/>
+          </a:prstGeom>
+          <a:solidFill>
+            <a:srgbClr val="EFEFEF"/>
+          </a:solidFill>
+          <a:ln w="19050" cap="flat">
+            <a:solidFill>
+              <a:schemeClr val="dk2"/>
+            </a:solidFill>
+            <a:prstDash val="solid"/>
+            <a:round/>
+            <a:headEnd w="med" len="med" type="none"/>
+            <a:tailEnd w="med" len="med" type="none"/>
+          </a:ln>
+        </p:spPr>
+        <p:txBody>
+          <a:bodyPr bIns="91425" rIns="91425" lIns="91425" tIns="91425" anchor="ctr" anchorCtr="0">
+            <a:noAutofit/>
+          </a:bodyPr>
+          <a:lstStyle/>
+          <a:p>
+            <a:pPr>
+              <a:spcBef>
+                <a:spcPts val="0"/>
+              </a:spcBef>
+              <a:buNone/>
+            </a:pPr>
+            <a:r>
+              <a:t/>
+            </a:r>
+            <a:endParaRPr/>
+          </a:p>
+        </p:txBody>
+      </p:sp>
+      <p:cxnSp>
+        <p:nvCxnSpPr>
+          <p:cNvPr id="286" name="Shape 286"/>
+          <p:cNvCxnSpPr/>
+          <p:nvPr/>
+        </p:nvCxnSpPr>
+        <p:spPr>
+          <a:xfrm>
+            <a:off y="1697525" x="1857950"/>
+            <a:ext cy="0" cx="575099"/>
+          </a:xfrm>
+          <a:prstGeom prst="straightConnector1">
+            <a:avLst/>
+          </a:prstGeom>
+          <a:noFill/>
+          <a:ln w="38100" cap="flat">
+            <a:solidFill>
+              <a:schemeClr val="dk2"/>
+            </a:solidFill>
+            <a:prstDash val="solid"/>
+            <a:round/>
+            <a:headEnd w="lg" len="lg" type="none"/>
+            <a:tailEnd w="lg" len="lg" type="triangle"/>
+          </a:ln>
+        </p:spPr>
+      </p:cxnSp>
+      <p:cxnSp>
+        <p:nvCxnSpPr>
+          <p:cNvPr id="287" name="Shape 287"/>
+          <p:cNvCxnSpPr/>
+          <p:nvPr/>
+        </p:nvCxnSpPr>
+        <p:spPr>
+          <a:xfrm>
+            <a:off y="1892725" x="2053200"/>
+            <a:ext cy="0" cx="575099"/>
+          </a:xfrm>
+          <a:prstGeom prst="straightConnector1">
+            <a:avLst/>
+          </a:prstGeom>
+          <a:noFill/>
+          <a:ln w="38100" cap="flat">
+            <a:solidFill>
+              <a:schemeClr val="dk2"/>
+            </a:solidFill>
+            <a:prstDash val="solid"/>
+            <a:round/>
+            <a:headEnd w="lg" len="lg" type="none"/>
+            <a:tailEnd w="lg" len="lg" type="triangle"/>
+          </a:ln>
+        </p:spPr>
+      </p:cxnSp>
+      <p:cxnSp>
+        <p:nvCxnSpPr>
+          <p:cNvPr id="288" name="Shape 288"/>
+          <p:cNvCxnSpPr/>
+          <p:nvPr/>
+        </p:nvCxnSpPr>
+        <p:spPr>
+          <a:xfrm>
+            <a:off y="2087925" x="2248449"/>
+            <a:ext cy="0" cx="575099"/>
+          </a:xfrm>
+          <a:prstGeom prst="straightConnector1">
+            <a:avLst/>
+          </a:prstGeom>
+          <a:noFill/>
+          <a:ln w="38100" cap="flat">
+            <a:solidFill>
+              <a:schemeClr val="dk2"/>
+            </a:solidFill>
+            <a:prstDash val="solid"/>
+            <a:round/>
+            <a:headEnd w="lg" len="lg" type="none"/>
+            <a:tailEnd w="lg" len="lg" type="triangle"/>
+          </a:ln>
+        </p:spPr>
+      </p:cxnSp>
+      <p:cxnSp>
+        <p:nvCxnSpPr>
+          <p:cNvPr id="289" name="Shape 289"/>
+          <p:cNvCxnSpPr/>
+          <p:nvPr/>
+        </p:nvCxnSpPr>
+        <p:spPr>
+          <a:xfrm>
+            <a:off y="2283125" x="2443699"/>
+            <a:ext cy="0" cx="575099"/>
+          </a:xfrm>
+          <a:prstGeom prst="straightConnector1">
+            <a:avLst/>
+          </a:prstGeom>
+          <a:noFill/>
+          <a:ln w="38100" cap="flat">
+            <a:solidFill>
+              <a:schemeClr val="dk2"/>
+            </a:solidFill>
+            <a:prstDash val="solid"/>
+            <a:round/>
+            <a:headEnd w="lg" len="lg" type="none"/>
+            <a:tailEnd w="lg" len="lg" type="triangle"/>
+          </a:ln>
+        </p:spPr>
+      </p:cxnSp>
+      <p:cxnSp>
+        <p:nvCxnSpPr>
+          <p:cNvPr id="290" name="Shape 290"/>
+          <p:cNvCxnSpPr/>
+          <p:nvPr/>
+        </p:nvCxnSpPr>
+        <p:spPr>
+          <a:xfrm>
+            <a:off y="1572929" x="6098245"/>
+            <a:ext cy="0" cx="518700"/>
+          </a:xfrm>
+          <a:prstGeom prst="straightConnector1">
+            <a:avLst/>
+          </a:prstGeom>
+          <a:noFill/>
+          <a:ln w="38100" cap="flat">
+            <a:solidFill>
+              <a:schemeClr val="dk2"/>
+            </a:solidFill>
+            <a:prstDash val="solid"/>
+            <a:round/>
+            <a:headEnd w="lg" len="lg" type="none"/>
+            <a:tailEnd w="lg" len="lg" type="triangle"/>
+          </a:ln>
+        </p:spPr>
+      </p:cxnSp>
+      <p:cxnSp>
+        <p:nvCxnSpPr>
+          <p:cNvPr id="291" name="Shape 291"/>
+          <p:cNvCxnSpPr/>
+          <p:nvPr/>
+        </p:nvCxnSpPr>
+        <p:spPr>
+          <a:xfrm>
+            <a:off y="1706569" x="6250645"/>
+            <a:ext cy="0" cx="518700"/>
+          </a:xfrm>
+          <a:prstGeom prst="straightConnector1">
+            <a:avLst/>
+          </a:prstGeom>
+          <a:noFill/>
+          <a:ln w="38100" cap="flat">
+            <a:solidFill>
+              <a:schemeClr val="dk2"/>
+            </a:solidFill>
+            <a:prstDash val="solid"/>
+            <a:round/>
+            <a:headEnd w="lg" len="lg" type="none"/>
+            <a:tailEnd w="lg" len="lg" type="triangle"/>
+          </a:ln>
+        </p:spPr>
+      </p:cxnSp>
+      <p:cxnSp>
+        <p:nvCxnSpPr>
+          <p:cNvPr id="292" name="Shape 292"/>
+          <p:cNvCxnSpPr/>
+          <p:nvPr/>
+        </p:nvCxnSpPr>
+        <p:spPr>
+          <a:xfrm>
+            <a:off y="1840210" x="6403044"/>
+            <a:ext cy="0" cx="518700"/>
+          </a:xfrm>
+          <a:prstGeom prst="straightConnector1">
+            <a:avLst/>
+          </a:prstGeom>
+          <a:noFill/>
+          <a:ln w="38100" cap="flat">
+            <a:solidFill>
+              <a:schemeClr val="dk2"/>
+            </a:solidFill>
+            <a:prstDash val="solid"/>
+            <a:round/>
+            <a:headEnd w="lg" len="lg" type="none"/>
+            <a:tailEnd w="lg" len="lg" type="triangle"/>
+          </a:ln>
+        </p:spPr>
+      </p:cxnSp>
+      <p:cxnSp>
+        <p:nvCxnSpPr>
+          <p:cNvPr id="293" name="Shape 293"/>
+          <p:cNvCxnSpPr/>
+          <p:nvPr/>
+        </p:nvCxnSpPr>
+        <p:spPr>
+          <a:xfrm>
+            <a:off y="1973850" x="6555445"/>
+            <a:ext cy="0" cx="518700"/>
+          </a:xfrm>
+          <a:prstGeom prst="straightConnector1">
+            <a:avLst/>
+          </a:prstGeom>
+          <a:noFill/>
+          <a:ln w="38100" cap="flat">
+            <a:solidFill>
+              <a:schemeClr val="dk2"/>
+            </a:solidFill>
+            <a:prstDash val="solid"/>
+            <a:round/>
+            <a:headEnd w="lg" len="lg" type="none"/>
+            <a:tailEnd w="lg" len="lg" type="triangle"/>
+          </a:ln>
+        </p:spPr>
+      </p:cxnSp>
+      <p:cxnSp>
+        <p:nvCxnSpPr>
+          <p:cNvPr id="294" name="Shape 294"/>
+          <p:cNvCxnSpPr/>
+          <p:nvPr/>
+        </p:nvCxnSpPr>
+        <p:spPr>
+          <a:xfrm>
+            <a:off y="2107490" x="6707845"/>
+            <a:ext cy="0" cx="518700"/>
+          </a:xfrm>
+          <a:prstGeom prst="straightConnector1">
+            <a:avLst/>
+          </a:prstGeom>
+          <a:noFill/>
+          <a:ln w="38100" cap="flat">
+            <a:solidFill>
+              <a:schemeClr val="dk2"/>
+            </a:solidFill>
+            <a:prstDash val="solid"/>
+            <a:round/>
+            <a:headEnd w="lg" len="lg" type="none"/>
+            <a:tailEnd w="lg" len="lg" type="triangle"/>
+          </a:ln>
+        </p:spPr>
+      </p:cxnSp>
+      <p:sp>
+        <p:nvSpPr>
+          <p:cNvPr id="295" name="Shape 295"/>
+          <p:cNvSpPr txBox="1"/>
+          <p:nvPr/>
+        </p:nvSpPr>
+        <p:spPr>
+          <a:xfrm>
+            <a:off y="2642875" x="689450"/>
+            <a:ext cy="548399" cx="3009600"/>
+          </a:xfrm>
+          <a:prstGeom prst="rect">
+            <a:avLst/>
+          </a:prstGeom>
+          <a:noFill/>
+          <a:ln>
+            <a:noFill/>
+          </a:ln>
+        </p:spPr>
+        <p:txBody>
+          <a:bodyPr bIns="91425" rIns="91425" lIns="91425" tIns="91425" anchor="ctr" anchorCtr="0">
+            <a:noAutofit/>
+          </a:bodyPr>
+          <a:lstStyle/>
+          <a:p>
+            <a:pPr algn="ctr" rtl="0">
+              <a:spcBef>
+                <a:spcPts val="0"/>
+              </a:spcBef>
+              <a:buNone/>
+            </a:pPr>
+            <a:r>
+              <a:rPr b="1" sz="2400" lang="en-US"/>
+              <a:t>#tasks </a:t>
+            </a:r>
+            <a:r>
+              <a:rPr b="1" sz="3000" lang="en-US">
+                <a:solidFill>
+                  <a:srgbClr val="FF0000"/>
+                </a:solidFill>
+              </a:rPr>
+              <a:t>=</a:t>
+            </a:r>
+            <a:r>
+              <a:rPr b="1" sz="2400" lang="en-US"/>
+              <a:t> #workers</a:t>
+            </a:r>
+          </a:p>
+          <a:p>
+            <a:pPr algn="ctr">
+              <a:spcBef>
+                <a:spcPts val="0"/>
+              </a:spcBef>
+              <a:buNone/>
+            </a:pPr>
+            <a:r>
+              <a:rPr b="1" sz="1100" lang="en-US">
+                <a:solidFill>
+                  <a:schemeClr val="dk1"/>
+                </a:solidFill>
+              </a:rPr>
+              <a:t>(task is targeted at worker)</a:t>
+            </a:r>
+          </a:p>
+        </p:txBody>
+      </p:sp>
+      <p:sp>
+        <p:nvSpPr>
+          <p:cNvPr id="296" name="Shape 296"/>
+          <p:cNvSpPr txBox="1"/>
+          <p:nvPr/>
+        </p:nvSpPr>
+        <p:spPr>
+          <a:xfrm>
+            <a:off y="1724517" x="4817596"/>
+            <a:ext cy="272400" cx="839700"/>
+          </a:xfrm>
+          <a:prstGeom prst="rect">
+            <a:avLst/>
+          </a:prstGeom>
+          <a:noFill/>
+          <a:ln>
+            <a:noFill/>
+          </a:ln>
+        </p:spPr>
+        <p:txBody>
+          <a:bodyPr bIns="91425" rIns="91425" lIns="91425" tIns="91425" anchor="ctr" anchorCtr="0">
+            <a:noAutofit/>
+          </a:bodyPr>
+          <a:lstStyle/>
+          <a:p>
+            <a:pPr algn="ctr">
+              <a:spcBef>
+                <a:spcPts val="0"/>
+              </a:spcBef>
+              <a:buNone/>
+            </a:pPr>
+            <a:r>
+              <a:rPr lang="en-US"/>
+              <a:t>Task3</a:t>
+            </a:r>
+          </a:p>
+        </p:txBody>
+      </p:sp>
+      <p:sp>
+        <p:nvSpPr>
+          <p:cNvPr id="297" name="Shape 297"/>
+          <p:cNvSpPr txBox="1"/>
+          <p:nvPr/>
+        </p:nvSpPr>
+        <p:spPr>
+          <a:xfrm>
+            <a:off y="3098875" x="4727650"/>
+            <a:ext cy="548399" cx="3099600"/>
+          </a:xfrm>
+          <a:prstGeom prst="rect">
+            <a:avLst/>
+          </a:prstGeom>
+          <a:noFill/>
+          <a:ln>
+            <a:noFill/>
+          </a:ln>
+        </p:spPr>
+        <p:txBody>
+          <a:bodyPr bIns="91425" rIns="91425" lIns="91425" tIns="91425" anchor="ctr" anchorCtr="0">
+            <a:noAutofit/>
+          </a:bodyPr>
+          <a:lstStyle/>
+          <a:p>
+            <a:pPr algn="ctr" rtl="0">
+              <a:spcBef>
+                <a:spcPts val="0"/>
+              </a:spcBef>
+              <a:buNone/>
+            </a:pPr>
+            <a:r>
+              <a:rPr b="1" sz="2400" lang="en-US"/>
+              <a:t>#tasks </a:t>
+            </a:r>
+            <a:r>
+              <a:rPr b="1" sz="3000" lang="en-US">
+                <a:solidFill>
+                  <a:srgbClr val="FF0000"/>
+                </a:solidFill>
+              </a:rPr>
+              <a:t>≠</a:t>
+            </a:r>
+            <a:r>
+              <a:rPr b="1" sz="2400" lang="en-US"/>
+              <a:t> #workers</a:t>
+            </a:r>
+          </a:p>
+          <a:p>
+            <a:pPr algn="ctr" rtl="0" lvl="0">
+              <a:spcBef>
+                <a:spcPts val="0"/>
+              </a:spcBef>
+              <a:buNone/>
+            </a:pPr>
+            <a:r>
+              <a:rPr b="1" sz="1100" lang="en-US"/>
+              <a:t>(any </a:t>
+            </a:r>
+            <a:r>
+              <a:rPr b="1" sz="1100" lang="en-US" i="1"/>
+              <a:t>available </a:t>
+            </a:r>
+            <a:r>
+              <a:rPr b="1" sz="1100" lang="en-US"/>
+              <a:t>worker will do)</a:t>
+            </a:r>
+          </a:p>
+        </p:txBody>
+      </p:sp>
+      <p:cxnSp>
+        <p:nvCxnSpPr>
+          <p:cNvPr id="298" name="Shape 298"/>
+          <p:cNvCxnSpPr/>
+          <p:nvPr/>
+        </p:nvCxnSpPr>
+        <p:spPr>
+          <a:xfrm>
+            <a:off y="875500" x="4267200"/>
+            <a:ext cy="3535500" cx="0"/>
+          </a:xfrm>
+          <a:prstGeom prst="straightConnector1">
+            <a:avLst/>
+          </a:prstGeom>
+          <a:noFill/>
+          <a:ln w="19050" cap="flat">
+            <a:solidFill>
+              <a:schemeClr val="dk2"/>
+            </a:solidFill>
+            <a:prstDash val="solid"/>
+            <a:round/>
+            <a:headEnd w="lg" len="lg" type="none"/>
+            <a:tailEnd w="lg" len="lg" type="none"/>
+          </a:ln>
+        </p:spPr>
+      </p:cxnSp>
+      <p:sp>
+        <p:nvSpPr>
+          <p:cNvPr id="299" name="Shape 299"/>
+          <p:cNvSpPr txBox="1"/>
+          <p:nvPr/>
+        </p:nvSpPr>
+        <p:spPr>
+          <a:xfrm>
+            <a:off y="2057130" x="1106725"/>
+            <a:ext cy="243600" cx="751200"/>
+          </a:xfrm>
+          <a:prstGeom prst="rect">
+            <a:avLst/>
+          </a:prstGeom>
+          <a:noFill/>
+          <a:ln>
+            <a:noFill/>
+          </a:ln>
+        </p:spPr>
+        <p:txBody>
+          <a:bodyPr bIns="91425" rIns="91425" lIns="91425" tIns="91425" anchor="ctr" anchorCtr="0">
+            <a:noAutofit/>
+          </a:bodyPr>
+          <a:lstStyle/>
+          <a:p>
+            <a:pPr algn="ctr" rtl="0" lvl="0">
+              <a:spcBef>
+                <a:spcPts val="0"/>
+              </a:spcBef>
+              <a:buNone/>
+            </a:pPr>
+            <a:r>
+              <a:rPr lang="en-US"/>
+              <a:t>Task 4</a:t>
+            </a:r>
+          </a:p>
+        </p:txBody>
+      </p:sp>
+      <p:sp>
+        <p:nvSpPr>
+          <p:cNvPr id="300" name="Shape 300"/>
+          <p:cNvSpPr/>
+          <p:nvPr/>
+        </p:nvSpPr>
+        <p:spPr>
+          <a:xfrm>
+            <a:off y="1288698" x="3312841"/>
+            <a:ext cy="376799" cx="720599"/>
+          </a:xfrm>
+          <a:prstGeom prst="wedgeRoundRectCallout">
+            <a:avLst>
+              <a:gd fmla="val -37422" name="adj1"/>
+              <a:gd fmla="val 90084" name="adj2"/>
+              <a:gd fmla="val 0" name="adj3"/>
+            </a:avLst>
+          </a:prstGeom>
+          <a:noFill/>
+          <a:ln w="19050" cap="flat">
+            <a:solidFill>
+              <a:schemeClr val="dk2"/>
+            </a:solidFill>
+            <a:prstDash val="solid"/>
+            <a:round/>
+            <a:headEnd w="med" len="med" type="none"/>
+            <a:tailEnd w="med" len="med" type="none"/>
+          </a:ln>
+        </p:spPr>
+        <p:txBody>
+          <a:bodyPr bIns="91425" rIns="91425" lIns="91425" tIns="91425" anchor="ctr" anchorCtr="0">
+            <a:noAutofit/>
+          </a:bodyPr>
+          <a:lstStyle/>
+          <a:p>
+            <a:pPr algn="ctr" rtl="0" lvl="0">
+              <a:spcBef>
+                <a:spcPts val="0"/>
+              </a:spcBef>
+              <a:buNone/>
+            </a:pPr>
+            <a:r>
+              <a:rPr sz="1200" lang="en-US"/>
+              <a:t>worker</a:t>
+            </a:r>
+          </a:p>
+          <a:p>
+            <a:pPr algn="ctr" rtl="0" lvl="0">
+              <a:spcBef>
+                <a:spcPts val="0"/>
+              </a:spcBef>
+              <a:buNone/>
+            </a:pPr>
+            <a:r>
+              <a:rPr sz="1200" lang="en-US"/>
+              <a:t>1-4</a:t>
+            </a:r>
+          </a:p>
+        </p:txBody>
+      </p:sp>
+      <p:sp>
+        <p:nvSpPr>
+          <p:cNvPr id="301" name="Shape 301"/>
+          <p:cNvSpPr/>
+          <p:nvPr/>
+        </p:nvSpPr>
+        <p:spPr>
+          <a:xfrm rot="1882706">
+            <a:off y="1396733" x="6477176"/>
+            <a:ext cy="935690" cx="1514149"/>
+          </a:xfrm>
+          <a:prstGeom prst="ellipse">
+            <a:avLst/>
+          </a:prstGeom>
+          <a:noFill/>
+          <a:ln w="38100" cap="flat">
+            <a:solidFill>
+              <a:srgbClr val="FF0000"/>
+            </a:solidFill>
+            <a:prstDash val="solid"/>
+            <a:round/>
+            <a:headEnd w="med" len="med" type="none"/>
+            <a:tailEnd w="med" len="med" type="none"/>
+          </a:ln>
+        </p:spPr>
+        <p:txBody>
+          <a:bodyPr bIns="91425" rIns="91425" lIns="91425" tIns="91425" anchor="ctr" anchorCtr="0">
+            <a:noAutofit/>
+          </a:bodyPr>
+          <a:lstStyle/>
+          <a:p>
+            <a:pPr>
+              <a:spcBef>
+                <a:spcPts val="0"/>
+              </a:spcBef>
+              <a:buNone/>
+            </a:pPr>
+            <a:r>
+              <a:t/>
+            </a:r>
+            <a:endParaRPr/>
+          </a:p>
+        </p:txBody>
+      </p:sp>
+      <p:sp>
+        <p:nvSpPr>
+          <p:cNvPr id="302" name="Shape 302"/>
+          <p:cNvSpPr/>
+          <p:nvPr/>
+        </p:nvSpPr>
+        <p:spPr>
+          <a:xfrm>
+            <a:off y="2528618" x="6519983"/>
+            <a:ext cy="376799" cx="720599"/>
+          </a:xfrm>
+          <a:prstGeom prst="wedgeRoundRectCallout">
+            <a:avLst>
+              <a:gd fmla="val 17157" name="adj1"/>
+              <a:gd fmla="val -116972" name="adj2"/>
+              <a:gd fmla="val 0" name="adj3"/>
+            </a:avLst>
+          </a:prstGeom>
+          <a:noFill/>
+          <a:ln w="19050" cap="flat">
+            <a:solidFill>
+              <a:schemeClr val="dk2"/>
+            </a:solidFill>
+            <a:prstDash val="solid"/>
+            <a:round/>
+            <a:headEnd w="med" len="med" type="none"/>
+            <a:tailEnd w="med" len="med" type="none"/>
+          </a:ln>
+        </p:spPr>
+        <p:txBody>
+          <a:bodyPr bIns="91425" rIns="91425" lIns="91425" tIns="91425" anchor="ctr" anchorCtr="0">
+            <a:noAutofit/>
+          </a:bodyPr>
+          <a:lstStyle/>
+          <a:p>
+            <a:pPr algn="ctr" rtl="0" lvl="0">
+              <a:spcBef>
+                <a:spcPts val="0"/>
+              </a:spcBef>
+              <a:buNone/>
+            </a:pPr>
+            <a:r>
+              <a:rPr sz="1200" lang="en-US"/>
+              <a:t>cluster</a:t>
+            </a:r>
+          </a:p>
+        </p:txBody>
+      </p:sp>
+      <p:sp>
+        <p:nvSpPr>
+          <p:cNvPr id="303" name="Shape 303"/>
+          <p:cNvSpPr/>
+          <p:nvPr/>
+        </p:nvSpPr>
+        <p:spPr>
+          <a:xfrm>
+            <a:off y="2362891" x="5200218"/>
+            <a:ext cy="548399" cx="910800"/>
+          </a:xfrm>
+          <a:prstGeom prst="flowChartAlternateProcess">
+            <a:avLst/>
+          </a:prstGeom>
+          <a:solidFill>
+            <a:srgbClr val="D9D9D9"/>
+          </a:solidFill>
+          <a:ln w="19050" cap="flat">
+            <a:solidFill>
+              <a:schemeClr val="dk2"/>
+            </a:solidFill>
+            <a:prstDash val="solid"/>
+            <a:round/>
+            <a:headEnd w="med" len="med" type="none"/>
+            <a:tailEnd w="med" len="med" type="none"/>
+          </a:ln>
+        </p:spPr>
+        <p:txBody>
+          <a:bodyPr bIns="91425" rIns="91425" lIns="91425" tIns="91425" anchor="t" anchorCtr="0">
+            <a:noAutofit/>
+          </a:bodyPr>
+          <a:lstStyle/>
+          <a:p>
+            <a:pPr>
+              <a:spcBef>
+                <a:spcPts val="0"/>
+              </a:spcBef>
+              <a:buNone/>
+            </a:pPr>
+            <a:r>
+              <a:t/>
+            </a:r>
+            <a:endParaRPr/>
+          </a:p>
+        </p:txBody>
+      </p:sp>
+      <p:sp>
+        <p:nvSpPr>
+          <p:cNvPr id="304" name="Shape 304"/>
+          <p:cNvSpPr txBox="1"/>
+          <p:nvPr/>
+        </p:nvSpPr>
+        <p:spPr>
+          <a:xfrm>
+            <a:off y="2493669" x="5240652"/>
+            <a:ext cy="272400" cx="839700"/>
+          </a:xfrm>
+          <a:prstGeom prst="rect">
+            <a:avLst/>
+          </a:prstGeom>
+          <a:noFill/>
+          <a:ln>
+            <a:noFill/>
+          </a:ln>
+        </p:spPr>
+        <p:txBody>
+          <a:bodyPr bIns="91425" rIns="91425" lIns="91425" tIns="91425" anchor="ctr" anchorCtr="0">
+            <a:noAutofit/>
+          </a:bodyPr>
+          <a:lstStyle/>
+          <a:p>
+            <a:pPr algn="ctr" rtl="0" lvl="0">
+              <a:spcBef>
+                <a:spcPts val="0"/>
+              </a:spcBef>
+              <a:buNone/>
+            </a:pPr>
+            <a:r>
+              <a:rPr lang="en-US"/>
+              <a:t>Task N</a:t>
+            </a:r>
+          </a:p>
+        </p:txBody>
+      </p:sp>
+      <p:sp>
+        <p:nvSpPr>
+          <p:cNvPr id="305" name="Shape 305"/>
+          <p:cNvSpPr txBox="1"/>
+          <p:nvPr/>
+        </p:nvSpPr>
+        <p:spPr>
+          <a:xfrm>
+            <a:off y="3423825" x="739550"/>
+            <a:ext cy="977100" cx="3294000"/>
+          </a:xfrm>
+          <a:prstGeom prst="rect">
+            <a:avLst/>
+          </a:prstGeom>
+          <a:noFill/>
+          <a:ln>
+            <a:noFill/>
+          </a:ln>
+        </p:spPr>
+        <p:txBody>
+          <a:bodyPr bIns="91425" rIns="91425" lIns="91425" tIns="91425" anchor="t" anchorCtr="0">
+            <a:noAutofit/>
+          </a:bodyPr>
+          <a:lstStyle/>
+          <a:p>
+            <a:pPr algn="ctr" rtl="0">
+              <a:spcBef>
+                <a:spcPts val="0"/>
+              </a:spcBef>
+              <a:buNone/>
+            </a:pPr>
+            <a:r>
+              <a:rPr u="sng" b="1" lang="en-US">
+                <a:solidFill>
+                  <a:schemeClr val="dk1"/>
+                </a:solidFill>
+              </a:rPr>
+              <a:t>Examples:</a:t>
+            </a:r>
+          </a:p>
+          <a:p>
+            <a:pPr algn="ctr" rtl="0" lvl="0">
+              <a:spcBef>
+                <a:spcPts val="0"/>
+              </a:spcBef>
+              <a:buNone/>
+            </a:pPr>
+            <a:r>
+              <a:rPr lang="en-US">
+                <a:solidFill>
+                  <a:schemeClr val="dk1"/>
+                </a:solidFill>
+              </a:rPr>
+              <a:t>•</a:t>
+            </a:r>
+            <a:r>
+              <a:rPr lang="en-US">
+                <a:solidFill>
+                  <a:schemeClr val="lt1"/>
+                </a:solidFill>
+              </a:rPr>
+              <a:t>-</a:t>
+            </a:r>
+            <a:r>
+              <a:rPr lang="en-US"/>
+              <a:t>package management, </a:t>
+            </a:r>
+            <a:r>
+              <a:rPr lang="en-US">
+                <a:solidFill>
+                  <a:schemeClr val="dk1"/>
+                </a:solidFill>
+              </a:rPr>
+              <a:t>•</a:t>
+            </a:r>
+            <a:r>
+              <a:rPr lang="en-US">
+                <a:solidFill>
+                  <a:schemeClr val="lt1"/>
+                </a:solidFill>
+              </a:rPr>
+              <a:t>-</a:t>
+            </a:r>
+            <a:r>
+              <a:rPr lang="en-US"/>
+              <a:t>surveys, </a:t>
+            </a:r>
+            <a:r>
+              <a:rPr lang="en-US">
+                <a:solidFill>
+                  <a:schemeClr val="dk1"/>
+                </a:solidFill>
+              </a:rPr>
+              <a:t>•</a:t>
+            </a:r>
+            <a:r>
+              <a:rPr lang="en-US">
+                <a:solidFill>
+                  <a:schemeClr val="lt1"/>
+                </a:solidFill>
+              </a:rPr>
+              <a:t>-</a:t>
+            </a:r>
+            <a:r>
+              <a:rPr lang="en-US"/>
+              <a:t>audits, </a:t>
+            </a:r>
+            <a:r>
+              <a:rPr lang="en-US">
+                <a:solidFill>
+                  <a:schemeClr val="dk1"/>
+                </a:solidFill>
+              </a:rPr>
+              <a:t>•</a:t>
+            </a:r>
+            <a:r>
+              <a:rPr lang="en-US">
+                <a:solidFill>
+                  <a:schemeClr val="lt1"/>
+                </a:solidFill>
+              </a:rPr>
+              <a:t>-</a:t>
+            </a:r>
+            <a:r>
+              <a:rPr lang="en-US">
+                <a:solidFill>
+                  <a:schemeClr val="dk1"/>
+                </a:solidFill>
+              </a:rPr>
+              <a:t>configuration,</a:t>
+            </a:r>
+          </a:p>
+        </p:txBody>
+      </p:sp>
+      <p:sp>
+        <p:nvSpPr>
+          <p:cNvPr id="306" name="Shape 306"/>
+          <p:cNvSpPr txBox="1"/>
+          <p:nvPr/>
+        </p:nvSpPr>
+        <p:spPr>
+          <a:xfrm>
+            <a:off y="3871449" x="4781075"/>
+            <a:ext cy="740999" cx="3294000"/>
+          </a:xfrm>
+          <a:prstGeom prst="rect">
+            <a:avLst/>
+          </a:prstGeom>
+          <a:noFill/>
+          <a:ln>
+            <a:noFill/>
+          </a:ln>
+        </p:spPr>
+        <p:txBody>
+          <a:bodyPr bIns="91425" rIns="91425" lIns="91425" tIns="91425" anchor="t" anchorCtr="0">
+            <a:noAutofit/>
+          </a:bodyPr>
+          <a:lstStyle/>
+          <a:p>
+            <a:pPr algn="ctr" rtl="0" lvl="0">
+              <a:spcBef>
+                <a:spcPts val="0"/>
+              </a:spcBef>
+              <a:buNone/>
+            </a:pPr>
+            <a:r>
+              <a:rPr u="sng" b="1" lang="en-US">
+                <a:solidFill>
+                  <a:schemeClr val="dk1"/>
+                </a:solidFill>
+              </a:rPr>
+              <a:t>Examples:</a:t>
+            </a:r>
+          </a:p>
+          <a:p>
+            <a:pPr algn="ctr" rtl="0" lvl="0">
+              <a:spcBef>
+                <a:spcPts val="0"/>
+              </a:spcBef>
+              <a:buNone/>
+            </a:pPr>
+            <a:r>
+              <a:rPr lang="en-US">
+                <a:solidFill>
+                  <a:schemeClr val="dk1"/>
+                </a:solidFill>
+              </a:rPr>
+              <a:t>•</a:t>
+            </a:r>
+            <a:r>
+              <a:rPr lang="en-US">
+                <a:solidFill>
+                  <a:schemeClr val="lt1"/>
+                </a:solidFill>
+              </a:rPr>
+              <a:t>-</a:t>
+            </a:r>
+            <a:r>
+              <a:rPr lang="en-US">
+                <a:solidFill>
+                  <a:schemeClr val="dk1"/>
+                </a:solidFill>
+              </a:rPr>
+              <a:t>orchestration, •</a:t>
+            </a:r>
+            <a:r>
+              <a:rPr lang="en-US">
+                <a:solidFill>
+                  <a:schemeClr val="lt1"/>
+                </a:solidFill>
+              </a:rPr>
+              <a:t>-</a:t>
+            </a:r>
+            <a:r>
+              <a:rPr lang="en-US">
+                <a:solidFill>
+                  <a:schemeClr val="dk1"/>
+                </a:solidFill>
+              </a:rPr>
+              <a:t>map-reduce, •</a:t>
+            </a:r>
+            <a:r>
+              <a:rPr lang="en-US">
+                <a:solidFill>
+                  <a:schemeClr val="lt1"/>
+                </a:solidFill>
+              </a:rPr>
+              <a:t>-</a:t>
+            </a:r>
+            <a:r>
+              <a:rPr lang="en-US">
+                <a:solidFill>
+                  <a:schemeClr val="dk1"/>
+                </a:solidFill>
+              </a:rPr>
+              <a:t>cloud-controller, •</a:t>
+            </a:r>
+            <a:r>
+              <a:rPr lang="en-US">
+                <a:solidFill>
+                  <a:schemeClr val="lt1"/>
+                </a:solidFill>
+              </a:rPr>
+              <a:t>-</a:t>
+            </a:r>
+            <a:r>
+              <a:rPr lang="en-US">
+                <a:solidFill>
+                  <a:schemeClr val="dk1"/>
+                </a:solidFill>
+              </a:rPr>
+              <a:t>migrations</a:t>
+            </a:r>
+          </a:p>
+        </p:txBody>
+      </p:sp>
+    </p:spTree>
+  </p:cSld>
+  <p:clrMapOvr>
+    <a:masterClrMapping/>
+  </p:clrMapOvr>
+  <p:transition spd="slow">
+    <p:cut/>
+  </p:transition>
+</p:sld>
+</file>
+
+<file path=ppt/slides/slide2.xml><?xml version="1.0" encoding="utf-8"?>
+<p:sld xmlns:a="http://schemas.openxmlformats.org/drawingml/2006/main" xmlns:r="http://schemas.openxmlformats.org/officeDocument/2006/relationships" xmlns:mc="http://schemas.openxmlformats.org/markup-compatibility/2006" xmlns:mv="urn:schemas-microsoft-com:mac:vml" xmlns:p="http://schemas.openxmlformats.org/presentationml/2006/main" xmlns:c="http://schemas.openxmlformats.org/drawingml/2006/chart" xmlns:dgm="http://schemas.openxmlformats.org/drawingml/2006/diagram" xmlns:o="urn:schemas-microsoft-com:office:office" xmlns:v="urn:schemas-microsoft-com:vml" xmlns:pvml="urn:schemas-microsoft-com:office:powerpoint" xmlns:com="http://schemas.openxmlformats.org/drawingml/2006/compatibility" xmlns:p14="http://schemas.microsoft.com/office/powerpoint/2010/main">
+  <p:cSld>
+    <p:spTree>
+      <p:nvGrpSpPr>
+        <p:cNvPr id="56" name="Shape 56"/>
+        <p:cNvGrpSpPr/>
+        <p:nvPr/>
+      </p:nvGrpSpPr>
+      <p:grpSpPr>
+        <a:xfrm>
+          <a:off y="0" x="0"/>
+          <a:ext cy="0" cx="0"/>
+          <a:chOff y="0" x="0"/>
+          <a:chExt cy="0" cx="0"/>
+        </a:xfrm>
+      </p:grpSpPr>
+      <p:sp>
+        <p:nvSpPr>
+          <p:cNvPr id="57" name="Shape 57"/>
+          <p:cNvSpPr txBox="1"/>
+          <p:nvPr>
+            <p:ph type="title"/>
+          </p:nvPr>
+        </p:nvSpPr>
+        <p:spPr>
+          <a:xfrm>
+            <a:off y="2007660" x="457200"/>
+            <a:ext cy="585599" cx="6492600"/>
+          </a:xfrm>
+          <a:prstGeom prst="rect">
+            <a:avLst/>
+          </a:prstGeom>
+          <a:noFill/>
+          <a:ln>
+            <a:noFill/>
+          </a:ln>
+        </p:spPr>
+        <p:txBody>
+          <a:bodyPr bIns="45700" rIns="45700" lIns="45700" tIns="45700" anchor="ctr" anchorCtr="0">
+            <a:noAutofit/>
+          </a:bodyPr>
+          <a:lstStyle/>
+          <a:p>
+            <a:pPr algn="l" rtl="0" lvl="0" marR="0" indent="0" marL="0">
+              <a:spcBef>
+                <a:spcPts val="0"/>
+              </a:spcBef>
+              <a:buSzPct val="25000"/>
+              <a:buNone/>
+            </a:pPr>
+            <a:r>
+              <a:rPr b="1" sz="3200" lang="en-US">
+                <a:solidFill>
+                  <a:srgbClr val="404040"/>
+                </a:solidFill>
+              </a:rPr>
+              <a:t>salt-reduce</a:t>
+            </a:r>
+          </a:p>
+        </p:txBody>
+      </p:sp>
+      <p:sp>
+        <p:nvSpPr>
+          <p:cNvPr id="58" name="Shape 58"/>
+          <p:cNvSpPr txBox="1"/>
+          <p:nvPr>
+            <p:ph idx="1" type="body"/>
+          </p:nvPr>
+        </p:nvSpPr>
+        <p:spPr>
+          <a:xfrm>
+            <a:off y="2593175" x="457200"/>
+            <a:ext cy="500699" cx="5563799"/>
+          </a:xfrm>
+          <a:prstGeom prst="rect">
+            <a:avLst/>
+          </a:prstGeom>
+          <a:noFill/>
+          <a:ln>
+            <a:noFill/>
+          </a:ln>
+        </p:spPr>
+        <p:txBody>
+          <a:bodyPr bIns="45700" rIns="45700" lIns="45700" tIns="45700" anchor="t" anchorCtr="0">
+            <a:noAutofit/>
+          </a:bodyPr>
+          <a:lstStyle/>
+          <a:p>
+            <a:pPr algn="l" rtl="0" lvl="0" marR="0" indent="0" marL="0">
+              <a:spcBef>
+                <a:spcPts val="0"/>
+              </a:spcBef>
+              <a:buClr>
+                <a:srgbClr val="3FA3D9"/>
+              </a:buClr>
+              <a:buSzPct val="25000"/>
+              <a:buFont typeface="Arial"/>
+              <a:buNone/>
+            </a:pPr>
+            <a:r>
+              <a:rPr sz="2000" lang="en-US" i="1">
+                <a:solidFill>
+                  <a:srgbClr val="3FA3D9"/>
+                </a:solidFill>
+              </a:rPr>
+              <a:t> implementing map-reduce workflows in salt</a:t>
+            </a:r>
+          </a:p>
+        </p:txBody>
+      </p:sp>
+    </p:spTree>
+  </p:cSld>
+  <p:clrMapOvr>
+    <a:masterClrMapping/>
+  </p:clrMapOvr>
+  <p:transition spd="slow">
+    <p:cut/>
+  </p:transition>
+</p:sld>
+</file>
+
+<file path=ppt/slides/slide20.xml><?xml version="1.0" encoding="utf-8"?>
+<p:sld xmlns:a="http://schemas.openxmlformats.org/drawingml/2006/main" xmlns:r="http://schemas.openxmlformats.org/officeDocument/2006/relationships" xmlns:mc="http://schemas.openxmlformats.org/markup-compatibility/2006" xmlns:mv="urn:schemas-microsoft-com:mac:vml" xmlns:p="http://schemas.openxmlformats.org/presentationml/2006/main" xmlns:c="http://schemas.openxmlformats.org/drawingml/2006/chart" xmlns:dgm="http://schemas.openxmlformats.org/drawingml/2006/diagram" xmlns:o="urn:schemas-microsoft-com:office:office" xmlns:v="urn:schemas-microsoft-com:vml" xmlns:pvml="urn:schemas-microsoft-com:office:powerpoint" xmlns:com="http://schemas.openxmlformats.org/drawingml/2006/compatibility" xmlns:p14="http://schemas.microsoft.com/office/powerpoint/2010/main">
+  <p:cSld>
+    <p:spTree>
+      <p:nvGrpSpPr>
+        <p:cNvPr id="310" name="Shape 310"/>
+        <p:cNvGrpSpPr/>
+        <p:nvPr/>
+      </p:nvGrpSpPr>
+      <p:grpSpPr>
+        <a:xfrm>
+          <a:off y="0" x="0"/>
+          <a:ext cy="0" cx="0"/>
+          <a:chOff y="0" x="0"/>
+          <a:chExt cy="0" cx="0"/>
+        </a:xfrm>
+      </p:grpSpPr>
+      <p:sp>
+        <p:nvSpPr>
+          <p:cNvPr id="311" name="Shape 311"/>
+          <p:cNvSpPr txBox="1"/>
+          <p:nvPr>
+            <p:ph type="title"/>
+          </p:nvPr>
+        </p:nvSpPr>
+        <p:spPr>
+          <a:xfrm>
+            <a:off y="2007660" x="457200"/>
+            <a:ext cy="585599" cx="6492600"/>
+          </a:xfrm>
+          <a:prstGeom prst="rect">
+            <a:avLst/>
+          </a:prstGeom>
+          <a:noFill/>
+          <a:ln>
+            <a:noFill/>
+          </a:ln>
+        </p:spPr>
+        <p:txBody>
+          <a:bodyPr bIns="45700" rIns="45700" lIns="45700" tIns="45700" anchor="ctr" anchorCtr="0">
+            <a:noAutofit/>
+          </a:bodyPr>
+          <a:lstStyle/>
+          <a:p>
+            <a:pPr algn="l" rtl="0" lvl="0" marR="0" indent="0" marL="0">
+              <a:spcBef>
+                <a:spcPts val="0"/>
+              </a:spcBef>
+              <a:buSzPct val="25000"/>
+              <a:buNone/>
+            </a:pPr>
+            <a:r>
+              <a:rPr b="1" sz="3200" lang="en-US">
+                <a:solidFill>
+                  <a:srgbClr val="404040"/>
+                </a:solidFill>
+              </a:rPr>
+              <a:t>questions/ feedback?</a:t>
+            </a:r>
+          </a:p>
+        </p:txBody>
+      </p:sp>
+      <p:sp>
+        <p:nvSpPr>
+          <p:cNvPr id="312" name="Shape 312"/>
+          <p:cNvSpPr txBox="1"/>
+          <p:nvPr>
+            <p:ph idx="1" type="body"/>
+          </p:nvPr>
+        </p:nvSpPr>
+        <p:spPr>
+          <a:xfrm>
+            <a:off y="2593175" x="457200"/>
+            <a:ext cy="500699" cx="5003699"/>
+          </a:xfrm>
+          <a:prstGeom prst="rect">
+            <a:avLst/>
+          </a:prstGeom>
+          <a:noFill/>
+          <a:ln>
+            <a:noFill/>
+          </a:ln>
+        </p:spPr>
+        <p:txBody>
+          <a:bodyPr bIns="45700" rIns="45700" lIns="45700" tIns="45700" anchor="t" anchorCtr="0">
+            <a:noAutofit/>
+          </a:bodyPr>
+          <a:lstStyle/>
+          <a:p>
+            <a:pPr algn="l" rtl="0" lvl="0" marR="0" indent="0" marL="0">
+              <a:spcBef>
+                <a:spcPts val="0"/>
+              </a:spcBef>
+              <a:buClr>
+                <a:srgbClr val="3FA3D9"/>
+              </a:buClr>
+              <a:buSzPct val="25000"/>
+              <a:buFont typeface="Arial"/>
+              <a:buNone/>
+            </a:pPr>
+            <a:r>
+              <a:rPr sz="2000" lang="en-US" i="1">
+                <a:solidFill>
+                  <a:srgbClr val="3FA3D9"/>
+                </a:solidFill>
+              </a:rPr>
+              <a:t> </a:t>
+            </a:r>
+          </a:p>
+        </p:txBody>
+      </p:sp>
+    </p:spTree>
+  </p:cSld>
+  <p:clrMapOvr>
+    <a:masterClrMapping/>
+  </p:clrMapOvr>
+  <p:transition spd="slow">
+    <p:cut/>
+  </p:transition>
+</p:sld>
+</file>
+
+<file path=ppt/slides/slide21.xml><?xml version="1.0" encoding="utf-8"?>
+<p:sld xmlns:a="http://schemas.openxmlformats.org/drawingml/2006/main" xmlns:r="http://schemas.openxmlformats.org/officeDocument/2006/relationships" xmlns:mc="http://schemas.openxmlformats.org/markup-compatibility/2006" xmlns:mv="urn:schemas-microsoft-com:mac:vml" xmlns:p="http://schemas.openxmlformats.org/presentationml/2006/main" xmlns:c="http://schemas.openxmlformats.org/drawingml/2006/chart" xmlns:dgm="http://schemas.openxmlformats.org/drawingml/2006/diagram" xmlns:o="urn:schemas-microsoft-com:office:office" xmlns:v="urn:schemas-microsoft-com:vml" xmlns:pvml="urn:schemas-microsoft-com:office:powerpoint" xmlns:com="http://schemas.openxmlformats.org/drawingml/2006/compatibility" xmlns:p14="http://schemas.microsoft.com/office/powerpoint/2010/main">
+  <p:cSld>
+    <p:spTree>
+      <p:nvGrpSpPr>
+        <p:cNvPr id="316" name="Shape 316"/>
+        <p:cNvGrpSpPr/>
+        <p:nvPr/>
+      </p:nvGrpSpPr>
+      <p:grpSpPr>
+        <a:xfrm>
+          <a:off y="0" x="0"/>
+          <a:ext cy="0" cx="0"/>
+          <a:chOff y="0" x="0"/>
+          <a:chExt cy="0" cx="0"/>
+        </a:xfrm>
+      </p:grpSpPr>
+      <p:sp>
+        <p:nvSpPr>
+          <p:cNvPr id="317" name="Shape 317"/>
+          <p:cNvSpPr/>
+          <p:nvPr/>
+        </p:nvSpPr>
+        <p:spPr>
+          <a:xfrm>
+            <a:off y="2073860" x="410539"/>
+            <a:ext cy="486300" cx="5512199"/>
+          </a:xfrm>
+          <a:prstGeom prst="rect">
+            <a:avLst/>
+          </a:prstGeom>
+          <a:noFill/>
+          <a:ln>
+            <a:noFill/>
+          </a:ln>
+        </p:spPr>
+        <p:txBody>
+          <a:bodyPr bIns="45700" rIns="45700" lIns="45700" tIns="45700" anchor="t" anchorCtr="0">
+            <a:noAutofit/>
+          </a:bodyPr>
+          <a:lstStyle/>
+          <a:p>
+            <a:pPr algn="l" rtl="0" lvl="0" marR="0" indent="0" marL="0">
+              <a:lnSpc>
+                <a:spcPct val="80000"/>
+              </a:lnSpc>
+              <a:spcBef>
+                <a:spcPts val="0"/>
+              </a:spcBef>
+              <a:buSzPct val="25000"/>
+              <a:buNone/>
+            </a:pPr>
+            <a:r>
+              <a:rPr strike="noStrike" u="none" b="1" cap="none" baseline="0" sz="2800" lang="en-US" i="0">
+                <a:solidFill>
+                  <a:srgbClr val="FFFFFF"/>
+                </a:solidFill>
+                <a:latin typeface="Arial"/>
+                <a:ea typeface="Arial"/>
+                <a:cs typeface="Arial"/>
+                <a:sym typeface="Arial"/>
+              </a:rPr>
+              <a:t>Thank you!</a:t>
+            </a:r>
+          </a:p>
+        </p:txBody>
+      </p:sp>
+      <p:sp>
+        <p:nvSpPr>
+          <p:cNvPr id="318" name="Shape 318"/>
+          <p:cNvSpPr/>
+          <p:nvPr/>
+        </p:nvSpPr>
+        <p:spPr>
+          <a:xfrm>
+            <a:off y="3293060" x="410539"/>
+            <a:ext cy="288899" cx="5512199"/>
+          </a:xfrm>
+          <a:prstGeom prst="rect">
+            <a:avLst/>
+          </a:prstGeom>
+          <a:noFill/>
+          <a:ln>
+            <a:noFill/>
+          </a:ln>
+        </p:spPr>
+        <p:txBody>
+          <a:bodyPr bIns="45700" rIns="45700" lIns="45700" tIns="45700" anchor="t" anchorCtr="0">
+            <a:noAutofit/>
+          </a:bodyPr>
+          <a:lstStyle/>
+          <a:p>
+            <a:pPr algn="l" rtl="0" lvl="0" marR="0" indent="0" marL="0">
+              <a:lnSpc>
+                <a:spcPct val="80000"/>
+              </a:lnSpc>
+              <a:spcBef>
+                <a:spcPts val="0"/>
+              </a:spcBef>
+              <a:buSzPct val="25000"/>
+              <a:buNone/>
+            </a:pPr>
+            <a:r>
+              <a:rPr strike="noStrike" u="none" b="1" cap="none" baseline="0" sz="1400" lang="en-US" i="0">
+                <a:solidFill>
+                  <a:srgbClr val="FFFFFF"/>
+                </a:solidFill>
+                <a:latin typeface="Arial"/>
+                <a:ea typeface="Arial"/>
+                <a:cs typeface="Arial"/>
+                <a:sym typeface="Arial"/>
+              </a:rPr>
+              <a:t>Please provide session feedback in the SaltConf15 mobile app</a:t>
+            </a:r>
+          </a:p>
+        </p:txBody>
+      </p:sp>
+      <p:sp>
+        <p:nvSpPr>
+          <p:cNvPr id="319" name="Shape 319"/>
+          <p:cNvSpPr/>
+          <p:nvPr/>
+        </p:nvSpPr>
+        <p:spPr>
+          <a:xfrm>
+            <a:off y="4512262" x="410539"/>
+            <a:ext cy="288899" cx="5512199"/>
+          </a:xfrm>
+          <a:prstGeom prst="rect">
+            <a:avLst/>
+          </a:prstGeom>
+          <a:noFill/>
+          <a:ln>
+            <a:noFill/>
+          </a:ln>
+        </p:spPr>
+        <p:txBody>
+          <a:bodyPr bIns="45700" rIns="45700" lIns="45700" tIns="45700" anchor="t" anchorCtr="0">
+            <a:noAutofit/>
+          </a:bodyPr>
+          <a:lstStyle/>
+          <a:p>
+            <a:pPr algn="l" rtl="0" lvl="0" marR="0" indent="0" marL="0">
+              <a:lnSpc>
+                <a:spcPct val="80000"/>
+              </a:lnSpc>
+              <a:spcBef>
+                <a:spcPts val="0"/>
+              </a:spcBef>
+              <a:buSzPct val="25000"/>
+              <a:buNone/>
+            </a:pPr>
+            <a:r>
+              <a:rPr strike="noStrike" u="none" b="1" cap="none" baseline="0" sz="1400" lang="en-US" i="0">
+                <a:solidFill>
+                  <a:srgbClr val="FFFFFF"/>
+                </a:solidFill>
+                <a:latin typeface="Arial"/>
+                <a:ea typeface="Arial"/>
+                <a:cs typeface="Arial"/>
+                <a:sym typeface="Arial"/>
+              </a:rPr>
+              <a:t>#SaltConf15</a:t>
+            </a:r>
+          </a:p>
+        </p:txBody>
+      </p:sp>
+    </p:spTree>
+  </p:cSld>
+  <p:clrMapOvr>
+    <a:masterClrMapping/>
+  </p:clrMapOvr>
+  <p:transition spd="slow">
+    <p:cut/>
+  </p:transition>
+</p:sld>
+</file>
+
+<file path=ppt/slides/slide22.xml><?xml version="1.0" encoding="utf-8"?>
+<p:sld xmlns:a="http://schemas.openxmlformats.org/drawingml/2006/main" xmlns:r="http://schemas.openxmlformats.org/officeDocument/2006/relationships" xmlns:mc="http://schemas.openxmlformats.org/markup-compatibility/2006" xmlns:mv="urn:schemas-microsoft-com:mac:vml" xmlns:p="http://schemas.openxmlformats.org/presentationml/2006/main" xmlns:c="http://schemas.openxmlformats.org/drawingml/2006/chart" xmlns:dgm="http://schemas.openxmlformats.org/drawingml/2006/diagram" xmlns:o="urn:schemas-microsoft-com:office:office" xmlns:v="urn:schemas-microsoft-com:vml" xmlns:pvml="urn:schemas-microsoft-com:office:powerpoint" xmlns:com="http://schemas.openxmlformats.org/drawingml/2006/compatibility" xmlns:p14="http://schemas.microsoft.com/office/powerpoint/2010/main">
+  <p:cSld>
+    <p:spTree>
+      <p:nvGrpSpPr>
+        <p:cNvPr id="323" name="Shape 323"/>
+        <p:cNvGrpSpPr/>
+        <p:nvPr/>
+      </p:nvGrpSpPr>
+      <p:grpSpPr>
+        <a:xfrm>
+          <a:off y="0" x="0"/>
+          <a:ext cy="0" cx="0"/>
+          <a:chOff y="0" x="0"/>
+          <a:chExt cy="0" cx="0"/>
+        </a:xfrm>
+      </p:grpSpPr>
+      <p:sp>
+        <p:nvSpPr>
+          <p:cNvPr id="324" name="Shape 324"/>
+          <p:cNvSpPr txBox="1"/>
+          <p:nvPr>
+            <p:ph type="title"/>
+          </p:nvPr>
+        </p:nvSpPr>
+        <p:spPr>
+          <a:xfrm>
+            <a:off y="116054" x="450143"/>
+            <a:ext cy="585599" cx="8229600"/>
+          </a:xfrm>
+          <a:prstGeom prst="rect">
+            <a:avLst/>
+          </a:prstGeom>
+          <a:noFill/>
+          <a:ln>
+            <a:noFill/>
+          </a:ln>
+        </p:spPr>
+        <p:txBody>
+          <a:bodyPr bIns="45700" rIns="45700" lIns="45700" tIns="45700" anchor="ctr" anchorCtr="0">
+            <a:noAutofit/>
+          </a:bodyPr>
+          <a:lstStyle/>
+          <a:p>
+            <a:pPr algn="l" rtl="0" lvl="0" marR="0" indent="0" marL="0">
+              <a:spcBef>
+                <a:spcPts val="0"/>
+              </a:spcBef>
+              <a:buSzPct val="25000"/>
+              <a:buNone/>
+            </a:pPr>
+            <a:r>
+              <a:rPr b="1" sz="3200" lang="en-US">
+                <a:solidFill>
+                  <a:srgbClr val="404040"/>
+                </a:solidFill>
+              </a:rPr>
+              <a:t>future?</a:t>
+            </a:r>
+          </a:p>
+        </p:txBody>
+      </p:sp>
+      <p:sp>
+        <p:nvSpPr>
+          <p:cNvPr id="325" name="Shape 325"/>
+          <p:cNvSpPr txBox="1"/>
+          <p:nvPr>
+            <p:ph idx="1" type="body"/>
+          </p:nvPr>
+        </p:nvSpPr>
+        <p:spPr>
+          <a:xfrm>
+            <a:off y="704741" x="450143"/>
+            <a:ext cy="310800" cx="5003699"/>
+          </a:xfrm>
+          <a:prstGeom prst="rect">
+            <a:avLst/>
+          </a:prstGeom>
+          <a:noFill/>
+          <a:ln>
+            <a:noFill/>
+          </a:ln>
+        </p:spPr>
+        <p:txBody>
+          <a:bodyPr bIns="45700" rIns="45700" lIns="45700" tIns="45700" anchor="t" anchorCtr="0">
+            <a:noAutofit/>
+          </a:bodyPr>
+          <a:lstStyle/>
+          <a:p>
+            <a:pPr algn="l" rtl="0" lvl="0" marR="0" indent="0" marL="0">
+              <a:lnSpc>
+                <a:spcPct val="80000"/>
+              </a:lnSpc>
+              <a:spcBef>
+                <a:spcPts val="0"/>
+              </a:spcBef>
+              <a:buClr>
+                <a:srgbClr val="3FA3D9"/>
+              </a:buClr>
+              <a:buSzPct val="25000"/>
+              <a:buFont typeface="Arial"/>
+              <a:buNone/>
+            </a:pPr>
+            <a:r>
+              <a:rPr sz="1513" lang="en-US" i="1">
+                <a:solidFill>
+                  <a:srgbClr val="3FA3D9"/>
+                </a:solidFill>
+              </a:rPr>
+              <a:t> </a:t>
+            </a:r>
+          </a:p>
+        </p:txBody>
+      </p:sp>
+      <p:sp>
+        <p:nvSpPr>
+          <p:cNvPr id="326" name="Shape 326"/>
+          <p:cNvSpPr/>
+          <p:nvPr/>
+        </p:nvSpPr>
+        <p:spPr>
+          <a:xfrm>
+            <a:off y="1115825" x="450150"/>
+            <a:ext cy="3245099" cx="8229600"/>
+          </a:xfrm>
+          <a:prstGeom prst="rect">
+            <a:avLst/>
+          </a:prstGeom>
+          <a:noFill/>
+          <a:ln>
+            <a:noFill/>
+          </a:ln>
+        </p:spPr>
+        <p:txBody>
+          <a:bodyPr bIns="0" rIns="0" lIns="0" tIns="0" anchor="t" anchorCtr="0">
+            <a:noAutofit/>
+          </a:bodyPr>
+          <a:lstStyle/>
+          <a:p>
+            <a:pPr algn="l" rtl="0" lvl="0" marR="0" indent="-342900" marL="342900">
+              <a:spcBef>
+                <a:spcPts val="0"/>
+              </a:spcBef>
+              <a:buClr>
+                <a:srgbClr val="000000"/>
+              </a:buClr>
+              <a:buSzPct val="100000"/>
+              <a:buFont typeface="Arial"/>
+              <a:buChar char="•"/>
+            </a:pPr>
+            <a:r>
+              <a:rPr sz="2800" lang="en-US"/>
+              <a:t>Potential future </a:t>
+            </a:r>
+            <a:r>
+              <a:rPr sz="2800" lang="en-US" i="1"/>
+              <a:t>DevOps</a:t>
+            </a:r>
+            <a:r>
+              <a:rPr sz="2800" lang="en-US"/>
+              <a:t> uses for salt-reduce:</a:t>
+            </a:r>
+          </a:p>
+          <a:p>
+            <a:pPr algn="l" rtl="0" lvl="1" marR="0" indent="-311150" marL="742950">
+              <a:spcBef>
+                <a:spcPts val="0"/>
+              </a:spcBef>
+              <a:buClr>
+                <a:srgbClr val="000000"/>
+              </a:buClr>
+              <a:buSzPct val="100000"/>
+              <a:buFont typeface="Arial"/>
+              <a:buChar char="–"/>
+            </a:pPr>
+            <a:r>
+              <a:rPr sz="2800" lang="en-US"/>
+              <a:t>service monitoring</a:t>
+            </a:r>
+          </a:p>
+          <a:p>
+            <a:pPr algn="l" rtl="0" lvl="1" marR="0" indent="-311150" marL="742950">
+              <a:spcBef>
+                <a:spcPts val="0"/>
+              </a:spcBef>
+              <a:buClr>
+                <a:srgbClr val="000000"/>
+              </a:buClr>
+              <a:buSzPct val="100000"/>
+              <a:buFont typeface="Arial"/>
+              <a:buChar char="–"/>
+            </a:pPr>
+            <a:r>
+              <a:rPr sz="2800" lang="en-US"/>
+              <a:t>pentest botnets</a:t>
+            </a:r>
+          </a:p>
+          <a:p>
+            <a:pPr algn="l" rtl="0" lvl="1" marR="0" indent="-311150" marL="742950">
+              <a:spcBef>
+                <a:spcPts val="0"/>
+              </a:spcBef>
+              <a:buClr>
+                <a:srgbClr val="000000"/>
+              </a:buClr>
+              <a:buSzPct val="100000"/>
+              <a:buFont typeface="Arial"/>
+              <a:buChar char="–"/>
+            </a:pPr>
+            <a:r>
+              <a:rPr sz="2800" lang="en-US">
+                <a:solidFill>
+                  <a:schemeClr val="dk1"/>
+                </a:solidFill>
+              </a:rPr>
+              <a:t>mass emailers</a:t>
+            </a:r>
+          </a:p>
+          <a:p>
+            <a:pPr algn="l" rtl="0" lvl="1" marR="0" indent="-311150" marL="742950">
+              <a:spcBef>
+                <a:spcPts val="0"/>
+              </a:spcBef>
+              <a:buClr>
+                <a:srgbClr val="000000"/>
+              </a:buClr>
+              <a:buSzPct val="100000"/>
+              <a:buFont typeface="Arial"/>
+              <a:buChar char="–"/>
+            </a:pPr>
+            <a:r>
+              <a:rPr sz="2800" lang="en-US"/>
+              <a:t>web crawlers</a:t>
+            </a:r>
+          </a:p>
+          <a:p>
+            <a:pPr algn="l" rtl="0" lvl="1" marR="0" indent="-311150" marL="742950">
+              <a:spcBef>
+                <a:spcPts val="0"/>
+              </a:spcBef>
+              <a:buClr>
+                <a:srgbClr val="000000"/>
+              </a:buClr>
+              <a:buSzPct val="100000"/>
+              <a:buFont typeface="Arial"/>
+              <a:buChar char="–"/>
+            </a:pPr>
+            <a:r>
+              <a:rPr sz="2800" lang="en-US">
+                <a:solidFill>
+                  <a:schemeClr val="dk1"/>
+                </a:solidFill>
+              </a:rPr>
+              <a:t>migration cluster (cloud &amp; platform)</a:t>
+            </a:r>
+          </a:p>
+          <a:p>
+            <a:pPr algn="l" rtl="0" lvl="1" marR="0" indent="-311150" marL="742950">
+              <a:spcBef>
+                <a:spcPts val="0"/>
+              </a:spcBef>
+              <a:buClr>
+                <a:schemeClr val="dk1"/>
+              </a:buClr>
+              <a:buSzPct val="100000"/>
+              <a:buFont typeface="Arial"/>
+              <a:buChar char="–"/>
+            </a:pPr>
+            <a:r>
+              <a:rPr sz="2800" lang="en-US">
+                <a:solidFill>
+                  <a:schemeClr val="dk1"/>
+                </a:solidFill>
+              </a:rPr>
+              <a:t>orchestration cluster (cloud &amp; platform)</a:t>
+            </a:r>
+          </a:p>
+        </p:txBody>
+      </p:sp>
+    </p:spTree>
+  </p:cSld>
+  <p:clrMapOvr>
+    <a:masterClrMapping/>
+  </p:clrMapOvr>
+  <p:transition spd="slow">
+    <p:cut/>
+  </p:transition>
+  <p:timing>
+    <p:tnLst>
+      <p:par>
+        <p:cTn restart="never" dur="indefinite" nodeType="tmRoot">
+          <p:childTnLst>
+            <p:seq nextAc="seek" concurrent="1">
+              <p:cTn id="2" dur="indefinite" nodeType="mainSeq">
+                <p:childTnLst>
+                  <p:par>
+                    <p:cTn fill="hold">
+                      <p:stCondLst>
+                        <p:cond delay="indefinite"/>
+                      </p:stCondLst>
+                      <p:childTnLst>
+                        <p:par>
+                          <p:cTn fill="hold">
+                            <p:stCondLst>
+                              <p:cond delay="0"/>
+                            </p:stCondLst>
+                            <p:childTnLst>
+                              <p:par>
+                                <p:cTn presetID="10" fill="hold" presetSubtype="0" presetClass="entr" nodeType="clickEffect">
+                                  <p:stCondLst>
+                                    <p:cond delay="0"/>
+                                  </p:stCondLst>
+                                  <p:childTnLst>
+                                    <p:set>
+                                      <p:cBhvr>
+                                        <p:cTn dur="1" fill="hold">
+                                          <p:stCondLst>
+                                            <p:cond delay="0"/>
+                                          </p:stCondLst>
+                                        </p:cTn>
+                                        <p:tgtEl>
+                                          <p:spTgt spid="326">
+                                            <p:txEl>
+                                              <p:pRg st="0" end="0"/>
+                                            </p:txEl>
+                                          </p:spTgt>
+                                        </p:tgtEl>
+                                        <p:attrNameLst>
+                                          <p:attrName>style.visibility</p:attrName>
+                                        </p:attrNameLst>
+                                      </p:cBhvr>
+                                      <p:to>
+                                        <p:strVal val="visible"/>
+                                      </p:to>
+                                    </p:set>
+                                    <p:animEffect transition="in" filter="fade">
+                                      <p:cBhvr>
+                                        <p:cTn dur="1000"/>
+                                        <p:tgtEl>
+                                          <p:spTgt spid="326">
                                             <p:txEl>
                                               <p:pRg st="0" end="0"/>
                                             </p:txEl>
@@ -18752,7 +19984,7 @@
                                           </p:stCondLst>
                                         </p:cTn>
                                         <p:tgtEl>
-                                          <p:spTgt spid="294">
+                                          <p:spTgt spid="326">
                                             <p:txEl>
                                               <p:pRg st="1" end="1"/>
                                             </p:txEl>
@@ -18770,7 +20002,7 @@
                                       <p:cBhvr>
                                         <p:cTn dur="1000"/>
                                         <p:tgtEl>
-                                          <p:spTgt spid="294">
+                                          <p:spTgt spid="326">
                                             <p:txEl>
                                               <p:pRg st="1" end="1"/>
                                             </p:txEl>
@@ -18813,7 +20045,7 @@
                                           </p:stCondLst>
                                         </p:cTn>
                                         <p:tgtEl>
-                                          <p:spTgt spid="294">
+                                          <p:spTgt spid="326">
                                             <p:txEl>
                                               <p:pRg st="2" end="2"/>
                                             </p:txEl>
@@ -18831,7 +20063,7 @@
                                       <p:cBhvr>
                                         <p:cTn dur="1000"/>
                                         <p:tgtEl>
-                                          <p:spTgt spid="294">
+                                          <p:spTgt spid="326">
                                             <p:txEl>
                                               <p:pRg st="2" end="2"/>
                                             </p:txEl>
@@ -18874,7 +20106,7 @@
                                           </p:stCondLst>
                                         </p:cTn>
                                         <p:tgtEl>
-                                          <p:spTgt spid="294">
+                                          <p:spTgt spid="326">
                                             <p:txEl>
                                               <p:pRg st="3" end="3"/>
                                             </p:txEl>
@@ -18892,7 +20124,7 @@
                                       <p:cBhvr>
                                         <p:cTn dur="1000"/>
                                         <p:tgtEl>
-                                          <p:spTgt spid="294">
+                                          <p:spTgt spid="326">
                                             <p:txEl>
                                               <p:pRg st="3" end="3"/>
                                             </p:txEl>
@@ -18935,7 +20167,7 @@
                                           </p:stCondLst>
                                         </p:cTn>
                                         <p:tgtEl>
-                                          <p:spTgt spid="294">
+                                          <p:spTgt spid="326">
                                             <p:txEl>
                                               <p:pRg st="4" end="4"/>
                                             </p:txEl>
@@ -18953,7 +20185,7 @@
                                       <p:cBhvr>
                                         <p:cTn dur="1000"/>
                                         <p:tgtEl>
-                                          <p:spTgt spid="294">
+                                          <p:spTgt spid="326">
                                             <p:txEl>
                                               <p:pRg st="4" end="4"/>
                                             </p:txEl>
@@ -18996,7 +20228,7 @@
                                           </p:stCondLst>
                                         </p:cTn>
                                         <p:tgtEl>
-                                          <p:spTgt spid="294">
+                                          <p:spTgt spid="326">
                                             <p:txEl>
                                               <p:pRg st="5" end="5"/>
                                             </p:txEl>
@@ -19014,7 +20246,7 @@
                                       <p:cBhvr>
                                         <p:cTn dur="1000"/>
                                         <p:tgtEl>
-                                          <p:spTgt spid="294">
+                                          <p:spTgt spid="326">
                                             <p:txEl>
                                               <p:pRg st="5" end="5"/>
                                             </p:txEl>
@@ -19057,7 +20289,7 @@
                                           </p:stCondLst>
                                         </p:cTn>
                                         <p:tgtEl>
-                                          <p:spTgt spid="294">
+                                          <p:spTgt spid="326">
                                             <p:txEl>
                                               <p:pRg st="6" end="6"/>
                                             </p:txEl>
@@ -19075,7 +20307,7 @@
                                       <p:cBhvr>
                                         <p:cTn dur="1000"/>
                                         <p:tgtEl>
-                                          <p:spTgt spid="294">
+                                          <p:spTgt spid="326">
                                             <p:txEl>
                                               <p:pRg st="6" end="6"/>
                                             </p:txEl>
@@ -19117,1048 +20349,6 @@
 </p:sld>
 </file>
 
-<file path=ppt/slides/slide18.xml><?xml version="1.0" encoding="utf-8"?>
-<p:sld xmlns:a="http://schemas.openxmlformats.org/drawingml/2006/main" xmlns:r="http://schemas.openxmlformats.org/officeDocument/2006/relationships" xmlns:mc="http://schemas.openxmlformats.org/markup-compatibility/2006" xmlns:mv="urn:schemas-microsoft-com:mac:vml" xmlns:p="http://schemas.openxmlformats.org/presentationml/2006/main" xmlns:c="http://schemas.openxmlformats.org/drawingml/2006/chart" xmlns:dgm="http://schemas.openxmlformats.org/drawingml/2006/diagram" xmlns:o="urn:schemas-microsoft-com:office:office" xmlns:v="urn:schemas-microsoft-com:vml" xmlns:pvml="urn:schemas-microsoft-com:office:powerpoint" xmlns:com="http://schemas.openxmlformats.org/drawingml/2006/compatibility" xmlns:p14="http://schemas.microsoft.com/office/powerpoint/2010/main">
-  <p:cSld>
-    <p:spTree>
-      <p:nvGrpSpPr>
-        <p:cNvPr id="298" name="Shape 298"/>
-        <p:cNvGrpSpPr/>
-        <p:nvPr/>
-      </p:nvGrpSpPr>
-      <p:grpSpPr>
-        <a:xfrm>
-          <a:off y="0" x="0"/>
-          <a:ext cy="0" cx="0"/>
-          <a:chOff y="0" x="0"/>
-          <a:chExt cy="0" cx="0"/>
-        </a:xfrm>
-      </p:grpSpPr>
-      <p:sp>
-        <p:nvSpPr>
-          <p:cNvPr id="299" name="Shape 299"/>
-          <p:cNvSpPr txBox="1"/>
-          <p:nvPr>
-            <p:ph type="title"/>
-          </p:nvPr>
-        </p:nvSpPr>
-        <p:spPr>
-          <a:xfrm>
-            <a:off y="2007660" x="457200"/>
-            <a:ext cy="585599" cx="6492600"/>
-          </a:xfrm>
-          <a:prstGeom prst="rect">
-            <a:avLst/>
-          </a:prstGeom>
-          <a:noFill/>
-          <a:ln>
-            <a:noFill/>
-          </a:ln>
-        </p:spPr>
-        <p:txBody>
-          <a:bodyPr bIns="45700" rIns="45700" lIns="45700" tIns="45700" anchor="ctr" anchorCtr="0">
-            <a:noAutofit/>
-          </a:bodyPr>
-          <a:lstStyle/>
-          <a:p>
-            <a:pPr algn="l" rtl="0" lvl="0" marR="0" indent="0" marL="0">
-              <a:spcBef>
-                <a:spcPts val="0"/>
-              </a:spcBef>
-              <a:buSzPct val="25000"/>
-              <a:buNone/>
-            </a:pPr>
-            <a:r>
-              <a:rPr b="1" sz="3200" lang="en-US">
-                <a:solidFill>
-                  <a:srgbClr val="404040"/>
-                </a:solidFill>
-              </a:rPr>
-              <a:t>Open Issues / Todo(s)</a:t>
-            </a:r>
-          </a:p>
-        </p:txBody>
-      </p:sp>
-      <p:sp>
-        <p:nvSpPr>
-          <p:cNvPr id="300" name="Shape 300"/>
-          <p:cNvSpPr txBox="1"/>
-          <p:nvPr>
-            <p:ph idx="1" type="body"/>
-          </p:nvPr>
-        </p:nvSpPr>
-        <p:spPr>
-          <a:xfrm>
-            <a:off y="2593175" x="457200"/>
-            <a:ext cy="500699" cx="5003699"/>
-          </a:xfrm>
-          <a:prstGeom prst="rect">
-            <a:avLst/>
-          </a:prstGeom>
-          <a:noFill/>
-          <a:ln>
-            <a:noFill/>
-          </a:ln>
-        </p:spPr>
-        <p:txBody>
-          <a:bodyPr bIns="45700" rIns="45700" lIns="45700" tIns="45700" anchor="t" anchorCtr="0">
-            <a:noAutofit/>
-          </a:bodyPr>
-          <a:lstStyle/>
-          <a:p>
-            <a:pPr algn="l" rtl="0" lvl="0" marR="0" indent="0" marL="0">
-              <a:spcBef>
-                <a:spcPts val="0"/>
-              </a:spcBef>
-              <a:buClr>
-                <a:srgbClr val="3FA3D9"/>
-              </a:buClr>
-              <a:buSzPct val="25000"/>
-              <a:buFont typeface="Arial"/>
-              <a:buNone/>
-            </a:pPr>
-            <a:r>
-              <a:rPr sz="2000" lang="en-US" i="1">
-                <a:solidFill>
-                  <a:srgbClr val="3FA3D9"/>
-                </a:solidFill>
-              </a:rPr>
-              <a:t> </a:t>
-            </a:r>
-          </a:p>
-        </p:txBody>
-      </p:sp>
-    </p:spTree>
-  </p:cSld>
-  <p:clrMapOvr>
-    <a:masterClrMapping/>
-  </p:clrMapOvr>
-  <p:transition spd="slow">
-    <p:cut/>
-  </p:transition>
-</p:sld>
-</file>
-
-<file path=ppt/slides/slide19.xml><?xml version="1.0" encoding="utf-8"?>
-<p:sld xmlns:a="http://schemas.openxmlformats.org/drawingml/2006/main" xmlns:r="http://schemas.openxmlformats.org/officeDocument/2006/relationships" xmlns:mc="http://schemas.openxmlformats.org/markup-compatibility/2006" xmlns:mv="urn:schemas-microsoft-com:mac:vml" xmlns:p="http://schemas.openxmlformats.org/presentationml/2006/main" xmlns:c="http://schemas.openxmlformats.org/drawingml/2006/chart" xmlns:dgm="http://schemas.openxmlformats.org/drawingml/2006/diagram" xmlns:o="urn:schemas-microsoft-com:office:office" xmlns:v="urn:schemas-microsoft-com:vml" xmlns:pvml="urn:schemas-microsoft-com:office:powerpoint" xmlns:com="http://schemas.openxmlformats.org/drawingml/2006/compatibility" xmlns:p14="http://schemas.microsoft.com/office/powerpoint/2010/main">
-  <p:cSld>
-    <p:spTree>
-      <p:nvGrpSpPr>
-        <p:cNvPr id="304" name="Shape 304"/>
-        <p:cNvGrpSpPr/>
-        <p:nvPr/>
-      </p:nvGrpSpPr>
-      <p:grpSpPr>
-        <a:xfrm>
-          <a:off y="0" x="0"/>
-          <a:ext cy="0" cx="0"/>
-          <a:chOff y="0" x="0"/>
-          <a:chExt cy="0" cx="0"/>
-        </a:xfrm>
-      </p:grpSpPr>
-      <p:sp>
-        <p:nvSpPr>
-          <p:cNvPr id="305" name="Shape 305"/>
-          <p:cNvSpPr txBox="1"/>
-          <p:nvPr>
-            <p:ph type="title"/>
-          </p:nvPr>
-        </p:nvSpPr>
-        <p:spPr>
-          <a:xfrm>
-            <a:off y="116054" x="450143"/>
-            <a:ext cy="585599" cx="8229600"/>
-          </a:xfrm>
-          <a:prstGeom prst="rect">
-            <a:avLst/>
-          </a:prstGeom>
-          <a:noFill/>
-          <a:ln>
-            <a:noFill/>
-          </a:ln>
-        </p:spPr>
-        <p:txBody>
-          <a:bodyPr bIns="45700" rIns="45700" lIns="45700" tIns="45700" anchor="ctr" anchorCtr="0">
-            <a:noAutofit/>
-          </a:bodyPr>
-          <a:lstStyle/>
-          <a:p>
-            <a:pPr algn="l" rtl="0" lvl="0" marR="0" indent="0" marL="0">
-              <a:spcBef>
-                <a:spcPts val="0"/>
-              </a:spcBef>
-              <a:buSzPct val="25000"/>
-              <a:buNone/>
-            </a:pPr>
-            <a:r>
-              <a:rPr b="1" sz="3200" lang="en-US">
-                <a:solidFill>
-                  <a:srgbClr val="404040"/>
-                </a:solidFill>
-              </a:rPr>
-              <a:t>Todo(s)</a:t>
-            </a:r>
-          </a:p>
-        </p:txBody>
-      </p:sp>
-      <p:sp>
-        <p:nvSpPr>
-          <p:cNvPr id="306" name="Shape 306"/>
-          <p:cNvSpPr txBox="1"/>
-          <p:nvPr>
-            <p:ph idx="1" type="body"/>
-          </p:nvPr>
-        </p:nvSpPr>
-        <p:spPr>
-          <a:xfrm>
-            <a:off y="704741" x="450143"/>
-            <a:ext cy="310800" cx="5003699"/>
-          </a:xfrm>
-          <a:prstGeom prst="rect">
-            <a:avLst/>
-          </a:prstGeom>
-          <a:noFill/>
-          <a:ln>
-            <a:noFill/>
-          </a:ln>
-        </p:spPr>
-        <p:txBody>
-          <a:bodyPr bIns="45700" rIns="45700" lIns="45700" tIns="45700" anchor="t" anchorCtr="0">
-            <a:noAutofit/>
-          </a:bodyPr>
-          <a:lstStyle/>
-          <a:p>
-            <a:pPr algn="l" rtl="0" lvl="0" marR="0" indent="0" marL="0">
-              <a:lnSpc>
-                <a:spcPct val="80000"/>
-              </a:lnSpc>
-              <a:spcBef>
-                <a:spcPts val="0"/>
-              </a:spcBef>
-              <a:buClr>
-                <a:srgbClr val="3FA3D9"/>
-              </a:buClr>
-              <a:buSzPct val="25000"/>
-              <a:buFont typeface="Arial"/>
-              <a:buNone/>
-            </a:pPr>
-            <a:r>
-              <a:rPr sz="1513" lang="en-US" i="1">
-                <a:solidFill>
-                  <a:srgbClr val="3FA3D9"/>
-                </a:solidFill>
-              </a:rPr>
-              <a:t> </a:t>
-            </a:r>
-          </a:p>
-        </p:txBody>
-      </p:sp>
-      <p:sp>
-        <p:nvSpPr>
-          <p:cNvPr id="307" name="Shape 307"/>
-          <p:cNvSpPr/>
-          <p:nvPr/>
-        </p:nvSpPr>
-        <p:spPr>
-          <a:xfrm>
-            <a:off y="952500" x="457200"/>
-            <a:ext cy="3338099" cx="8229600"/>
-          </a:xfrm>
-          <a:prstGeom prst="rect">
-            <a:avLst/>
-          </a:prstGeom>
-          <a:noFill/>
-          <a:ln>
-            <a:noFill/>
-          </a:ln>
-        </p:spPr>
-        <p:txBody>
-          <a:bodyPr bIns="0" rIns="0" lIns="0" tIns="0" anchor="t" anchorCtr="0">
-            <a:noAutofit/>
-          </a:bodyPr>
-          <a:lstStyle/>
-          <a:p>
-            <a:pPr algn="l" rtl="0" lvl="0" marR="0" indent="-279400" marL="342900">
-              <a:spcBef>
-                <a:spcPts val="0"/>
-              </a:spcBef>
-              <a:buClr>
-                <a:srgbClr val="000000"/>
-              </a:buClr>
-              <a:buSzPct val="100000"/>
-              <a:buFont typeface="Arial"/>
-              <a:buChar char="•"/>
-            </a:pPr>
-            <a:r>
-              <a:rPr sz="1800" lang="en-US"/>
-              <a:t>Replace “test.arg” hack with a purpose built utility</a:t>
-            </a:r>
-          </a:p>
-          <a:p>
-            <a:pPr algn="l" rtl="0" lvl="0" marR="0" indent="-279400" marL="342900">
-              <a:spcBef>
-                <a:spcPts val="0"/>
-              </a:spcBef>
-              <a:buClr>
-                <a:srgbClr val="000000"/>
-              </a:buClr>
-              <a:buSzPct val="100000"/>
-              <a:buFont typeface="Arial"/>
-              <a:buChar char="•"/>
-            </a:pPr>
-            <a:r>
-              <a:rPr sz="1800" lang="en-US">
-                <a:solidFill>
-                  <a:schemeClr val="dk1"/>
-                </a:solidFill>
-              </a:rPr>
-              <a:t>Multi re-runner support</a:t>
-            </a:r>
-          </a:p>
-          <a:p>
-            <a:pPr algn="l" rtl="0" lvl="0" marR="0" indent="-279400" marL="342900">
-              <a:spcBef>
-                <a:spcPts val="0"/>
-              </a:spcBef>
-              <a:buClr>
-                <a:schemeClr val="dk1"/>
-              </a:buClr>
-              <a:buSzPct val="100000"/>
-              <a:buFont typeface="Arial"/>
-              <a:buChar char="•"/>
-            </a:pPr>
-            <a:r>
-              <a:rPr sz="1800" lang="en-US">
-                <a:solidFill>
-                  <a:schemeClr val="dk1"/>
-                </a:solidFill>
-              </a:rPr>
-              <a:t>Single “load &amp; go” command interface</a:t>
-            </a:r>
-          </a:p>
-          <a:p>
-            <a:pPr algn="l" rtl="0" lvl="0" marR="0" indent="-279400" marL="342900">
-              <a:spcBef>
-                <a:spcPts val="0"/>
-              </a:spcBef>
-              <a:buClr>
-                <a:schemeClr val="dk1"/>
-              </a:buClr>
-              <a:buSzPct val="100000"/>
-              <a:buFont typeface="Arial"/>
-              <a:buChar char="•"/>
-            </a:pPr>
-            <a:r>
-              <a:rPr sz="1800" lang="en-US">
-                <a:solidFill>
-                  <a:schemeClr val="dk1"/>
-                </a:solidFill>
-              </a:rPr>
-              <a:t>More, better stats</a:t>
-            </a:r>
-          </a:p>
-          <a:p>
-            <a:pPr algn="l" rtl="0" lvl="0" marR="0" indent="-279400" marL="342900">
-              <a:spcBef>
-                <a:spcPts val="0"/>
-              </a:spcBef>
-              <a:buClr>
-                <a:schemeClr val="dk1"/>
-              </a:buClr>
-              <a:buSzPct val="100000"/>
-              <a:buFont typeface="Arial"/>
-              <a:buChar char="•"/>
-            </a:pPr>
-            <a:r>
-              <a:rPr sz="1800" lang="en-US">
-                <a:solidFill>
-                  <a:schemeClr val="dk1"/>
-                </a:solidFill>
-              </a:rPr>
-              <a:t>Load limiting mapper</a:t>
-            </a:r>
-          </a:p>
-          <a:p>
-            <a:pPr algn="l" rtl="0" lvl="0" marR="0" indent="-279400" marL="342900">
-              <a:spcBef>
-                <a:spcPts val="0"/>
-              </a:spcBef>
-              <a:buClr>
-                <a:schemeClr val="dk1"/>
-              </a:buClr>
-              <a:buSzPct val="100000"/>
-              <a:buFont typeface="Arial"/>
-              <a:buChar char="•"/>
-            </a:pPr>
-            <a:r>
-              <a:rPr sz="1800" lang="en-US">
-                <a:solidFill>
-                  <a:schemeClr val="dk1"/>
-                </a:solidFill>
-              </a:rPr>
-              <a:t>Dashboard</a:t>
-            </a:r>
-          </a:p>
-          <a:p>
-            <a:pPr algn="l" rtl="0" lvl="0" marR="0" indent="-279400" marL="342900">
-              <a:spcBef>
-                <a:spcPts val="0"/>
-              </a:spcBef>
-              <a:buClr>
-                <a:srgbClr val="000000"/>
-              </a:buClr>
-              <a:buSzPct val="100000"/>
-              <a:buFont typeface="Arial"/>
-              <a:buChar char="•"/>
-            </a:pPr>
-            <a:r>
-              <a:rPr sz="1800" lang="en-US"/>
-              <a:t>Automatic reducer fail-over</a:t>
-            </a:r>
-          </a:p>
-          <a:p>
-            <a:pPr algn="l" rtl="0" lvl="0" marR="0" indent="-279400" marL="342900">
-              <a:spcBef>
-                <a:spcPts val="0"/>
-              </a:spcBef>
-              <a:buClr>
-                <a:srgbClr val="000000"/>
-              </a:buClr>
-              <a:buSzPct val="100000"/>
-              <a:buFont typeface="Arial"/>
-              <a:buChar char="•"/>
-            </a:pPr>
-            <a:r>
-              <a:rPr sz="1800" lang="en-US"/>
-              <a:t>Additional controls (pause, reset, …)</a:t>
-            </a:r>
-          </a:p>
-          <a:p>
-            <a:pPr algn="l" rtl="0" lvl="0" marR="0" indent="-279400" marL="342900">
-              <a:spcBef>
-                <a:spcPts val="0"/>
-              </a:spcBef>
-              <a:buClr>
-                <a:srgbClr val="000000"/>
-              </a:buClr>
-              <a:buSzPct val="100000"/>
-              <a:buFont typeface="Arial"/>
-              <a:buChar char="•"/>
-            </a:pPr>
-            <a:r>
-              <a:rPr sz="1800" lang="en-US">
-                <a:solidFill>
-                  <a:schemeClr val="dk1"/>
-                </a:solidFill>
-              </a:rPr>
-              <a:t>tag-oriented combiner layer (more like “real” map-reducers)</a:t>
-            </a:r>
-          </a:p>
-          <a:p>
-            <a:pPr algn="l" rtl="0" lvl="0" marR="0" indent="-279400" marL="342900">
-              <a:spcBef>
-                <a:spcPts val="0"/>
-              </a:spcBef>
-              <a:buClr>
-                <a:srgbClr val="000000"/>
-              </a:buClr>
-              <a:buSzPct val="100000"/>
-              <a:buFont typeface="Arial"/>
-              <a:buChar char="•"/>
-            </a:pPr>
-            <a:r>
-              <a:rPr sz="1800" lang="en-US"/>
-              <a:t>...</a:t>
-            </a:r>
-          </a:p>
-          <a:p>
-            <a:pPr algn="l" rtl="0" lvl="0" marR="0">
-              <a:spcBef>
-                <a:spcPts val="0"/>
-              </a:spcBef>
-              <a:buNone/>
-            </a:pPr>
-            <a:r>
-              <a:t/>
-            </a:r>
-            <a:endParaRPr sz="2400"/>
-          </a:p>
-          <a:p>
-            <a:pPr algn="l" rtl="0" lvl="0" marR="0">
-              <a:spcBef>
-                <a:spcPts val="0"/>
-              </a:spcBef>
-              <a:buNone/>
-            </a:pPr>
-            <a:r>
-              <a:t/>
-            </a:r>
-            <a:endParaRPr sz="2800"/>
-          </a:p>
-        </p:txBody>
-      </p:sp>
-    </p:spTree>
-  </p:cSld>
-  <p:clrMapOvr>
-    <a:masterClrMapping/>
-  </p:clrMapOvr>
-  <p:transition spd="slow">
-    <p:cut/>
-  </p:transition>
-</p:sld>
-</file>
-
-<file path=ppt/slides/slide2.xml><?xml version="1.0" encoding="utf-8"?>
-<p:sld xmlns:a="http://schemas.openxmlformats.org/drawingml/2006/main" xmlns:r="http://schemas.openxmlformats.org/officeDocument/2006/relationships" xmlns:mc="http://schemas.openxmlformats.org/markup-compatibility/2006" xmlns:mv="urn:schemas-microsoft-com:mac:vml" xmlns:p="http://schemas.openxmlformats.org/presentationml/2006/main" xmlns:c="http://schemas.openxmlformats.org/drawingml/2006/chart" xmlns:dgm="http://schemas.openxmlformats.org/drawingml/2006/diagram" xmlns:o="urn:schemas-microsoft-com:office:office" xmlns:v="urn:schemas-microsoft-com:vml" xmlns:pvml="urn:schemas-microsoft-com:office:powerpoint" xmlns:com="http://schemas.openxmlformats.org/drawingml/2006/compatibility" xmlns:p14="http://schemas.microsoft.com/office/powerpoint/2010/main">
-  <p:cSld>
-    <p:spTree>
-      <p:nvGrpSpPr>
-        <p:cNvPr id="56" name="Shape 56"/>
-        <p:cNvGrpSpPr/>
-        <p:nvPr/>
-      </p:nvGrpSpPr>
-      <p:grpSpPr>
-        <a:xfrm>
-          <a:off y="0" x="0"/>
-          <a:ext cy="0" cx="0"/>
-          <a:chOff y="0" x="0"/>
-          <a:chExt cy="0" cx="0"/>
-        </a:xfrm>
-      </p:grpSpPr>
-      <p:sp>
-        <p:nvSpPr>
-          <p:cNvPr id="57" name="Shape 57"/>
-          <p:cNvSpPr txBox="1"/>
-          <p:nvPr>
-            <p:ph type="title"/>
-          </p:nvPr>
-        </p:nvSpPr>
-        <p:spPr>
-          <a:xfrm>
-            <a:off y="2007660" x="457200"/>
-            <a:ext cy="585599" cx="6492600"/>
-          </a:xfrm>
-          <a:prstGeom prst="rect">
-            <a:avLst/>
-          </a:prstGeom>
-          <a:noFill/>
-          <a:ln>
-            <a:noFill/>
-          </a:ln>
-        </p:spPr>
-        <p:txBody>
-          <a:bodyPr bIns="45700" rIns="45700" lIns="45700" tIns="45700" anchor="ctr" anchorCtr="0">
-            <a:noAutofit/>
-          </a:bodyPr>
-          <a:lstStyle/>
-          <a:p>
-            <a:pPr algn="l" rtl="0" lvl="0" marR="0" indent="0" marL="0">
-              <a:spcBef>
-                <a:spcPts val="0"/>
-              </a:spcBef>
-              <a:buSzPct val="25000"/>
-              <a:buNone/>
-            </a:pPr>
-            <a:r>
-              <a:rPr b="1" sz="3200" lang="en-US">
-                <a:solidFill>
-                  <a:srgbClr val="404040"/>
-                </a:solidFill>
-              </a:rPr>
-              <a:t>salt-reduce</a:t>
-            </a:r>
-          </a:p>
-        </p:txBody>
-      </p:sp>
-      <p:sp>
-        <p:nvSpPr>
-          <p:cNvPr id="58" name="Shape 58"/>
-          <p:cNvSpPr txBox="1"/>
-          <p:nvPr>
-            <p:ph idx="1" type="body"/>
-          </p:nvPr>
-        </p:nvSpPr>
-        <p:spPr>
-          <a:xfrm>
-            <a:off y="2593175" x="457200"/>
-            <a:ext cy="500699" cx="5563799"/>
-          </a:xfrm>
-          <a:prstGeom prst="rect">
-            <a:avLst/>
-          </a:prstGeom>
-          <a:noFill/>
-          <a:ln>
-            <a:noFill/>
-          </a:ln>
-        </p:spPr>
-        <p:txBody>
-          <a:bodyPr bIns="45700" rIns="45700" lIns="45700" tIns="45700" anchor="t" anchorCtr="0">
-            <a:noAutofit/>
-          </a:bodyPr>
-          <a:lstStyle/>
-          <a:p>
-            <a:pPr algn="l" rtl="0" lvl="0" marR="0" indent="0" marL="0">
-              <a:spcBef>
-                <a:spcPts val="0"/>
-              </a:spcBef>
-              <a:buClr>
-                <a:srgbClr val="3FA3D9"/>
-              </a:buClr>
-              <a:buSzPct val="25000"/>
-              <a:buFont typeface="Arial"/>
-              <a:buNone/>
-            </a:pPr>
-            <a:r>
-              <a:rPr sz="2000" lang="en-US" i="1">
-                <a:solidFill>
-                  <a:srgbClr val="3FA3D9"/>
-                </a:solidFill>
-              </a:rPr>
-              <a:t> implementing map-reduce workflows in salt</a:t>
-            </a:r>
-          </a:p>
-        </p:txBody>
-      </p:sp>
-    </p:spTree>
-  </p:cSld>
-  <p:clrMapOvr>
-    <a:masterClrMapping/>
-  </p:clrMapOvr>
-  <p:transition spd="slow">
-    <p:cut/>
-  </p:transition>
-</p:sld>
-</file>
-
-<file path=ppt/slides/slide20.xml><?xml version="1.0" encoding="utf-8"?>
-<p:sld xmlns:a="http://schemas.openxmlformats.org/drawingml/2006/main" xmlns:r="http://schemas.openxmlformats.org/officeDocument/2006/relationships" xmlns:mc="http://schemas.openxmlformats.org/markup-compatibility/2006" xmlns:mv="urn:schemas-microsoft-com:mac:vml" xmlns:p="http://schemas.openxmlformats.org/presentationml/2006/main" xmlns:c="http://schemas.openxmlformats.org/drawingml/2006/chart" xmlns:dgm="http://schemas.openxmlformats.org/drawingml/2006/diagram" xmlns:o="urn:schemas-microsoft-com:office:office" xmlns:v="urn:schemas-microsoft-com:vml" xmlns:pvml="urn:schemas-microsoft-com:office:powerpoint" xmlns:com="http://schemas.openxmlformats.org/drawingml/2006/compatibility" xmlns:p14="http://schemas.microsoft.com/office/powerpoint/2010/main">
-  <p:cSld>
-    <p:spTree>
-      <p:nvGrpSpPr>
-        <p:cNvPr id="311" name="Shape 311"/>
-        <p:cNvGrpSpPr/>
-        <p:nvPr/>
-      </p:nvGrpSpPr>
-      <p:grpSpPr>
-        <a:xfrm>
-          <a:off y="0" x="0"/>
-          <a:ext cy="0" cx="0"/>
-          <a:chOff y="0" x="0"/>
-          <a:chExt cy="0" cx="0"/>
-        </a:xfrm>
-      </p:grpSpPr>
-      <p:sp>
-        <p:nvSpPr>
-          <p:cNvPr id="312" name="Shape 312"/>
-          <p:cNvSpPr txBox="1"/>
-          <p:nvPr>
-            <p:ph type="title"/>
-          </p:nvPr>
-        </p:nvSpPr>
-        <p:spPr>
-          <a:xfrm>
-            <a:off y="2007660" x="457200"/>
-            <a:ext cy="585599" cx="6492600"/>
-          </a:xfrm>
-          <a:prstGeom prst="rect">
-            <a:avLst/>
-          </a:prstGeom>
-          <a:noFill/>
-          <a:ln>
-            <a:noFill/>
-          </a:ln>
-        </p:spPr>
-        <p:txBody>
-          <a:bodyPr bIns="45700" rIns="45700" lIns="45700" tIns="45700" anchor="ctr" anchorCtr="0">
-            <a:noAutofit/>
-          </a:bodyPr>
-          <a:lstStyle/>
-          <a:p>
-            <a:pPr algn="l" rtl="0" lvl="0" marR="0" indent="0" marL="0">
-              <a:spcBef>
-                <a:spcPts val="0"/>
-              </a:spcBef>
-              <a:buSzPct val="25000"/>
-              <a:buNone/>
-            </a:pPr>
-            <a:r>
-              <a:rPr b="1" sz="3200" lang="en-US">
-                <a:solidFill>
-                  <a:srgbClr val="404040"/>
-                </a:solidFill>
-              </a:rPr>
-              <a:t>questions/ feedback?</a:t>
-            </a:r>
-          </a:p>
-        </p:txBody>
-      </p:sp>
-      <p:sp>
-        <p:nvSpPr>
-          <p:cNvPr id="313" name="Shape 313"/>
-          <p:cNvSpPr txBox="1"/>
-          <p:nvPr>
-            <p:ph idx="1" type="body"/>
-          </p:nvPr>
-        </p:nvSpPr>
-        <p:spPr>
-          <a:xfrm>
-            <a:off y="2593175" x="457200"/>
-            <a:ext cy="500699" cx="5003699"/>
-          </a:xfrm>
-          <a:prstGeom prst="rect">
-            <a:avLst/>
-          </a:prstGeom>
-          <a:noFill/>
-          <a:ln>
-            <a:noFill/>
-          </a:ln>
-        </p:spPr>
-        <p:txBody>
-          <a:bodyPr bIns="45700" rIns="45700" lIns="45700" tIns="45700" anchor="t" anchorCtr="0">
-            <a:noAutofit/>
-          </a:bodyPr>
-          <a:lstStyle/>
-          <a:p>
-            <a:pPr algn="l" rtl="0" lvl="0" marR="0" indent="0" marL="0">
-              <a:spcBef>
-                <a:spcPts val="0"/>
-              </a:spcBef>
-              <a:buClr>
-                <a:srgbClr val="3FA3D9"/>
-              </a:buClr>
-              <a:buSzPct val="25000"/>
-              <a:buFont typeface="Arial"/>
-              <a:buNone/>
-            </a:pPr>
-            <a:r>
-              <a:rPr sz="2000" lang="en-US" i="1">
-                <a:solidFill>
-                  <a:srgbClr val="3FA3D9"/>
-                </a:solidFill>
-              </a:rPr>
-              <a:t> </a:t>
-            </a:r>
-          </a:p>
-        </p:txBody>
-      </p:sp>
-    </p:spTree>
-  </p:cSld>
-  <p:clrMapOvr>
-    <a:masterClrMapping/>
-  </p:clrMapOvr>
-  <p:transition spd="slow">
-    <p:cut/>
-  </p:transition>
-</p:sld>
-</file>
-
-<file path=ppt/slides/slide21.xml><?xml version="1.0" encoding="utf-8"?>
-<p:sld xmlns:a="http://schemas.openxmlformats.org/drawingml/2006/main" xmlns:r="http://schemas.openxmlformats.org/officeDocument/2006/relationships" xmlns:mc="http://schemas.openxmlformats.org/markup-compatibility/2006" xmlns:mv="urn:schemas-microsoft-com:mac:vml" xmlns:p="http://schemas.openxmlformats.org/presentationml/2006/main" xmlns:c="http://schemas.openxmlformats.org/drawingml/2006/chart" xmlns:dgm="http://schemas.openxmlformats.org/drawingml/2006/diagram" xmlns:o="urn:schemas-microsoft-com:office:office" xmlns:v="urn:schemas-microsoft-com:vml" xmlns:pvml="urn:schemas-microsoft-com:office:powerpoint" xmlns:com="http://schemas.openxmlformats.org/drawingml/2006/compatibility" xmlns:p14="http://schemas.microsoft.com/office/powerpoint/2010/main">
-  <p:cSld>
-    <p:spTree>
-      <p:nvGrpSpPr>
-        <p:cNvPr id="317" name="Shape 317"/>
-        <p:cNvGrpSpPr/>
-        <p:nvPr/>
-      </p:nvGrpSpPr>
-      <p:grpSpPr>
-        <a:xfrm>
-          <a:off y="0" x="0"/>
-          <a:ext cy="0" cx="0"/>
-          <a:chOff y="0" x="0"/>
-          <a:chExt cy="0" cx="0"/>
-        </a:xfrm>
-      </p:grpSpPr>
-      <p:sp>
-        <p:nvSpPr>
-          <p:cNvPr id="318" name="Shape 318"/>
-          <p:cNvSpPr/>
-          <p:nvPr/>
-        </p:nvSpPr>
-        <p:spPr>
-          <a:xfrm>
-            <a:off y="2073860" x="410539"/>
-            <a:ext cy="486300" cx="5512199"/>
-          </a:xfrm>
-          <a:prstGeom prst="rect">
-            <a:avLst/>
-          </a:prstGeom>
-          <a:noFill/>
-          <a:ln>
-            <a:noFill/>
-          </a:ln>
-        </p:spPr>
-        <p:txBody>
-          <a:bodyPr bIns="45700" rIns="45700" lIns="45700" tIns="45700" anchor="t" anchorCtr="0">
-            <a:noAutofit/>
-          </a:bodyPr>
-          <a:lstStyle/>
-          <a:p>
-            <a:pPr algn="l" rtl="0" lvl="0" marR="0" indent="0" marL="0">
-              <a:lnSpc>
-                <a:spcPct val="80000"/>
-              </a:lnSpc>
-              <a:spcBef>
-                <a:spcPts val="0"/>
-              </a:spcBef>
-              <a:buSzPct val="25000"/>
-              <a:buNone/>
-            </a:pPr>
-            <a:r>
-              <a:rPr strike="noStrike" u="none" b="1" cap="none" baseline="0" sz="2800" lang="en-US" i="0">
-                <a:solidFill>
-                  <a:srgbClr val="FFFFFF"/>
-                </a:solidFill>
-                <a:latin typeface="Arial"/>
-                <a:ea typeface="Arial"/>
-                <a:cs typeface="Arial"/>
-                <a:sym typeface="Arial"/>
-              </a:rPr>
-              <a:t>Thank you!</a:t>
-            </a:r>
-          </a:p>
-        </p:txBody>
-      </p:sp>
-      <p:sp>
-        <p:nvSpPr>
-          <p:cNvPr id="319" name="Shape 319"/>
-          <p:cNvSpPr/>
-          <p:nvPr/>
-        </p:nvSpPr>
-        <p:spPr>
-          <a:xfrm>
-            <a:off y="3293060" x="410539"/>
-            <a:ext cy="288899" cx="5512199"/>
-          </a:xfrm>
-          <a:prstGeom prst="rect">
-            <a:avLst/>
-          </a:prstGeom>
-          <a:noFill/>
-          <a:ln>
-            <a:noFill/>
-          </a:ln>
-        </p:spPr>
-        <p:txBody>
-          <a:bodyPr bIns="45700" rIns="45700" lIns="45700" tIns="45700" anchor="t" anchorCtr="0">
-            <a:noAutofit/>
-          </a:bodyPr>
-          <a:lstStyle/>
-          <a:p>
-            <a:pPr algn="l" rtl="0" lvl="0" marR="0" indent="0" marL="0">
-              <a:lnSpc>
-                <a:spcPct val="80000"/>
-              </a:lnSpc>
-              <a:spcBef>
-                <a:spcPts val="0"/>
-              </a:spcBef>
-              <a:buSzPct val="25000"/>
-              <a:buNone/>
-            </a:pPr>
-            <a:r>
-              <a:rPr strike="noStrike" u="none" b="1" cap="none" baseline="0" sz="1400" lang="en-US" i="0">
-                <a:solidFill>
-                  <a:srgbClr val="FFFFFF"/>
-                </a:solidFill>
-                <a:latin typeface="Arial"/>
-                <a:ea typeface="Arial"/>
-                <a:cs typeface="Arial"/>
-                <a:sym typeface="Arial"/>
-              </a:rPr>
-              <a:t>Please provide session feedback in the SaltConf15 mobile app</a:t>
-            </a:r>
-          </a:p>
-        </p:txBody>
-      </p:sp>
-      <p:sp>
-        <p:nvSpPr>
-          <p:cNvPr id="320" name="Shape 320"/>
-          <p:cNvSpPr/>
-          <p:nvPr/>
-        </p:nvSpPr>
-        <p:spPr>
-          <a:xfrm>
-            <a:off y="4512262" x="410539"/>
-            <a:ext cy="288899" cx="5512199"/>
-          </a:xfrm>
-          <a:prstGeom prst="rect">
-            <a:avLst/>
-          </a:prstGeom>
-          <a:noFill/>
-          <a:ln>
-            <a:noFill/>
-          </a:ln>
-        </p:spPr>
-        <p:txBody>
-          <a:bodyPr bIns="45700" rIns="45700" lIns="45700" tIns="45700" anchor="t" anchorCtr="0">
-            <a:noAutofit/>
-          </a:bodyPr>
-          <a:lstStyle/>
-          <a:p>
-            <a:pPr algn="l" rtl="0" lvl="0" marR="0" indent="0" marL="0">
-              <a:lnSpc>
-                <a:spcPct val="80000"/>
-              </a:lnSpc>
-              <a:spcBef>
-                <a:spcPts val="0"/>
-              </a:spcBef>
-              <a:buSzPct val="25000"/>
-              <a:buNone/>
-            </a:pPr>
-            <a:r>
-              <a:rPr strike="noStrike" u="none" b="1" cap="none" baseline="0" sz="1400" lang="en-US" i="0">
-                <a:solidFill>
-                  <a:srgbClr val="FFFFFF"/>
-                </a:solidFill>
-                <a:latin typeface="Arial"/>
-                <a:ea typeface="Arial"/>
-                <a:cs typeface="Arial"/>
-                <a:sym typeface="Arial"/>
-              </a:rPr>
-              <a:t>#SaltConf15</a:t>
-            </a:r>
-          </a:p>
-        </p:txBody>
-      </p:sp>
-    </p:spTree>
-  </p:cSld>
-  <p:clrMapOvr>
-    <a:masterClrMapping/>
-  </p:clrMapOvr>
-  <p:transition spd="slow">
-    <p:cut/>
-  </p:transition>
-</p:sld>
-</file>
-
-<file path=ppt/slides/slide22.xml><?xml version="1.0" encoding="utf-8"?>
-<p:sld xmlns:a="http://schemas.openxmlformats.org/drawingml/2006/main" xmlns:r="http://schemas.openxmlformats.org/officeDocument/2006/relationships" xmlns:mc="http://schemas.openxmlformats.org/markup-compatibility/2006" xmlns:mv="urn:schemas-microsoft-com:mac:vml" xmlns:p="http://schemas.openxmlformats.org/presentationml/2006/main" xmlns:c="http://schemas.openxmlformats.org/drawingml/2006/chart" xmlns:dgm="http://schemas.openxmlformats.org/drawingml/2006/diagram" xmlns:o="urn:schemas-microsoft-com:office:office" xmlns:v="urn:schemas-microsoft-com:vml" xmlns:pvml="urn:schemas-microsoft-com:office:powerpoint" xmlns:com="http://schemas.openxmlformats.org/drawingml/2006/compatibility" xmlns:p14="http://schemas.microsoft.com/office/powerpoint/2010/main">
-  <p:cSld>
-    <p:spTree>
-      <p:nvGrpSpPr>
-        <p:cNvPr id="324" name="Shape 324"/>
-        <p:cNvGrpSpPr/>
-        <p:nvPr/>
-      </p:nvGrpSpPr>
-      <p:grpSpPr>
-        <a:xfrm>
-          <a:off y="0" x="0"/>
-          <a:ext cy="0" cx="0"/>
-          <a:chOff y="0" x="0"/>
-          <a:chExt cy="0" cx="0"/>
-        </a:xfrm>
-      </p:grpSpPr>
-      <p:sp>
-        <p:nvSpPr>
-          <p:cNvPr id="325" name="Shape 325"/>
-          <p:cNvSpPr txBox="1"/>
-          <p:nvPr>
-            <p:ph type="title"/>
-          </p:nvPr>
-        </p:nvSpPr>
-        <p:spPr>
-          <a:xfrm>
-            <a:off y="2007660" x="457200"/>
-            <a:ext cy="585599" cx="6492600"/>
-          </a:xfrm>
-          <a:prstGeom prst="rect">
-            <a:avLst/>
-          </a:prstGeom>
-          <a:noFill/>
-          <a:ln>
-            <a:noFill/>
-          </a:ln>
-        </p:spPr>
-        <p:txBody>
-          <a:bodyPr bIns="45700" rIns="45700" lIns="45700" tIns="45700" anchor="ctr" anchorCtr="0">
-            <a:noAutofit/>
-          </a:bodyPr>
-          <a:lstStyle/>
-          <a:p>
-            <a:pPr algn="l" rtl="0" lvl="0" marR="0" indent="0" marL="0">
-              <a:spcBef>
-                <a:spcPts val="0"/>
-              </a:spcBef>
-              <a:buSzPct val="25000"/>
-              <a:buNone/>
-            </a:pPr>
-            <a:r>
-              <a:rPr strike="noStrike" u="none" b="1" cap="none" baseline="0" sz="3200" lang="en-US" i="0">
-                <a:solidFill>
-                  <a:srgbClr val="404040"/>
-                </a:solidFill>
-                <a:latin typeface="Arial"/>
-                <a:ea typeface="Arial"/>
-                <a:cs typeface="Arial"/>
-                <a:sym typeface="Arial"/>
-              </a:rPr>
-              <a:t>Transition slide</a:t>
-            </a:r>
-          </a:p>
-        </p:txBody>
-      </p:sp>
-      <p:sp>
-        <p:nvSpPr>
-          <p:cNvPr id="326" name="Shape 326"/>
-          <p:cNvSpPr txBox="1"/>
-          <p:nvPr>
-            <p:ph idx="1" type="body"/>
-          </p:nvPr>
-        </p:nvSpPr>
-        <p:spPr>
-          <a:xfrm>
-            <a:off y="2593175" x="457200"/>
-            <a:ext cy="500699" cx="5003699"/>
-          </a:xfrm>
-          <a:prstGeom prst="rect">
-            <a:avLst/>
-          </a:prstGeom>
-          <a:noFill/>
-          <a:ln>
-            <a:noFill/>
-          </a:ln>
-        </p:spPr>
-        <p:txBody>
-          <a:bodyPr bIns="45700" rIns="45700" lIns="45700" tIns="45700" anchor="t" anchorCtr="0">
-            <a:noAutofit/>
-          </a:bodyPr>
-          <a:lstStyle/>
-          <a:p>
-            <a:pPr algn="l" rtl="0" lvl="0" marR="0" indent="0" marL="0">
-              <a:spcBef>
-                <a:spcPts val="0"/>
-              </a:spcBef>
-              <a:buClr>
-                <a:srgbClr val="3FA3D9"/>
-              </a:buClr>
-              <a:buFont typeface="Arial"/>
-              <a:buNone/>
-            </a:pPr>
-            <a:r>
-              <a:t/>
-            </a:r>
-            <a:endParaRPr strike="noStrike" u="none" b="0" cap="none" baseline="0" sz="2000" i="1">
-              <a:solidFill>
-                <a:srgbClr val="3FA3D9"/>
-              </a:solidFill>
-              <a:latin typeface="Arial"/>
-              <a:ea typeface="Arial"/>
-              <a:cs typeface="Arial"/>
-              <a:sym typeface="Arial"/>
-            </a:endParaRPr>
-          </a:p>
-        </p:txBody>
-      </p:sp>
-    </p:spTree>
-  </p:cSld>
-  <p:clrMapOvr>
-    <a:masterClrMapping/>
-  </p:clrMapOvr>
-  <p:transition spd="slow">
-    <p:cut/>
-  </p:transition>
-</p:sld>
-</file>
-
 <file path=ppt/slides/slide23.xml><?xml version="1.0" encoding="utf-8"?>
 <p:sld xmlns:a="http://schemas.openxmlformats.org/drawingml/2006/main" xmlns:r="http://schemas.openxmlformats.org/officeDocument/2006/relationships" xmlns:mc="http://schemas.openxmlformats.org/markup-compatibility/2006" xmlns:mv="urn:schemas-microsoft-com:mac:vml" xmlns:p="http://schemas.openxmlformats.org/presentationml/2006/main" xmlns:c="http://schemas.openxmlformats.org/drawingml/2006/chart" xmlns:dgm="http://schemas.openxmlformats.org/drawingml/2006/diagram" xmlns:o="urn:schemas-microsoft-com:office:office" xmlns:v="urn:schemas-microsoft-com:vml" xmlns:pvml="urn:schemas-microsoft-com:office:powerpoint" xmlns:com="http://schemas.openxmlformats.org/drawingml/2006/compatibility" xmlns:p14="http://schemas.microsoft.com/office/powerpoint/2010/main">
   <p:cSld>
@@ -20186,8 +20376,8 @@
         </p:nvSpPr>
         <p:spPr>
           <a:xfrm>
-            <a:off y="116054" x="450143"/>
-            <a:ext cy="585599" cx="8229600"/>
+            <a:off y="2007660" x="457200"/>
+            <a:ext cy="585599" cx="6492600"/>
           </a:xfrm>
           <a:prstGeom prst="rect">
             <a:avLst/>
@@ -20220,7 +20410,7 @@
                 <a:cs typeface="Arial"/>
                 <a:sym typeface="Arial"/>
               </a:rPr>
-              <a:t>Content slide</a:t>
+              <a:t>Transition slide</a:t>
             </a:r>
           </a:p>
         </p:txBody>
@@ -20235,8 +20425,8 @@
         </p:nvSpPr>
         <p:spPr>
           <a:xfrm>
-            <a:off y="704741" x="450143"/>
-            <a:ext cy="310800" cx="5003699"/>
+            <a:off y="2593175" x="457200"/>
+            <a:ext cy="500699" cx="5003699"/>
           </a:xfrm>
           <a:prstGeom prst="rect">
             <a:avLst/>
@@ -20253,6 +20443,135 @@
           <a:lstStyle/>
           <a:p>
             <a:pPr algn="l" rtl="0" lvl="0" marR="0" indent="0" marL="0">
+              <a:spcBef>
+                <a:spcPts val="0"/>
+              </a:spcBef>
+              <a:buClr>
+                <a:srgbClr val="3FA3D9"/>
+              </a:buClr>
+              <a:buFont typeface="Arial"/>
+              <a:buNone/>
+            </a:pPr>
+            <a:r>
+              <a:t/>
+            </a:r>
+            <a:endParaRPr strike="noStrike" u="none" b="0" cap="none" baseline="0" sz="2000" i="1">
+              <a:solidFill>
+                <a:srgbClr val="3FA3D9"/>
+              </a:solidFill>
+              <a:latin typeface="Arial"/>
+              <a:ea typeface="Arial"/>
+              <a:cs typeface="Arial"/>
+              <a:sym typeface="Arial"/>
+            </a:endParaRPr>
+          </a:p>
+        </p:txBody>
+      </p:sp>
+    </p:spTree>
+  </p:cSld>
+  <p:clrMapOvr>
+    <a:masterClrMapping/>
+  </p:clrMapOvr>
+  <p:transition spd="slow">
+    <p:cut/>
+  </p:transition>
+</p:sld>
+</file>
+
+<file path=ppt/slides/slide24.xml><?xml version="1.0" encoding="utf-8"?>
+<p:sld xmlns:a="http://schemas.openxmlformats.org/drawingml/2006/main" xmlns:r="http://schemas.openxmlformats.org/officeDocument/2006/relationships" xmlns:mc="http://schemas.openxmlformats.org/markup-compatibility/2006" xmlns:mv="urn:schemas-microsoft-com:mac:vml" xmlns:p="http://schemas.openxmlformats.org/presentationml/2006/main" xmlns:c="http://schemas.openxmlformats.org/drawingml/2006/chart" xmlns:dgm="http://schemas.openxmlformats.org/drawingml/2006/diagram" xmlns:o="urn:schemas-microsoft-com:office:office" xmlns:v="urn:schemas-microsoft-com:vml" xmlns:pvml="urn:schemas-microsoft-com:office:powerpoint" xmlns:com="http://schemas.openxmlformats.org/drawingml/2006/compatibility" xmlns:p14="http://schemas.microsoft.com/office/powerpoint/2010/main">
+  <p:cSld>
+    <p:spTree>
+      <p:nvGrpSpPr>
+        <p:cNvPr id="336" name="Shape 336"/>
+        <p:cNvGrpSpPr/>
+        <p:nvPr/>
+      </p:nvGrpSpPr>
+      <p:grpSpPr>
+        <a:xfrm>
+          <a:off y="0" x="0"/>
+          <a:ext cy="0" cx="0"/>
+          <a:chOff y="0" x="0"/>
+          <a:chExt cy="0" cx="0"/>
+        </a:xfrm>
+      </p:grpSpPr>
+      <p:sp>
+        <p:nvSpPr>
+          <p:cNvPr id="337" name="Shape 337"/>
+          <p:cNvSpPr txBox="1"/>
+          <p:nvPr>
+            <p:ph type="title"/>
+          </p:nvPr>
+        </p:nvSpPr>
+        <p:spPr>
+          <a:xfrm>
+            <a:off y="116054" x="450143"/>
+            <a:ext cy="585599" cx="8229600"/>
+          </a:xfrm>
+          <a:prstGeom prst="rect">
+            <a:avLst/>
+          </a:prstGeom>
+          <a:noFill/>
+          <a:ln>
+            <a:noFill/>
+          </a:ln>
+        </p:spPr>
+        <p:txBody>
+          <a:bodyPr bIns="45700" rIns="45700" lIns="45700" tIns="45700" anchor="ctr" anchorCtr="0">
+            <a:noAutofit/>
+          </a:bodyPr>
+          <a:lstStyle/>
+          <a:p>
+            <a:pPr algn="l" rtl="0" lvl="0" marR="0" indent="0" marL="0">
+              <a:spcBef>
+                <a:spcPts val="0"/>
+              </a:spcBef>
+              <a:buSzPct val="25000"/>
+              <a:buNone/>
+            </a:pPr>
+            <a:r>
+              <a:rPr strike="noStrike" u="none" b="1" cap="none" baseline="0" sz="3200" lang="en-US" i="0">
+                <a:solidFill>
+                  <a:srgbClr val="404040"/>
+                </a:solidFill>
+                <a:latin typeface="Arial"/>
+                <a:ea typeface="Arial"/>
+                <a:cs typeface="Arial"/>
+                <a:sym typeface="Arial"/>
+              </a:rPr>
+              <a:t>Content slide</a:t>
+            </a:r>
+          </a:p>
+        </p:txBody>
+      </p:sp>
+      <p:sp>
+        <p:nvSpPr>
+          <p:cNvPr id="338" name="Shape 338"/>
+          <p:cNvSpPr txBox="1"/>
+          <p:nvPr>
+            <p:ph idx="1" type="body"/>
+          </p:nvPr>
+        </p:nvSpPr>
+        <p:spPr>
+          <a:xfrm>
+            <a:off y="704741" x="450143"/>
+            <a:ext cy="310800" cx="5003699"/>
+          </a:xfrm>
+          <a:prstGeom prst="rect">
+            <a:avLst/>
+          </a:prstGeom>
+          <a:noFill/>
+          <a:ln>
+            <a:noFill/>
+          </a:ln>
+        </p:spPr>
+        <p:txBody>
+          <a:bodyPr bIns="45700" rIns="45700" lIns="45700" tIns="45700" anchor="t" anchorCtr="0">
+            <a:noAutofit/>
+          </a:bodyPr>
+          <a:lstStyle/>
+          <a:p>
+            <a:pPr algn="l" rtl="0" lvl="0" marR="0" indent="0" marL="0">
               <a:lnSpc>
                 <a:spcPct val="80000"/>
               </a:lnSpc>
@@ -20282,7 +20601,7 @@
       </p:sp>
       <p:sp>
         <p:nvSpPr>
-          <p:cNvPr id="333" name="Shape 333"/>
+          <p:cNvPr id="339" name="Shape 339"/>
           <p:cNvSpPr/>
           <p:nvPr/>
         </p:nvSpPr>
@@ -23482,7 +23801,7 @@
 </file>
 
 <file path=ppt/theme/theme1.xml><?xml version="1.0" encoding="utf-8"?>
-<a:theme xmlns:a="http://schemas.openxmlformats.org/drawingml/2006/main" xmlns:r="http://schemas.openxmlformats.org/officeDocument/2006/relationships" name="Custom Theme">
+<a:theme xmlns:a="http://schemas.openxmlformats.org/drawingml/2006/main" xmlns:r="http://schemas.openxmlformats.org/officeDocument/2006/relationships" name="Default">
   <a:themeElements>
     <a:clrScheme name="Default">
       <a:dk1>
@@ -23492,34 +23811,34 @@
         <a:srgbClr val="FFFFFF"/>
       </a:lt1>
       <a:dk2>
-        <a:srgbClr val="158158"/>
+        <a:srgbClr val="A7A7A7"/>
       </a:dk2>
       <a:lt2>
-        <a:srgbClr val="F3F3F3"/>
+        <a:srgbClr val="535353"/>
       </a:lt2>
       <a:accent1>
-        <a:srgbClr val="058DC7"/>
+        <a:srgbClr val="DDDDDD"/>
       </a:accent1>
       <a:accent2>
-        <a:srgbClr val="50B432"/>
+        <a:srgbClr val="B2B2B2"/>
       </a:accent2>
       <a:accent3>
-        <a:srgbClr val="ED561B"/>
+        <a:srgbClr val="969696"/>
       </a:accent3>
       <a:accent4>
-        <a:srgbClr val="EDEF00"/>
+        <a:srgbClr val="808080"/>
       </a:accent4>
       <a:accent5>
-        <a:srgbClr val="24CBE5"/>
+        <a:srgbClr val="5F5F5F"/>
       </a:accent5>
       <a:accent6>
-        <a:srgbClr val="64E572"/>
+        <a:srgbClr val="4D4D4D"/>
       </a:accent6>
       <a:hlink>
-        <a:srgbClr val="2200CC"/>
+        <a:srgbClr val="0000FF"/>
       </a:hlink>
       <a:folHlink>
-        <a:srgbClr val="551A8B"/>
+        <a:srgbClr val="FF00FF"/>
       </a:folHlink>
     </a:clrScheme>
     <a:fontScheme name="Office">
@@ -23759,7 +24078,7 @@
 </file>
 
 <file path=ppt/theme/theme2.xml><?xml version="1.0" encoding="utf-8"?>
-<a:theme xmlns:a="http://schemas.openxmlformats.org/drawingml/2006/main" xmlns:r="http://schemas.openxmlformats.org/officeDocument/2006/relationships" name="Default">
+<a:theme xmlns:a="http://schemas.openxmlformats.org/drawingml/2006/main" xmlns:r="http://schemas.openxmlformats.org/officeDocument/2006/relationships" name="Custom Theme">
   <a:themeElements>
     <a:clrScheme name="Default">
       <a:dk1>
@@ -23769,34 +24088,34 @@
         <a:srgbClr val="FFFFFF"/>
       </a:lt1>
       <a:dk2>
-        <a:srgbClr val="A7A7A7"/>
+        <a:srgbClr val="158158"/>
       </a:dk2>
       <a:lt2>
-        <a:srgbClr val="535353"/>
+        <a:srgbClr val="F3F3F3"/>
       </a:lt2>
       <a:accent1>
-        <a:srgbClr val="DDDDDD"/>
+        <a:srgbClr val="058DC7"/>
       </a:accent1>
       <a:accent2>
-        <a:srgbClr val="B2B2B2"/>
+        <a:srgbClr val="50B432"/>
       </a:accent2>
       <a:accent3>
-        <a:srgbClr val="969696"/>
+        <a:srgbClr val="ED561B"/>
       </a:accent3>
       <a:accent4>
-        <a:srgbClr val="808080"/>
+        <a:srgbClr val="EDEF00"/>
       </a:accent4>
       <a:accent5>
-        <a:srgbClr val="5F5F5F"/>
+        <a:srgbClr val="24CBE5"/>
       </a:accent5>
       <a:accent6>
-        <a:srgbClr val="4D4D4D"/>
+        <a:srgbClr val="64E572"/>
       </a:accent6>
       <a:hlink>
-        <a:srgbClr val="0000FF"/>
+        <a:srgbClr val="2200CC"/>
       </a:hlink>
       <a:folHlink>
-        <a:srgbClr val="FF00FF"/>
+        <a:srgbClr val="551A8B"/>
       </a:folHlink>
     </a:clrScheme>
     <a:fontScheme name="Office">
